--- a/DrinkIt.WebApp/Artifacts/Apresentação TG - Drink-IT - Gabriel Lima - Gustavo da Rosa.pptx
+++ b/DrinkIt.WebApp/Artifacts/Apresentação TG - Drink-IT - Gabriel Lima - Gustavo da Rosa.pptx
@@ -15110,6 +15110,40 @@
           </a:p>
         </p:txBody>
       </p:sp>
+      <p:pic>
+        <p:nvPicPr>
+          <p:cNvPr id="7" name="Imagem 6" descr="Uma imagem contendo texto, mapa&#10;&#10;Descrição gerada automaticamente">
+            <a:extLst>
+              <a:ext uri="{FF2B5EF4-FFF2-40B4-BE49-F238E27FC236}">
+                <a16:creationId xmlns:a16="http://schemas.microsoft.com/office/drawing/2014/main" id="{A0B61AC6-6E4B-4C08-89EE-D2EF2CFCEF97}"/>
+              </a:ext>
+            </a:extLst>
+          </p:cNvPr>
+          <p:cNvPicPr/>
+          <p:nvPr/>
+        </p:nvPicPr>
+        <p:blipFill>
+          <a:blip r:embed="rId2">
+            <a:extLst>
+              <a:ext uri="{28A0092B-C50C-407E-A947-70E740481C1C}">
+                <a14:useLocalDpi xmlns:a14="http://schemas.microsoft.com/office/drawing/2010/main" val="0"/>
+              </a:ext>
+            </a:extLst>
+          </a:blip>
+          <a:stretch>
+            <a:fillRect/>
+          </a:stretch>
+        </p:blipFill>
+        <p:spPr>
+          <a:xfrm>
+            <a:off x="0" y="1656525"/>
+            <a:ext cx="9144000" cy="4558737"/>
+          </a:xfrm>
+          <a:prstGeom prst="rect">
+            <a:avLst/>
+          </a:prstGeom>
+        </p:spPr>
+      </p:pic>
     </p:spTree>
     <p:extLst>
       <p:ext uri="{BB962C8B-B14F-4D97-AF65-F5344CB8AC3E}">
@@ -15150,10 +15184,15 @@
             <p:ph type="title"/>
           </p:nvPr>
         </p:nvSpPr>
-        <p:spPr/>
+        <p:spPr>
+          <a:xfrm>
+            <a:off x="702365" y="35896"/>
+            <a:ext cx="6571343" cy="454434"/>
+          </a:xfrm>
+        </p:spPr>
         <p:txBody>
           <a:bodyPr>
-            <a:normAutofit/>
+            <a:normAutofit fontScale="90000"/>
           </a:bodyPr>
           <a:lstStyle/>
           <a:p>
@@ -15225,6 +15264,40 @@
           </a:p>
         </p:txBody>
       </p:sp>
+      <p:pic>
+        <p:nvPicPr>
+          <p:cNvPr id="7" name="Imagem 6" descr="Uma imagem contendo texto, mapa&#10;&#10;Descrição gerada automaticamente">
+            <a:extLst>
+              <a:ext uri="{FF2B5EF4-FFF2-40B4-BE49-F238E27FC236}">
+                <a16:creationId xmlns:a16="http://schemas.microsoft.com/office/drawing/2014/main" id="{50D52B57-FCCA-4F29-A80F-77B2D9FA4E65}"/>
+              </a:ext>
+            </a:extLst>
+          </p:cNvPr>
+          <p:cNvPicPr/>
+          <p:nvPr/>
+        </p:nvPicPr>
+        <p:blipFill>
+          <a:blip r:embed="rId2">
+            <a:extLst>
+              <a:ext uri="{28A0092B-C50C-407E-A947-70E740481C1C}">
+                <a14:useLocalDpi xmlns:a14="http://schemas.microsoft.com/office/drawing/2010/main" val="0"/>
+              </a:ext>
+            </a:extLst>
+          </a:blip>
+          <a:stretch>
+            <a:fillRect/>
+          </a:stretch>
+        </p:blipFill>
+        <p:spPr>
+          <a:xfrm>
+            <a:off x="0" y="490331"/>
+            <a:ext cx="9144000" cy="5762514"/>
+          </a:xfrm>
+          <a:prstGeom prst="rect">
+            <a:avLst/>
+          </a:prstGeom>
+        </p:spPr>
+      </p:pic>
     </p:spTree>
     <p:extLst>
       <p:ext uri="{BB962C8B-B14F-4D97-AF65-F5344CB8AC3E}">
@@ -15265,6 +15338,151 @@
             <p:ph type="title"/>
           </p:nvPr>
         </p:nvSpPr>
+        <p:spPr>
+          <a:xfrm>
+            <a:off x="1286327" y="174987"/>
+            <a:ext cx="6571343" cy="378091"/>
+          </a:xfrm>
+        </p:spPr>
+        <p:txBody>
+          <a:bodyPr>
+            <a:normAutofit fontScale="90000"/>
+          </a:bodyPr>
+          <a:lstStyle/>
+          <a:p>
+            <a:pPr algn="ctr"/>
+            <a:r>
+              <a:rPr lang="pt-BR" sz="2400" dirty="0"/>
+              <a:t>Diagrama de arquitetura do sistema</a:t>
+            </a:r>
+          </a:p>
+        </p:txBody>
+      </p:sp>
+      <p:cxnSp>
+        <p:nvCxnSpPr>
+          <p:cNvPr id="5" name="Conector reto 4">
+            <a:extLst>
+              <a:ext uri="{FF2B5EF4-FFF2-40B4-BE49-F238E27FC236}">
+                <a16:creationId xmlns:a16="http://schemas.microsoft.com/office/drawing/2014/main" id="{00B6769B-994B-4E7B-8C9C-0728EA8CC21B}"/>
+              </a:ext>
+            </a:extLst>
+          </p:cNvPr>
+          <p:cNvCxnSpPr/>
+          <p:nvPr/>
+        </p:nvCxnSpPr>
+        <p:spPr>
+          <a:xfrm>
+            <a:off x="748747" y="662609"/>
+            <a:ext cx="7646505" cy="0"/>
+          </a:xfrm>
+          <a:prstGeom prst="line">
+            <a:avLst/>
+          </a:prstGeom>
+        </p:spPr>
+        <p:style>
+          <a:lnRef idx="1">
+            <a:schemeClr val="accent1"/>
+          </a:lnRef>
+          <a:fillRef idx="0">
+            <a:schemeClr val="accent1"/>
+          </a:fillRef>
+          <a:effectRef idx="0">
+            <a:schemeClr val="accent1"/>
+          </a:effectRef>
+          <a:fontRef idx="minor">
+            <a:schemeClr val="tx1"/>
+          </a:fontRef>
+        </p:style>
+      </p:cxnSp>
+      <p:pic>
+        <p:nvPicPr>
+          <p:cNvPr id="7" name="Imagem 6">
+            <a:extLst>
+              <a:ext uri="{FF2B5EF4-FFF2-40B4-BE49-F238E27FC236}">
+                <a16:creationId xmlns:a16="http://schemas.microsoft.com/office/drawing/2014/main" id="{73C2D451-5C20-40AC-A4C1-FCF15647931C}"/>
+              </a:ext>
+            </a:extLst>
+          </p:cNvPr>
+          <p:cNvPicPr/>
+          <p:nvPr/>
+        </p:nvPicPr>
+        <p:blipFill>
+          <a:blip r:embed="rId2">
+            <a:extLst>
+              <a:ext uri="{28A0092B-C50C-407E-A947-70E740481C1C}">
+                <a14:useLocalDpi xmlns:a14="http://schemas.microsoft.com/office/drawing/2010/main" val="0"/>
+              </a:ext>
+            </a:extLst>
+          </a:blip>
+          <a:srcRect/>
+          <a:stretch>
+            <a:fillRect/>
+          </a:stretch>
+        </p:blipFill>
+        <p:spPr bwMode="auto">
+          <a:xfrm>
+            <a:off x="2464545" y="821636"/>
+            <a:ext cx="3883247" cy="5350132"/>
+          </a:xfrm>
+          <a:prstGeom prst="rect">
+            <a:avLst/>
+          </a:prstGeom>
+          <a:ln w="12700" cap="sq">
+            <a:solidFill>
+              <a:srgbClr val="000000"/>
+            </a:solidFill>
+            <a:prstDash val="solid"/>
+            <a:miter lim="800000"/>
+          </a:ln>
+          <a:effectLst>
+            <a:outerShdw blurRad="50800" dist="38100" dir="2700000" algn="tl" rotWithShape="0">
+              <a:srgbClr val="000000">
+                <a:alpha val="43000"/>
+              </a:srgbClr>
+            </a:outerShdw>
+          </a:effectLst>
+        </p:spPr>
+      </p:pic>
+    </p:spTree>
+    <p:extLst>
+      <p:ext uri="{BB962C8B-B14F-4D97-AF65-F5344CB8AC3E}">
+        <p14:creationId xmlns:p14="http://schemas.microsoft.com/office/powerpoint/2010/main" val="1878516094"/>
+      </p:ext>
+    </p:extLst>
+  </p:cSld>
+  <p:clrMapOvr>
+    <a:masterClrMapping/>
+  </p:clrMapOvr>
+</p:sld>
+</file>
+
+<file path=ppt/slides/slide23.xml><?xml version="1.0" encoding="utf-8"?>
+<p:sld xmlns:a="http://schemas.openxmlformats.org/drawingml/2006/main" xmlns:r="http://schemas.openxmlformats.org/officeDocument/2006/relationships" xmlns:p="http://schemas.openxmlformats.org/presentationml/2006/main">
+  <p:cSld>
+    <p:spTree>
+      <p:nvGrpSpPr>
+        <p:cNvPr id="1" name=""/>
+        <p:cNvGrpSpPr/>
+        <p:nvPr/>
+      </p:nvGrpSpPr>
+      <p:grpSpPr>
+        <a:xfrm>
+          <a:off x="0" y="0"/>
+          <a:ext cx="0" cy="0"/>
+          <a:chOff x="0" y="0"/>
+          <a:chExt cx="0" cy="0"/>
+        </a:xfrm>
+      </p:grpSpPr>
+      <p:sp>
+        <p:nvSpPr>
+          <p:cNvPr id="2" name="Título 1"/>
+          <p:cNvSpPr>
+            <a:spLocks noGrp="1"/>
+          </p:cNvSpPr>
+          <p:nvPr>
+            <p:ph type="title"/>
+          </p:nvPr>
+        </p:nvSpPr>
         <p:spPr/>
         <p:txBody>
           <a:bodyPr>
@@ -15273,8 +15491,8 @@
           <a:lstStyle/>
           <a:p>
             <a:r>
-              <a:rPr lang="pt-BR" sz="2400" dirty="0"/>
-              <a:t>Diagrama de arquitetura do sistema</a:t>
+              <a:rPr lang="pt-BR" dirty="0"/>
+              <a:t>Tecnologias utilizadas </a:t>
             </a:r>
           </a:p>
         </p:txBody>
@@ -15336,122 +15554,83 @@
           <a:bodyPr/>
           <a:lstStyle/>
           <a:p>
-            <a:endParaRPr lang="pt-BR"/>
-          </a:p>
-        </p:txBody>
-      </p:sp>
-    </p:spTree>
-    <p:extLst>
-      <p:ext uri="{BB962C8B-B14F-4D97-AF65-F5344CB8AC3E}">
-        <p14:creationId xmlns:p14="http://schemas.microsoft.com/office/powerpoint/2010/main" val="1878516094"/>
-      </p:ext>
-    </p:extLst>
-  </p:cSld>
-  <p:clrMapOvr>
-    <a:masterClrMapping/>
-  </p:clrMapOvr>
-</p:sld>
-</file>
-
-<file path=ppt/slides/slide23.xml><?xml version="1.0" encoding="utf-8"?>
-<p:sld xmlns:a="http://schemas.openxmlformats.org/drawingml/2006/main" xmlns:r="http://schemas.openxmlformats.org/officeDocument/2006/relationships" xmlns:p="http://schemas.openxmlformats.org/presentationml/2006/main">
-  <p:cSld>
-    <p:spTree>
-      <p:nvGrpSpPr>
-        <p:cNvPr id="1" name=""/>
-        <p:cNvGrpSpPr/>
-        <p:nvPr/>
-      </p:nvGrpSpPr>
-      <p:grpSpPr>
-        <a:xfrm>
-          <a:off x="0" y="0"/>
-          <a:ext cx="0" cy="0"/>
-          <a:chOff x="0" y="0"/>
-          <a:chExt cx="0" cy="0"/>
-        </a:xfrm>
-      </p:grpSpPr>
-      <p:sp>
-        <p:nvSpPr>
-          <p:cNvPr id="2" name="Título 1"/>
-          <p:cNvSpPr>
-            <a:spLocks noGrp="1"/>
-          </p:cNvSpPr>
-          <p:nvPr>
-            <p:ph type="title"/>
-          </p:nvPr>
-        </p:nvSpPr>
-        <p:spPr/>
-        <p:txBody>
-          <a:bodyPr>
-            <a:normAutofit/>
-          </a:bodyPr>
-          <a:lstStyle/>
-          <a:p>
             <a:r>
               <a:rPr lang="pt-BR" dirty="0"/>
-              <a:t>Tecnologias utilizadas </a:t>
+              <a:t>Linguagem de programação: C# (C-Sharp)</a:t>
             </a:r>
           </a:p>
-        </p:txBody>
-      </p:sp>
-      <p:cxnSp>
-        <p:nvCxnSpPr>
-          <p:cNvPr id="5" name="Conector reto 4">
-            <a:extLst>
-              <a:ext uri="{FF2B5EF4-FFF2-40B4-BE49-F238E27FC236}">
-                <a16:creationId xmlns:a16="http://schemas.microsoft.com/office/drawing/2014/main" id="{00B6769B-994B-4E7B-8C9C-0728EA8CC21B}"/>
-              </a:ext>
-            </a:extLst>
-          </p:cNvPr>
-          <p:cNvCxnSpPr/>
-          <p:nvPr/>
-        </p:nvCxnSpPr>
-        <p:spPr>
-          <a:xfrm>
-            <a:off x="702365" y="1616765"/>
-            <a:ext cx="7646505" cy="0"/>
-          </a:xfrm>
-          <a:prstGeom prst="line">
-            <a:avLst/>
-          </a:prstGeom>
-        </p:spPr>
-        <p:style>
-          <a:lnRef idx="1">
-            <a:schemeClr val="accent1"/>
-          </a:lnRef>
-          <a:fillRef idx="0">
-            <a:schemeClr val="accent1"/>
-          </a:fillRef>
-          <a:effectRef idx="0">
-            <a:schemeClr val="accent1"/>
-          </a:effectRef>
-          <a:fontRef idx="minor">
-            <a:schemeClr val="tx1"/>
-          </a:fontRef>
-        </p:style>
-      </p:cxnSp>
-      <p:sp>
-        <p:nvSpPr>
-          <p:cNvPr id="6" name="Espaço Reservado para Conteúdo 5">
-            <a:extLst>
-              <a:ext uri="{FF2B5EF4-FFF2-40B4-BE49-F238E27FC236}">
-                <a16:creationId xmlns:a16="http://schemas.microsoft.com/office/drawing/2014/main" id="{E19167D8-F64E-4A6D-AB46-833B82BEC4DB}"/>
-              </a:ext>
-            </a:extLst>
-          </p:cNvPr>
-          <p:cNvSpPr>
-            <a:spLocks noGrp="1"/>
-          </p:cNvSpPr>
-          <p:nvPr>
-            <p:ph idx="1"/>
-          </p:nvPr>
-        </p:nvSpPr>
-        <p:spPr/>
-        <p:txBody>
-          <a:bodyPr/>
-          <a:lstStyle/>
-          <a:p>
-            <a:endParaRPr lang="pt-BR"/>
+          <a:p>
+            <a:r>
+              <a:rPr lang="pt-BR" dirty="0"/>
+              <a:t>Framework MVC – ASP.NET MVC</a:t>
+            </a:r>
+          </a:p>
+          <a:p>
+            <a:r>
+              <a:rPr lang="pt-BR" dirty="0"/>
+              <a:t>Front-</a:t>
+            </a:r>
+            <a:r>
+              <a:rPr lang="pt-BR" dirty="0" err="1"/>
+              <a:t>end</a:t>
+            </a:r>
+            <a:r>
+              <a:rPr lang="pt-BR" dirty="0"/>
+              <a:t> – </a:t>
+            </a:r>
+            <a:r>
+              <a:rPr lang="pt-BR" dirty="0" err="1"/>
+              <a:t>Bootstrap</a:t>
+            </a:r>
+            <a:r>
+              <a:rPr lang="pt-BR" dirty="0"/>
+              <a:t> 3.3</a:t>
+            </a:r>
+          </a:p>
+          <a:p>
+            <a:r>
+              <a:rPr lang="pt-BR" dirty="0"/>
+              <a:t>Banco de dados – Microsoft SQL Server (MSSQL Server)</a:t>
+            </a:r>
+          </a:p>
+          <a:p>
+            <a:r>
+              <a:rPr lang="pt-BR" dirty="0"/>
+              <a:t>Gráficos – Chart.JS</a:t>
+            </a:r>
+          </a:p>
+          <a:p>
+            <a:r>
+              <a:rPr lang="pt-BR" dirty="0"/>
+              <a:t>Testes funcionais – </a:t>
+            </a:r>
+            <a:r>
+              <a:rPr lang="pt-BR" dirty="0" err="1"/>
+              <a:t>XUnit</a:t>
+            </a:r>
+            <a:r>
+              <a:rPr lang="pt-BR" dirty="0"/>
+              <a:t> + </a:t>
+            </a:r>
+            <a:r>
+              <a:rPr lang="pt-BR" dirty="0" err="1"/>
+              <a:t>Selenium</a:t>
+            </a:r>
+            <a:r>
+              <a:rPr lang="pt-BR" dirty="0"/>
+              <a:t> Web Driver</a:t>
+            </a:r>
+          </a:p>
+          <a:p>
+            <a:r>
+              <a:rPr lang="pt-BR" dirty="0"/>
+              <a:t>Logs de transação - </a:t>
+            </a:r>
+            <a:r>
+              <a:rPr lang="pt-BR" dirty="0" err="1"/>
+              <a:t>NLog</a:t>
+            </a:r>
+            <a:endParaRPr lang="pt-BR" dirty="0"/>
           </a:p>
         </p:txBody>
       </p:sp>
@@ -15495,13 +15674,19 @@
             <p:ph type="title"/>
           </p:nvPr>
         </p:nvSpPr>
-        <p:spPr/>
+        <p:spPr>
+          <a:xfrm>
+            <a:off x="1443945" y="75651"/>
+            <a:ext cx="6571343" cy="441184"/>
+          </a:xfrm>
+        </p:spPr>
         <p:txBody>
           <a:bodyPr>
-            <a:normAutofit/>
+            <a:normAutofit fontScale="90000"/>
           </a:bodyPr>
           <a:lstStyle/>
           <a:p>
+            <a:pPr algn="ctr"/>
             <a:r>
               <a:rPr lang="pt-BR" dirty="0"/>
               <a:t>Cronograma de entregas</a:t>
@@ -15523,7 +15708,7 @@
         </p:nvCxnSpPr>
         <p:spPr>
           <a:xfrm>
-            <a:off x="702365" y="1616765"/>
+            <a:off x="702819" y="702364"/>
             <a:ext cx="7646505" cy="0"/>
           </a:xfrm>
           <a:prstGeom prst="line">
@@ -15545,31 +15730,623 @@
           </a:fontRef>
         </p:style>
       </p:cxnSp>
-      <p:sp>
-        <p:nvSpPr>
-          <p:cNvPr id="6" name="Espaço Reservado para Conteúdo 5">
+      <p:graphicFrame>
+        <p:nvGraphicFramePr>
+          <p:cNvPr id="3" name="Tabela 3">
             <a:extLst>
               <a:ext uri="{FF2B5EF4-FFF2-40B4-BE49-F238E27FC236}">
-                <a16:creationId xmlns:a16="http://schemas.microsoft.com/office/drawing/2014/main" id="{E19167D8-F64E-4A6D-AB46-833B82BEC4DB}"/>
+                <a16:creationId xmlns:a16="http://schemas.microsoft.com/office/drawing/2014/main" id="{F6D5A0C7-7B9A-47AE-B6F7-309982EC4E67}"/>
               </a:ext>
             </a:extLst>
           </p:cNvPr>
-          <p:cNvSpPr>
-            <a:spLocks noGrp="1"/>
-          </p:cNvSpPr>
+          <p:cNvGraphicFramePr>
+            <a:graphicFrameLocks noGrp="1"/>
+          </p:cNvGraphicFramePr>
           <p:nvPr>
             <p:ph idx="1"/>
+            <p:extLst>
+              <p:ext uri="{D42A27DB-BD31-4B8C-83A1-F6EECF244321}">
+                <p14:modId xmlns:p14="http://schemas.microsoft.com/office/powerpoint/2010/main" val="3421369056"/>
+              </p:ext>
+            </p:extLst>
           </p:nvPr>
-        </p:nvSpPr>
-        <p:spPr/>
-        <p:txBody>
-          <a:bodyPr/>
-          <a:lstStyle/>
-          <a:p>
-            <a:endParaRPr lang="pt-BR"/>
-          </a:p>
-        </p:txBody>
-      </p:sp>
+        </p:nvGraphicFramePr>
+        <p:xfrm>
+          <a:off x="0" y="579568"/>
+          <a:ext cx="9144000" cy="6220952"/>
+        </p:xfrm>
+        <a:graphic>
+          <a:graphicData uri="http://schemas.openxmlformats.org/drawingml/2006/table">
+            <a:tbl>
+              <a:tblPr firstRow="1" bandRow="1">
+                <a:tableStyleId>{5C22544A-7EE6-4342-B048-85BDC9FD1C3A}</a:tableStyleId>
+              </a:tblPr>
+              <a:tblGrid>
+                <a:gridCol w="1328547">
+                  <a:extLst>
+                    <a:ext uri="{9D8B030D-6E8A-4147-A177-3AD203B41FA5}">
+                      <a16:colId xmlns:a16="http://schemas.microsoft.com/office/drawing/2014/main" val="2759759386"/>
+                    </a:ext>
+                  </a:extLst>
+                </a:gridCol>
+                <a:gridCol w="7815453">
+                  <a:extLst>
+                    <a:ext uri="{9D8B030D-6E8A-4147-A177-3AD203B41FA5}">
+                      <a16:colId xmlns:a16="http://schemas.microsoft.com/office/drawing/2014/main" val="582159512"/>
+                    </a:ext>
+                  </a:extLst>
+                </a:gridCol>
+              </a:tblGrid>
+              <a:tr h="338022">
+                <a:tc>
+                  <a:txBody>
+                    <a:bodyPr/>
+                    <a:lstStyle/>
+                    <a:p>
+                      <a:r>
+                        <a:rPr lang="pt-BR" dirty="0"/>
+                        <a:t>DATA</a:t>
+                      </a:r>
+                    </a:p>
+                  </a:txBody>
+                  <a:tcPr/>
+                </a:tc>
+                <a:tc>
+                  <a:txBody>
+                    <a:bodyPr/>
+                    <a:lstStyle/>
+                    <a:p>
+                      <a:r>
+                        <a:rPr lang="pt-BR" dirty="0"/>
+                        <a:t>ENTREGA</a:t>
+                      </a:r>
+                    </a:p>
+                  </a:txBody>
+                  <a:tcPr/>
+                </a:tc>
+                <a:extLst>
+                  <a:ext uri="{0D108BD9-81ED-4DB2-BD59-A6C34878D82A}">
+                    <a16:rowId xmlns:a16="http://schemas.microsoft.com/office/drawing/2014/main" val="2061294802"/>
+                  </a:ext>
+                </a:extLst>
+              </a:tr>
+              <a:tr h="458414">
+                <a:tc>
+                  <a:txBody>
+                    <a:bodyPr/>
+                    <a:lstStyle/>
+                    <a:p>
+                      <a:r>
+                        <a:rPr lang="pt-BR" dirty="0"/>
+                        <a:t>05/08/2019</a:t>
+                      </a:r>
+                    </a:p>
+                  </a:txBody>
+                  <a:tcPr/>
+                </a:tc>
+                <a:tc>
+                  <a:txBody>
+                    <a:bodyPr/>
+                    <a:lstStyle/>
+                    <a:p>
+                      <a:r>
+                        <a:rPr lang="pt-BR" dirty="0"/>
+                        <a:t>E-mail com grupo, tema do e-commerce, tecnologias a serem utilizadas e primeira versão do documento de requisitos;</a:t>
+                      </a:r>
+                    </a:p>
+                  </a:txBody>
+                  <a:tcPr/>
+                </a:tc>
+                <a:extLst>
+                  <a:ext uri="{0D108BD9-81ED-4DB2-BD59-A6C34878D82A}">
+                    <a16:rowId xmlns:a16="http://schemas.microsoft.com/office/drawing/2014/main" val="624507616"/>
+                  </a:ext>
+                </a:extLst>
+              </a:tr>
+              <a:tr h="338022">
+                <a:tc>
+                  <a:txBody>
+                    <a:bodyPr/>
+                    <a:lstStyle/>
+                    <a:p>
+                      <a:r>
+                        <a:rPr lang="pt-BR" dirty="0"/>
+                        <a:t>07/08/2019</a:t>
+                      </a:r>
+                    </a:p>
+                  </a:txBody>
+                  <a:tcPr/>
+                </a:tc>
+                <a:tc>
+                  <a:txBody>
+                    <a:bodyPr/>
+                    <a:lstStyle/>
+                    <a:p>
+                      <a:r>
+                        <a:rPr lang="pt-BR" dirty="0"/>
+                        <a:t>Protótipos de telas Funcional (Execução no Browser);</a:t>
+                      </a:r>
+                    </a:p>
+                  </a:txBody>
+                  <a:tcPr/>
+                </a:tc>
+                <a:extLst>
+                  <a:ext uri="{0D108BD9-81ED-4DB2-BD59-A6C34878D82A}">
+                    <a16:rowId xmlns:a16="http://schemas.microsoft.com/office/drawing/2014/main" val="1170674606"/>
+                  </a:ext>
+                </a:extLst>
+              </a:tr>
+              <a:tr h="458414">
+                <a:tc>
+                  <a:txBody>
+                    <a:bodyPr/>
+                    <a:lstStyle/>
+                    <a:p>
+                      <a:r>
+                        <a:rPr lang="pt-BR" dirty="0"/>
+                        <a:t>19/08/2019</a:t>
+                      </a:r>
+                    </a:p>
+                  </a:txBody>
+                  <a:tcPr/>
+                </a:tc>
+                <a:tc>
+                  <a:txBody>
+                    <a:bodyPr/>
+                    <a:lstStyle/>
+                    <a:p>
+                      <a:r>
+                        <a:rPr lang="pt-BR" dirty="0"/>
+                        <a:t>Testes funcionais dos protótipos de telas do CRUD a ser entregue dia 26/08/2019;</a:t>
+                      </a:r>
+                    </a:p>
+                  </a:txBody>
+                  <a:tcPr/>
+                </a:tc>
+                <a:extLst>
+                  <a:ext uri="{0D108BD9-81ED-4DB2-BD59-A6C34878D82A}">
+                    <a16:rowId xmlns:a16="http://schemas.microsoft.com/office/drawing/2014/main" val="800531450"/>
+                  </a:ext>
+                </a:extLst>
+              </a:tr>
+              <a:tr h="338022">
+                <a:tc>
+                  <a:txBody>
+                    <a:bodyPr/>
+                    <a:lstStyle/>
+                    <a:p>
+                      <a:r>
+                        <a:rPr lang="pt-BR" dirty="0"/>
+                        <a:t>26/08/2019</a:t>
+                      </a:r>
+                    </a:p>
+                  </a:txBody>
+                  <a:tcPr/>
+                </a:tc>
+                <a:tc>
+                  <a:txBody>
+                    <a:bodyPr/>
+                    <a:lstStyle/>
+                    <a:p>
+                      <a:r>
+                        <a:rPr lang="pt-BR" dirty="0"/>
+                        <a:t>CRUD na arquitetura definida –contemplando requisitos equivalentes aos requisitos de cliente no documento de referência, deverá junto com a apresentação ter uma matriz que demonstre quais requisitos </a:t>
+                      </a:r>
+                      <a:r>
+                        <a:rPr lang="pt-BR" sz="1200" dirty="0"/>
+                        <a:t>(RF, RNF E RNS) </a:t>
+                      </a:r>
+                      <a:r>
+                        <a:rPr lang="pt-BR" dirty="0"/>
+                        <a:t>cumpridos;</a:t>
+                      </a:r>
+                    </a:p>
+                  </a:txBody>
+                  <a:tcPr/>
+                </a:tc>
+                <a:extLst>
+                  <a:ext uri="{0D108BD9-81ED-4DB2-BD59-A6C34878D82A}">
+                    <a16:rowId xmlns:a16="http://schemas.microsoft.com/office/drawing/2014/main" val="3018045629"/>
+                  </a:ext>
+                </a:extLst>
+              </a:tr>
+              <a:tr h="338022">
+                <a:tc>
+                  <a:txBody>
+                    <a:bodyPr/>
+                    <a:lstStyle/>
+                    <a:p>
+                      <a:r>
+                        <a:rPr lang="pt-BR" sz="1350" b="0" i="0" kern="1200" dirty="0">
+                          <a:solidFill>
+                            <a:schemeClr val="dk1"/>
+                          </a:solidFill>
+                          <a:effectLst/>
+                          <a:latin typeface="+mn-lt"/>
+                          <a:ea typeface="+mn-ea"/>
+                          <a:cs typeface="+mn-cs"/>
+                        </a:rPr>
+                        <a:t>09/09/2019</a:t>
+                      </a:r>
+                      <a:endParaRPr lang="pt-BR" b="0" dirty="0"/>
+                    </a:p>
+                  </a:txBody>
+                  <a:tcPr/>
+                </a:tc>
+                <a:tc>
+                  <a:txBody>
+                    <a:bodyPr/>
+                    <a:lstStyle/>
+                    <a:p>
+                      <a:r>
+                        <a:rPr lang="pt-BR" dirty="0"/>
+                        <a:t>Testes funcionais dos protótipos de telas da CONDUÇÃO a ser entregue dia16/09/2019;</a:t>
+                      </a:r>
+                    </a:p>
+                  </a:txBody>
+                  <a:tcPr/>
+                </a:tc>
+                <a:extLst>
+                  <a:ext uri="{0D108BD9-81ED-4DB2-BD59-A6C34878D82A}">
+                    <a16:rowId xmlns:a16="http://schemas.microsoft.com/office/drawing/2014/main" val="261462278"/>
+                  </a:ext>
+                </a:extLst>
+              </a:tr>
+              <a:tr h="338022">
+                <a:tc>
+                  <a:txBody>
+                    <a:bodyPr/>
+                    <a:lstStyle/>
+                    <a:p>
+                      <a:r>
+                        <a:rPr lang="pt-BR" sz="1350" b="0" i="0" kern="1200" dirty="0">
+                          <a:solidFill>
+                            <a:schemeClr val="dk1"/>
+                          </a:solidFill>
+                          <a:effectLst/>
+                          <a:latin typeface="+mn-lt"/>
+                          <a:ea typeface="+mn-ea"/>
+                          <a:cs typeface="+mn-cs"/>
+                        </a:rPr>
+                        <a:t>16/09/2019</a:t>
+                      </a:r>
+                      <a:endParaRPr lang="pt-BR" b="0" dirty="0"/>
+                    </a:p>
+                  </a:txBody>
+                  <a:tcPr/>
+                </a:tc>
+                <a:tc>
+                  <a:txBody>
+                    <a:bodyPr/>
+                    <a:lstStyle/>
+                    <a:p>
+                      <a:r>
+                        <a:rPr lang="pt-BR" sz="1350" b="0" i="0" kern="1200" dirty="0">
+                          <a:solidFill>
+                            <a:schemeClr val="dk1"/>
+                          </a:solidFill>
+                          <a:effectLst/>
+                          <a:latin typeface="+mn-lt"/>
+                          <a:ea typeface="+mn-ea"/>
+                          <a:cs typeface="+mn-cs"/>
+                        </a:rPr>
+                        <a:t>Testes funcionais da CONDUÇÃO;</a:t>
+                      </a:r>
+                      <a:endParaRPr lang="pt-BR" dirty="0"/>
+                    </a:p>
+                  </a:txBody>
+                  <a:tcPr/>
+                </a:tc>
+                <a:extLst>
+                  <a:ext uri="{0D108BD9-81ED-4DB2-BD59-A6C34878D82A}">
+                    <a16:rowId xmlns:a16="http://schemas.microsoft.com/office/drawing/2014/main" val="1568532842"/>
+                  </a:ext>
+                </a:extLst>
+              </a:tr>
+              <a:tr h="338022">
+                <a:tc>
+                  <a:txBody>
+                    <a:bodyPr/>
+                    <a:lstStyle/>
+                    <a:p>
+                      <a:r>
+                        <a:rPr lang="pt-BR" dirty="0"/>
+                        <a:t>23/09/2019</a:t>
+                      </a:r>
+                    </a:p>
+                  </a:txBody>
+                  <a:tcPr/>
+                </a:tc>
+                <a:tc>
+                  <a:txBody>
+                    <a:bodyPr/>
+                    <a:lstStyle/>
+                    <a:p>
+                      <a:r>
+                        <a:rPr lang="pt-BR" dirty="0"/>
+                        <a:t>Proposta Técnica Comercial;</a:t>
+                      </a:r>
+                    </a:p>
+                  </a:txBody>
+                  <a:tcPr/>
+                </a:tc>
+                <a:extLst>
+                  <a:ext uri="{0D108BD9-81ED-4DB2-BD59-A6C34878D82A}">
+                    <a16:rowId xmlns:a16="http://schemas.microsoft.com/office/drawing/2014/main" val="2186009936"/>
+                  </a:ext>
+                </a:extLst>
+              </a:tr>
+              <a:tr h="338022">
+                <a:tc>
+                  <a:txBody>
+                    <a:bodyPr/>
+                    <a:lstStyle/>
+                    <a:p>
+                      <a:r>
+                        <a:rPr lang="pt-BR" dirty="0"/>
+                        <a:t>30/09/2019</a:t>
+                      </a:r>
+                    </a:p>
+                  </a:txBody>
+                  <a:tcPr/>
+                </a:tc>
+                <a:tc>
+                  <a:txBody>
+                    <a:bodyPr/>
+                    <a:lstStyle/>
+                    <a:p>
+                      <a:r>
+                        <a:rPr lang="pt-BR" dirty="0"/>
+                        <a:t>Documento de Visão de Sistema;</a:t>
+                      </a:r>
+                    </a:p>
+                  </a:txBody>
+                  <a:tcPr/>
+                </a:tc>
+                <a:extLst>
+                  <a:ext uri="{0D108BD9-81ED-4DB2-BD59-A6C34878D82A}">
+                    <a16:rowId xmlns:a16="http://schemas.microsoft.com/office/drawing/2014/main" val="2985380693"/>
+                  </a:ext>
+                </a:extLst>
+              </a:tr>
+              <a:tr h="338022">
+                <a:tc>
+                  <a:txBody>
+                    <a:bodyPr/>
+                    <a:lstStyle/>
+                    <a:p>
+                      <a:r>
+                        <a:rPr lang="pt-BR" dirty="0"/>
+                        <a:t>14/10/2019</a:t>
+                      </a:r>
+                    </a:p>
+                  </a:txBody>
+                  <a:tcPr/>
+                </a:tc>
+                <a:tc>
+                  <a:txBody>
+                    <a:bodyPr/>
+                    <a:lstStyle/>
+                    <a:p>
+                      <a:r>
+                        <a:rPr lang="pt-BR" dirty="0"/>
+                        <a:t>Versão final da CONDUÇÃO, junto com a implementação deverá ser apresentada uma lista dos requisitos implementados e não implementados;</a:t>
+                      </a:r>
+                    </a:p>
+                  </a:txBody>
+                  <a:tcPr/>
+                </a:tc>
+                <a:extLst>
+                  <a:ext uri="{0D108BD9-81ED-4DB2-BD59-A6C34878D82A}">
+                    <a16:rowId xmlns:a16="http://schemas.microsoft.com/office/drawing/2014/main" val="1069647956"/>
+                  </a:ext>
+                </a:extLst>
+              </a:tr>
+              <a:tr h="338022">
+                <a:tc>
+                  <a:txBody>
+                    <a:bodyPr/>
+                    <a:lstStyle/>
+                    <a:p>
+                      <a:r>
+                        <a:rPr lang="pt-BR" sz="1350" b="0" i="0" kern="1200" dirty="0">
+                          <a:solidFill>
+                            <a:schemeClr val="dk1"/>
+                          </a:solidFill>
+                          <a:effectLst/>
+                          <a:latin typeface="+mn-lt"/>
+                          <a:ea typeface="+mn-ea"/>
+                          <a:cs typeface="+mn-cs"/>
+                        </a:rPr>
+                        <a:t>21/10/2019</a:t>
+                      </a:r>
+                      <a:endParaRPr lang="pt-BR" b="0" dirty="0"/>
+                    </a:p>
+                  </a:txBody>
+                  <a:tcPr/>
+                </a:tc>
+                <a:tc>
+                  <a:txBody>
+                    <a:bodyPr/>
+                    <a:lstStyle/>
+                    <a:p>
+                      <a:r>
+                        <a:rPr lang="pt-BR" dirty="0"/>
+                        <a:t>Especificação do caso de uso de condução;</a:t>
+                      </a:r>
+                    </a:p>
+                  </a:txBody>
+                  <a:tcPr/>
+                </a:tc>
+                <a:extLst>
+                  <a:ext uri="{0D108BD9-81ED-4DB2-BD59-A6C34878D82A}">
+                    <a16:rowId xmlns:a16="http://schemas.microsoft.com/office/drawing/2014/main" val="2579212052"/>
+                  </a:ext>
+                </a:extLst>
+              </a:tr>
+              <a:tr h="338022">
+                <a:tc>
+                  <a:txBody>
+                    <a:bodyPr/>
+                    <a:lstStyle/>
+                    <a:p>
+                      <a:r>
+                        <a:rPr lang="pt-BR" sz="1350" b="0" i="0" kern="1200" dirty="0">
+                          <a:solidFill>
+                            <a:schemeClr val="dk1"/>
+                          </a:solidFill>
+                          <a:effectLst/>
+                          <a:latin typeface="+mn-lt"/>
+                          <a:ea typeface="+mn-ea"/>
+                          <a:cs typeface="+mn-cs"/>
+                        </a:rPr>
+                        <a:t>04/11/2019</a:t>
+                      </a:r>
+                      <a:endParaRPr lang="pt-BR" b="0" dirty="0"/>
+                    </a:p>
+                  </a:txBody>
+                  <a:tcPr/>
+                </a:tc>
+                <a:tc>
+                  <a:txBody>
+                    <a:bodyPr/>
+                    <a:lstStyle/>
+                    <a:p>
+                      <a:r>
+                        <a:rPr lang="pt-BR" dirty="0"/>
+                        <a:t>Testes funcionais da ANÁLISE (Gráfico de linhas com consulta por período e pelo menos dois indicadores-linhas);</a:t>
+                      </a:r>
+                    </a:p>
+                  </a:txBody>
+                  <a:tcPr/>
+                </a:tc>
+                <a:extLst>
+                  <a:ext uri="{0D108BD9-81ED-4DB2-BD59-A6C34878D82A}">
+                    <a16:rowId xmlns:a16="http://schemas.microsoft.com/office/drawing/2014/main" val="1482875163"/>
+                  </a:ext>
+                </a:extLst>
+              </a:tr>
+              <a:tr h="338022">
+                <a:tc>
+                  <a:txBody>
+                    <a:bodyPr/>
+                    <a:lstStyle/>
+                    <a:p>
+                      <a:r>
+                        <a:rPr lang="pt-BR" sz="1350" b="0" i="0" kern="1200" dirty="0">
+                          <a:solidFill>
+                            <a:schemeClr val="dk1"/>
+                          </a:solidFill>
+                          <a:effectLst/>
+                          <a:latin typeface="+mn-lt"/>
+                          <a:ea typeface="+mn-ea"/>
+                          <a:cs typeface="+mn-cs"/>
+                        </a:rPr>
+                        <a:t>11/11/2019</a:t>
+                      </a:r>
+                      <a:endParaRPr lang="pt-BR" b="0" dirty="0"/>
+                    </a:p>
+                  </a:txBody>
+                  <a:tcPr/>
+                </a:tc>
+                <a:tc>
+                  <a:txBody>
+                    <a:bodyPr/>
+                    <a:lstStyle/>
+                    <a:p>
+                      <a:r>
+                        <a:rPr lang="pt-BR" dirty="0"/>
+                        <a:t>Apresentação do caso de uso de ANÁLISE implementado (Gráfico de linhas com consulta por período e pelo menos dois indicadores-linhas)</a:t>
+                      </a:r>
+                    </a:p>
+                  </a:txBody>
+                  <a:tcPr/>
+                </a:tc>
+                <a:extLst>
+                  <a:ext uri="{0D108BD9-81ED-4DB2-BD59-A6C34878D82A}">
+                    <a16:rowId xmlns:a16="http://schemas.microsoft.com/office/drawing/2014/main" val="317868729"/>
+                  </a:ext>
+                </a:extLst>
+              </a:tr>
+              <a:tr h="338022">
+                <a:tc>
+                  <a:txBody>
+                    <a:bodyPr/>
+                    <a:lstStyle/>
+                    <a:p>
+                      <a:r>
+                        <a:rPr lang="pt-BR" dirty="0"/>
+                        <a:t>18/11/2019</a:t>
+                      </a:r>
+                    </a:p>
+                  </a:txBody>
+                  <a:tcPr/>
+                </a:tc>
+                <a:tc>
+                  <a:txBody>
+                    <a:bodyPr/>
+                    <a:lstStyle/>
+                    <a:p>
+                      <a:r>
+                        <a:rPr lang="pt-BR" dirty="0"/>
+                        <a:t>Apresentação de todos documentos e implementação final com funcionalidades integradas.</a:t>
+                      </a:r>
+                    </a:p>
+                  </a:txBody>
+                  <a:tcPr/>
+                </a:tc>
+                <a:extLst>
+                  <a:ext uri="{0D108BD9-81ED-4DB2-BD59-A6C34878D82A}">
+                    <a16:rowId xmlns:a16="http://schemas.microsoft.com/office/drawing/2014/main" val="2385243908"/>
+                  </a:ext>
+                </a:extLst>
+              </a:tr>
+              <a:tr h="338022">
+                <a:tc>
+                  <a:txBody>
+                    <a:bodyPr/>
+                    <a:lstStyle/>
+                    <a:p>
+                      <a:r>
+                        <a:rPr lang="pt-BR" dirty="0"/>
+                        <a:t>02/12/2019</a:t>
+                      </a:r>
+                    </a:p>
+                  </a:txBody>
+                  <a:tcPr/>
+                </a:tc>
+                <a:tc>
+                  <a:txBody>
+                    <a:bodyPr/>
+                    <a:lstStyle/>
+                    <a:p>
+                      <a:r>
+                        <a:rPr lang="pt-BR" sz="1350" b="0" i="0" kern="1200" dirty="0">
+                          <a:solidFill>
+                            <a:schemeClr val="dk1"/>
+                          </a:solidFill>
+                          <a:effectLst/>
+                          <a:latin typeface="+mn-lt"/>
+                          <a:ea typeface="+mn-ea"/>
+                          <a:cs typeface="+mn-cs"/>
+                        </a:rPr>
+                        <a:t>Apresentação Final</a:t>
+                      </a:r>
+                      <a:endParaRPr lang="pt-BR" dirty="0"/>
+                    </a:p>
+                  </a:txBody>
+                  <a:tcPr/>
+                </a:tc>
+                <a:extLst>
+                  <a:ext uri="{0D108BD9-81ED-4DB2-BD59-A6C34878D82A}">
+                    <a16:rowId xmlns:a16="http://schemas.microsoft.com/office/drawing/2014/main" val="2886825203"/>
+                  </a:ext>
+                </a:extLst>
+              </a:tr>
+            </a:tbl>
+          </a:graphicData>
+        </a:graphic>
+      </p:graphicFrame>
     </p:spTree>
     <p:extLst>
       <p:ext uri="{BB962C8B-B14F-4D97-AF65-F5344CB8AC3E}">

--- a/DrinkIt.WebApp/Artifacts/Apresentação TG - Drink-IT - Gabriel Lima - Gustavo da Rosa.pptx
+++ b/DrinkIt.WebApp/Artifacts/Apresentação TG - Drink-IT - Gabriel Lima - Gustavo da Rosa.pptx
@@ -7082,7 +7082,7 @@
         </p:spPr>
         <p:txBody>
           <a:bodyPr>
-            <a:normAutofit fontScale="92500" lnSpcReduction="10000"/>
+            <a:normAutofit fontScale="92500" lnSpcReduction="20000"/>
           </a:bodyPr>
           <a:lstStyle/>
           <a:p>
@@ -7108,6 +7108,11 @@
               <a:rPr lang="pt-BR" sz="1400" dirty="0"/>
               <a:t>Gustavo da Rosa – RA </a:t>
             </a:r>
+            <a:r>
+              <a:rPr lang="pt-BR" sz="1700" dirty="0"/>
+              <a:t>1840481613008</a:t>
+            </a:r>
+            <a:endParaRPr lang="pt-BR" sz="1400" dirty="0"/>
           </a:p>
           <a:p>
             <a:endParaRPr lang="pt-BR" sz="1400" dirty="0"/>

--- a/DrinkIt.WebApp/Artifacts/Apresentação TG - Drink-IT - Gabriel Lima - Gustavo da Rosa.pptx
+++ b/DrinkIt.WebApp/Artifacts/Apresentação TG - Drink-IT - Gabriel Lima - Gustavo da Rosa.pptx
@@ -31,7 +31,21 @@
     <p:sldId id="280" r:id="rId25"/>
     <p:sldId id="281" r:id="rId26"/>
     <p:sldId id="282" r:id="rId27"/>
-    <p:sldId id="283" r:id="rId28"/>
+    <p:sldId id="284" r:id="rId28"/>
+    <p:sldId id="285" r:id="rId29"/>
+    <p:sldId id="286" r:id="rId30"/>
+    <p:sldId id="287" r:id="rId31"/>
+    <p:sldId id="288" r:id="rId32"/>
+    <p:sldId id="289" r:id="rId33"/>
+    <p:sldId id="291" r:id="rId34"/>
+    <p:sldId id="294" r:id="rId35"/>
+    <p:sldId id="293" r:id="rId36"/>
+    <p:sldId id="297" r:id="rId37"/>
+    <p:sldId id="290" r:id="rId38"/>
+    <p:sldId id="295" r:id="rId39"/>
+    <p:sldId id="296" r:id="rId40"/>
+    <p:sldId id="283" r:id="rId41"/>
+    <p:sldId id="298" r:id="rId42"/>
   </p:sldIdLst>
   <p:sldSz cx="9144000" cy="6858000" type="screen4x3"/>
   <p:notesSz cx="6858000" cy="9144000"/>
@@ -160,7 +174,21 @@
             <p14:sldId id="280"/>
             <p14:sldId id="281"/>
             <p14:sldId id="282"/>
+            <p14:sldId id="284"/>
+            <p14:sldId id="285"/>
+            <p14:sldId id="286"/>
+            <p14:sldId id="287"/>
+            <p14:sldId id="288"/>
+            <p14:sldId id="289"/>
+            <p14:sldId id="291"/>
+            <p14:sldId id="294"/>
+            <p14:sldId id="293"/>
+            <p14:sldId id="297"/>
+            <p14:sldId id="290"/>
+            <p14:sldId id="295"/>
+            <p14:sldId id="296"/>
             <p14:sldId id="283"/>
+            <p14:sldId id="298"/>
           </p14:sldIdLst>
         </p14:section>
       </p14:sectionLst>
@@ -7076,13 +7104,13 @@
         </p:nvSpPr>
         <p:spPr>
           <a:xfrm>
-            <a:off x="1085783" y="3631095"/>
-            <a:ext cx="3897034" cy="1765799"/>
+            <a:off x="1085782" y="3631095"/>
+            <a:ext cx="4374114" cy="2108710"/>
           </a:xfrm>
         </p:spPr>
         <p:txBody>
           <a:bodyPr>
-            <a:normAutofit fontScale="92500" lnSpcReduction="20000"/>
+            <a:normAutofit/>
           </a:bodyPr>
           <a:lstStyle/>
           <a:p>
@@ -7093,11 +7121,7 @@
             </a:pPr>
             <a:r>
               <a:rPr lang="pt-BR" sz="1400" dirty="0"/>
-              <a:t>Gabriel Lima Gomes – RA </a:t>
-            </a:r>
-            <a:r>
-              <a:rPr lang="pt-BR" dirty="0"/>
-              <a:t>1840481813011</a:t>
+              <a:t>Gabriel Lima Gomes – RA 1840481813011</a:t>
             </a:r>
           </a:p>
           <a:p>
@@ -7106,13 +7130,8 @@
           <a:p>
             <a:r>
               <a:rPr lang="pt-BR" sz="1400" dirty="0"/>
-              <a:t>Gustavo da Rosa – RA </a:t>
+              <a:t>Gustavo da Rosa – RA 1840481613008</a:t>
             </a:r>
-            <a:r>
-              <a:rPr lang="pt-BR" sz="1700" dirty="0"/>
-              <a:t>1840481613008</a:t>
-            </a:r>
-            <a:endParaRPr lang="pt-BR" sz="1400" dirty="0"/>
           </a:p>
           <a:p>
             <a:endParaRPr lang="pt-BR" sz="1400" dirty="0"/>
@@ -7310,6 +7329,42 @@
           </a:fontRef>
         </p:style>
       </p:cxnSp>
+      <p:pic>
+        <p:nvPicPr>
+          <p:cNvPr id="5" name="Imagem 4" descr="Uma imagem contendo relógio&#10;&#10;Descrição gerada automaticamente">
+            <a:extLst>
+              <a:ext uri="{FF2B5EF4-FFF2-40B4-BE49-F238E27FC236}">
+                <a16:creationId xmlns:a16="http://schemas.microsoft.com/office/drawing/2014/main" id="{0488B42A-D345-4FAF-84C0-FDD43342E1D1}"/>
+              </a:ext>
+            </a:extLst>
+          </p:cNvPr>
+          <p:cNvPicPr>
+            <a:picLocks noChangeAspect="1"/>
+          </p:cNvPicPr>
+          <p:nvPr/>
+        </p:nvPicPr>
+        <p:blipFill>
+          <a:blip r:embed="rId5">
+            <a:extLst>
+              <a:ext uri="{28A0092B-C50C-407E-A947-70E740481C1C}">
+                <a14:useLocalDpi xmlns:a14="http://schemas.microsoft.com/office/drawing/2010/main" val="0"/>
+              </a:ext>
+            </a:extLst>
+          </a:blip>
+          <a:stretch>
+            <a:fillRect/>
+          </a:stretch>
+        </p:blipFill>
+        <p:spPr>
+          <a:xfrm>
+            <a:off x="7612843" y="134369"/>
+            <a:ext cx="1356820" cy="1356820"/>
+          </a:xfrm>
+          <a:prstGeom prst="rect">
+            <a:avLst/>
+          </a:prstGeom>
+        </p:spPr>
+      </p:pic>
     </p:spTree>
     <p:extLst>
       <p:ext uri="{BB962C8B-B14F-4D97-AF65-F5344CB8AC3E}">
@@ -15401,14 +15456,16 @@
       </p:cxnSp>
       <p:pic>
         <p:nvPicPr>
-          <p:cNvPr id="7" name="Imagem 6">
+          <p:cNvPr id="4" name="Imagem 3" descr="Tela de celular com texto preto sobre fundo branco&#10;&#10;Descrição gerada automaticamente">
             <a:extLst>
               <a:ext uri="{FF2B5EF4-FFF2-40B4-BE49-F238E27FC236}">
-                <a16:creationId xmlns:a16="http://schemas.microsoft.com/office/drawing/2014/main" id="{73C2D451-5C20-40AC-A4C1-FCF15647931C}"/>
+                <a16:creationId xmlns:a16="http://schemas.microsoft.com/office/drawing/2014/main" id="{8565C5E1-61F1-4DD6-9F82-70B827657841}"/>
               </a:ext>
             </a:extLst>
           </p:cNvPr>
-          <p:cNvPicPr/>
+          <p:cNvPicPr>
+            <a:picLocks noChangeAspect="1"/>
+          </p:cNvPicPr>
           <p:nvPr/>
         </p:nvPicPr>
         <p:blipFill>
@@ -15419,33 +15476,18 @@
               </a:ext>
             </a:extLst>
           </a:blip>
-          <a:srcRect/>
           <a:stretch>
             <a:fillRect/>
           </a:stretch>
         </p:blipFill>
-        <p:spPr bwMode="auto">
+        <p:spPr>
           <a:xfrm>
-            <a:off x="2464545" y="821636"/>
-            <a:ext cx="3883247" cy="5350132"/>
+            <a:off x="2695105" y="772141"/>
+            <a:ext cx="3753786" cy="5174973"/>
           </a:xfrm>
           <a:prstGeom prst="rect">
             <a:avLst/>
           </a:prstGeom>
-          <a:ln w="12700" cap="sq">
-            <a:solidFill>
-              <a:srgbClr val="000000"/>
-            </a:solidFill>
-            <a:prstDash val="solid"/>
-            <a:miter lim="800000"/>
-          </a:ln>
-          <a:effectLst>
-            <a:outerShdw blurRad="50800" dist="38100" dir="2700000" algn="tl" rotWithShape="0">
-              <a:srgbClr val="000000">
-                <a:alpha val="43000"/>
-              </a:srgbClr>
-            </a:outerShdw>
-          </a:effectLst>
         </p:spPr>
       </p:pic>
     </p:spTree>
@@ -15639,6 +15681,378 @@
           </a:p>
         </p:txBody>
       </p:sp>
+      <p:pic>
+        <p:nvPicPr>
+          <p:cNvPr id="1026" name="Picture 2" descr="Resultado de imagem para c# loog">
+            <a:extLst>
+              <a:ext uri="{FF2B5EF4-FFF2-40B4-BE49-F238E27FC236}">
+                <a16:creationId xmlns:a16="http://schemas.microsoft.com/office/drawing/2014/main" id="{E8E780A4-2278-41E9-B90F-98C576DCE097}"/>
+              </a:ext>
+            </a:extLst>
+          </p:cNvPr>
+          <p:cNvPicPr>
+            <a:picLocks noChangeAspect="1" noChangeArrowheads="1"/>
+          </p:cNvPicPr>
+          <p:nvPr/>
+        </p:nvPicPr>
+        <p:blipFill>
+          <a:blip r:embed="rId2" cstate="print">
+            <a:extLst>
+              <a:ext uri="{28A0092B-C50C-407E-A947-70E740481C1C}">
+                <a14:useLocalDpi xmlns:a14="http://schemas.microsoft.com/office/drawing/2010/main" val="0"/>
+              </a:ext>
+            </a:extLst>
+          </a:blip>
+          <a:srcRect/>
+          <a:stretch>
+            <a:fillRect/>
+          </a:stretch>
+        </p:blipFill>
+        <p:spPr bwMode="auto">
+          <a:xfrm>
+            <a:off x="907217" y="1975977"/>
+            <a:ext cx="496518" cy="496518"/>
+          </a:xfrm>
+          <a:prstGeom prst="rect">
+            <a:avLst/>
+          </a:prstGeom>
+          <a:noFill/>
+          <a:extLst>
+            <a:ext uri="{909E8E84-426E-40DD-AFC4-6F175D3DCCD1}">
+              <a14:hiddenFill xmlns:a14="http://schemas.microsoft.com/office/drawing/2010/main">
+                <a:solidFill>
+                  <a:srgbClr val="FFFFFF"/>
+                </a:solidFill>
+              </a14:hiddenFill>
+            </a:ext>
+          </a:extLst>
+        </p:spPr>
+      </p:pic>
+      <p:pic>
+        <p:nvPicPr>
+          <p:cNvPr id="1028" name="Picture 4" descr="Resultado de imagem para logo asp.net mvc">
+            <a:extLst>
+              <a:ext uri="{FF2B5EF4-FFF2-40B4-BE49-F238E27FC236}">
+                <a16:creationId xmlns:a16="http://schemas.microsoft.com/office/drawing/2014/main" id="{841D6FD8-9E03-4CDD-AC1D-FCD2D00BBE59}"/>
+              </a:ext>
+            </a:extLst>
+          </p:cNvPr>
+          <p:cNvPicPr>
+            <a:picLocks noChangeAspect="1" noChangeArrowheads="1"/>
+          </p:cNvPicPr>
+          <p:nvPr/>
+        </p:nvPicPr>
+        <p:blipFill rotWithShape="1">
+          <a:blip r:embed="rId3" cstate="print">
+            <a:extLst>
+              <a:ext uri="{28A0092B-C50C-407E-A947-70E740481C1C}">
+                <a14:useLocalDpi xmlns:a14="http://schemas.microsoft.com/office/drawing/2010/main" val="0"/>
+              </a:ext>
+            </a:extLst>
+          </a:blip>
+          <a:srcRect l="18756" t="17183" r="21198" b="19148"/>
+          <a:stretch/>
+        </p:blipFill>
+        <p:spPr bwMode="auto">
+          <a:xfrm>
+            <a:off x="837661" y="2549303"/>
+            <a:ext cx="605830" cy="398961"/>
+          </a:xfrm>
+          <a:prstGeom prst="rect">
+            <a:avLst/>
+          </a:prstGeom>
+          <a:noFill/>
+          <a:extLst>
+            <a:ext uri="{909E8E84-426E-40DD-AFC4-6F175D3DCCD1}">
+              <a14:hiddenFill xmlns:a14="http://schemas.microsoft.com/office/drawing/2010/main">
+                <a:solidFill>
+                  <a:srgbClr val="FFFFFF"/>
+                </a:solidFill>
+              </a14:hiddenFill>
+            </a:ext>
+          </a:extLst>
+        </p:spPr>
+      </p:pic>
+      <p:pic>
+        <p:nvPicPr>
+          <p:cNvPr id="1030" name="Picture 6" descr="Resultado de imagem para logo bootstrap 3">
+            <a:extLst>
+              <a:ext uri="{FF2B5EF4-FFF2-40B4-BE49-F238E27FC236}">
+                <a16:creationId xmlns:a16="http://schemas.microsoft.com/office/drawing/2014/main" id="{347FF3E8-E15E-4314-AFC1-DAB4D643795A}"/>
+              </a:ext>
+            </a:extLst>
+          </p:cNvPr>
+          <p:cNvPicPr>
+            <a:picLocks noChangeAspect="1" noChangeArrowheads="1"/>
+          </p:cNvPicPr>
+          <p:nvPr/>
+        </p:nvPicPr>
+        <p:blipFill>
+          <a:blip r:embed="rId4" cstate="print">
+            <a:extLst>
+              <a:ext uri="{28A0092B-C50C-407E-A947-70E740481C1C}">
+                <a14:useLocalDpi xmlns:a14="http://schemas.microsoft.com/office/drawing/2010/main" val="0"/>
+              </a:ext>
+            </a:extLst>
+          </a:blip>
+          <a:srcRect/>
+          <a:stretch>
+            <a:fillRect/>
+          </a:stretch>
+        </p:blipFill>
+        <p:spPr bwMode="auto">
+          <a:xfrm>
+            <a:off x="957834" y="3044065"/>
+            <a:ext cx="398961" cy="398961"/>
+          </a:xfrm>
+          <a:prstGeom prst="rect">
+            <a:avLst/>
+          </a:prstGeom>
+          <a:noFill/>
+          <a:extLst>
+            <a:ext uri="{909E8E84-426E-40DD-AFC4-6F175D3DCCD1}">
+              <a14:hiddenFill xmlns:a14="http://schemas.microsoft.com/office/drawing/2010/main">
+                <a:solidFill>
+                  <a:srgbClr val="FFFFFF"/>
+                </a:solidFill>
+              </a14:hiddenFill>
+            </a:ext>
+          </a:extLst>
+        </p:spPr>
+      </p:pic>
+      <p:pic>
+        <p:nvPicPr>
+          <p:cNvPr id="1032" name="Picture 8" descr="Resultado de imagem para logo sql server">
+            <a:extLst>
+              <a:ext uri="{FF2B5EF4-FFF2-40B4-BE49-F238E27FC236}">
+                <a16:creationId xmlns:a16="http://schemas.microsoft.com/office/drawing/2014/main" id="{723846E3-EA9D-43D9-B3E0-1EB6DED79728}"/>
+              </a:ext>
+            </a:extLst>
+          </p:cNvPr>
+          <p:cNvPicPr>
+            <a:picLocks noChangeAspect="1" noChangeArrowheads="1"/>
+          </p:cNvPicPr>
+          <p:nvPr/>
+        </p:nvPicPr>
+        <p:blipFill>
+          <a:blip r:embed="rId5" cstate="print">
+            <a:extLst>
+              <a:ext uri="{28A0092B-C50C-407E-A947-70E740481C1C}">
+                <a14:useLocalDpi xmlns:a14="http://schemas.microsoft.com/office/drawing/2010/main" val="0"/>
+              </a:ext>
+            </a:extLst>
+          </a:blip>
+          <a:srcRect/>
+          <a:stretch>
+            <a:fillRect/>
+          </a:stretch>
+        </p:blipFill>
+        <p:spPr bwMode="auto">
+          <a:xfrm>
+            <a:off x="894444" y="3510755"/>
+            <a:ext cx="522064" cy="423522"/>
+          </a:xfrm>
+          <a:prstGeom prst="rect">
+            <a:avLst/>
+          </a:prstGeom>
+          <a:noFill/>
+          <a:extLst>
+            <a:ext uri="{909E8E84-426E-40DD-AFC4-6F175D3DCCD1}">
+              <a14:hiddenFill xmlns:a14="http://schemas.microsoft.com/office/drawing/2010/main">
+                <a:solidFill>
+                  <a:srgbClr val="FFFFFF"/>
+                </a:solidFill>
+              </a14:hiddenFill>
+            </a:ext>
+          </a:extLst>
+        </p:spPr>
+      </p:pic>
+      <p:pic>
+        <p:nvPicPr>
+          <p:cNvPr id="1034" name="Picture 10" descr="Resultado de imagem para logo chart js">
+            <a:extLst>
+              <a:ext uri="{FF2B5EF4-FFF2-40B4-BE49-F238E27FC236}">
+                <a16:creationId xmlns:a16="http://schemas.microsoft.com/office/drawing/2014/main" id="{8A39D7FC-D205-4746-8720-C404049F0294}"/>
+              </a:ext>
+            </a:extLst>
+          </p:cNvPr>
+          <p:cNvPicPr>
+            <a:picLocks noChangeAspect="1" noChangeArrowheads="1"/>
+          </p:cNvPicPr>
+          <p:nvPr/>
+        </p:nvPicPr>
+        <p:blipFill>
+          <a:blip r:embed="rId6" cstate="print">
+            <a:extLst>
+              <a:ext uri="{28A0092B-C50C-407E-A947-70E740481C1C}">
+                <a14:useLocalDpi xmlns:a14="http://schemas.microsoft.com/office/drawing/2010/main" val="0"/>
+              </a:ext>
+            </a:extLst>
+          </a:blip>
+          <a:srcRect/>
+          <a:stretch>
+            <a:fillRect/>
+          </a:stretch>
+        </p:blipFill>
+        <p:spPr bwMode="auto">
+          <a:xfrm>
+            <a:off x="880713" y="3992533"/>
+            <a:ext cx="504235" cy="504235"/>
+          </a:xfrm>
+          <a:prstGeom prst="rect">
+            <a:avLst/>
+          </a:prstGeom>
+          <a:noFill/>
+          <a:extLst>
+            <a:ext uri="{909E8E84-426E-40DD-AFC4-6F175D3DCCD1}">
+              <a14:hiddenFill xmlns:a14="http://schemas.microsoft.com/office/drawing/2010/main">
+                <a:solidFill>
+                  <a:srgbClr val="FFFFFF"/>
+                </a:solidFill>
+              </a14:hiddenFill>
+            </a:ext>
+          </a:extLst>
+        </p:spPr>
+      </p:pic>
+      <p:pic>
+        <p:nvPicPr>
+          <p:cNvPr id="1036" name="Picture 12" descr="Resultado de imagem para logo xunit">
+            <a:extLst>
+              <a:ext uri="{FF2B5EF4-FFF2-40B4-BE49-F238E27FC236}">
+                <a16:creationId xmlns:a16="http://schemas.microsoft.com/office/drawing/2014/main" id="{8E69C2A7-CDC7-49C0-AF5B-20F1ECF5C6AB}"/>
+              </a:ext>
+            </a:extLst>
+          </p:cNvPr>
+          <p:cNvPicPr>
+            <a:picLocks noChangeAspect="1" noChangeArrowheads="1"/>
+          </p:cNvPicPr>
+          <p:nvPr/>
+        </p:nvPicPr>
+        <p:blipFill>
+          <a:blip r:embed="rId7" cstate="print">
+            <a:extLst>
+              <a:ext uri="{28A0092B-C50C-407E-A947-70E740481C1C}">
+                <a14:useLocalDpi xmlns:a14="http://schemas.microsoft.com/office/drawing/2010/main" val="0"/>
+              </a:ext>
+            </a:extLst>
+          </a:blip>
+          <a:srcRect/>
+          <a:stretch>
+            <a:fillRect/>
+          </a:stretch>
+        </p:blipFill>
+        <p:spPr bwMode="auto">
+          <a:xfrm flipH="1">
+            <a:off x="436479" y="4532569"/>
+            <a:ext cx="398943" cy="398943"/>
+          </a:xfrm>
+          <a:prstGeom prst="rect">
+            <a:avLst/>
+          </a:prstGeom>
+          <a:noFill/>
+          <a:extLst>
+            <a:ext uri="{909E8E84-426E-40DD-AFC4-6F175D3DCCD1}">
+              <a14:hiddenFill xmlns:a14="http://schemas.microsoft.com/office/drawing/2010/main">
+                <a:solidFill>
+                  <a:srgbClr val="FFFFFF"/>
+                </a:solidFill>
+              </a14:hiddenFill>
+            </a:ext>
+          </a:extLst>
+        </p:spPr>
+      </p:pic>
+      <p:pic>
+        <p:nvPicPr>
+          <p:cNvPr id="1038" name="Picture 14" descr="Resultado de imagem para logo selenium">
+            <a:extLst>
+              <a:ext uri="{FF2B5EF4-FFF2-40B4-BE49-F238E27FC236}">
+                <a16:creationId xmlns:a16="http://schemas.microsoft.com/office/drawing/2014/main" id="{2B86D761-8F3D-4CE6-992C-8161AC975775}"/>
+              </a:ext>
+            </a:extLst>
+          </p:cNvPr>
+          <p:cNvPicPr>
+            <a:picLocks noChangeAspect="1" noChangeArrowheads="1"/>
+          </p:cNvPicPr>
+          <p:nvPr/>
+        </p:nvPicPr>
+        <p:blipFill>
+          <a:blip r:embed="rId8" cstate="print">
+            <a:extLst>
+              <a:ext uri="{28A0092B-C50C-407E-A947-70E740481C1C}">
+                <a14:useLocalDpi xmlns:a14="http://schemas.microsoft.com/office/drawing/2010/main" val="0"/>
+              </a:ext>
+            </a:extLst>
+          </a:blip>
+          <a:srcRect/>
+          <a:stretch>
+            <a:fillRect/>
+          </a:stretch>
+        </p:blipFill>
+        <p:spPr bwMode="auto">
+          <a:xfrm>
+            <a:off x="927653" y="4483516"/>
+            <a:ext cx="470547" cy="470547"/>
+          </a:xfrm>
+          <a:prstGeom prst="rect">
+            <a:avLst/>
+          </a:prstGeom>
+          <a:noFill/>
+          <a:extLst>
+            <a:ext uri="{909E8E84-426E-40DD-AFC4-6F175D3DCCD1}">
+              <a14:hiddenFill xmlns:a14="http://schemas.microsoft.com/office/drawing/2010/main">
+                <a:solidFill>
+                  <a:srgbClr val="FFFFFF"/>
+                </a:solidFill>
+              </a14:hiddenFill>
+            </a:ext>
+          </a:extLst>
+        </p:spPr>
+      </p:pic>
+      <p:pic>
+        <p:nvPicPr>
+          <p:cNvPr id="1040" name="Picture 16" descr="Resultado de imagem para logo NLog framework">
+            <a:extLst>
+              <a:ext uri="{FF2B5EF4-FFF2-40B4-BE49-F238E27FC236}">
+                <a16:creationId xmlns:a16="http://schemas.microsoft.com/office/drawing/2014/main" id="{EA4EDBED-58CE-4B3F-BA39-E2B036830D08}"/>
+              </a:ext>
+            </a:extLst>
+          </p:cNvPr>
+          <p:cNvPicPr>
+            <a:picLocks noChangeAspect="1" noChangeArrowheads="1"/>
+          </p:cNvPicPr>
+          <p:nvPr/>
+        </p:nvPicPr>
+        <p:blipFill rotWithShape="1">
+          <a:blip r:embed="rId9" cstate="print">
+            <a:extLst>
+              <a:ext uri="{28A0092B-C50C-407E-A947-70E740481C1C}">
+                <a14:useLocalDpi xmlns:a14="http://schemas.microsoft.com/office/drawing/2010/main" val="0"/>
+              </a:ext>
+            </a:extLst>
+          </a:blip>
+          <a:srcRect t="26203" b="25602"/>
+          <a:stretch/>
+        </p:blipFill>
+        <p:spPr bwMode="auto">
+          <a:xfrm>
+            <a:off x="663287" y="5066198"/>
+            <a:ext cx="706537" cy="340513"/>
+          </a:xfrm>
+          <a:prstGeom prst="rect">
+            <a:avLst/>
+          </a:prstGeom>
+          <a:noFill/>
+          <a:extLst>
+            <a:ext uri="{909E8E84-426E-40DD-AFC4-6F175D3DCCD1}">
+              <a14:hiddenFill xmlns:a14="http://schemas.microsoft.com/office/drawing/2010/main">
+                <a:solidFill>
+                  <a:srgbClr val="FFFFFF"/>
+                </a:solidFill>
+              </a14:hiddenFill>
+            </a:ext>
+          </a:extLst>
+        </p:spPr>
+      </p:pic>
     </p:spTree>
     <p:extLst>
       <p:ext uri="{BB962C8B-B14F-4D97-AF65-F5344CB8AC3E}">
@@ -16442,28 +16856,94 @@
           </a:fontRef>
         </p:style>
       </p:cxnSp>
-      <p:sp>
-        <p:nvSpPr>
-          <p:cNvPr id="6" name="Espaço Reservado para Conteúdo 5">
+      <p:pic>
+        <p:nvPicPr>
+          <p:cNvPr id="4" name="Espaço Reservado para Conteúdo 3" descr="Tela de celular com publicação numa rede social&#10;&#10;Descrição gerada automaticamente">
             <a:extLst>
               <a:ext uri="{FF2B5EF4-FFF2-40B4-BE49-F238E27FC236}">
-                <a16:creationId xmlns:a16="http://schemas.microsoft.com/office/drawing/2014/main" id="{E19167D8-F64E-4A6D-AB46-833B82BEC4DB}"/>
+                <a16:creationId xmlns:a16="http://schemas.microsoft.com/office/drawing/2014/main" id="{80535019-365B-476E-ABFD-BB8F9AE2C2C5}"/>
               </a:ext>
             </a:extLst>
           </p:cNvPr>
-          <p:cNvSpPr>
-            <a:spLocks noGrp="1"/>
-          </p:cNvSpPr>
+          <p:cNvPicPr>
+            <a:picLocks noGrp="1" noChangeAspect="1"/>
+          </p:cNvPicPr>
           <p:nvPr>
             <p:ph idx="1"/>
           </p:nvPr>
+        </p:nvPicPr>
+        <p:blipFill>
+          <a:blip r:embed="rId2">
+            <a:extLst>
+              <a:ext uri="{28A0092B-C50C-407E-A947-70E740481C1C}">
+                <a14:useLocalDpi xmlns:a14="http://schemas.microsoft.com/office/drawing/2010/main" val="0"/>
+              </a:ext>
+            </a:extLst>
+          </a:blip>
+          <a:stretch>
+            <a:fillRect/>
+          </a:stretch>
+        </p:blipFill>
+        <p:spPr>
+          <a:xfrm>
+            <a:off x="883020" y="1853755"/>
+            <a:ext cx="7692284" cy="3566371"/>
+          </a:xfrm>
+        </p:spPr>
+      </p:pic>
+      <p:sp>
+        <p:nvSpPr>
+          <p:cNvPr id="7" name="Título 1">
+            <a:extLst>
+              <a:ext uri="{FF2B5EF4-FFF2-40B4-BE49-F238E27FC236}">
+                <a16:creationId xmlns:a16="http://schemas.microsoft.com/office/drawing/2014/main" id="{3B0160D9-5747-4B8E-8517-BDDC54E7A28E}"/>
+              </a:ext>
+            </a:extLst>
+          </p:cNvPr>
+          <p:cNvSpPr txBox="1">
+            <a:spLocks/>
+          </p:cNvSpPr>
+          <p:nvPr/>
         </p:nvSpPr>
-        <p:spPr/>
+        <p:spPr>
+          <a:xfrm>
+            <a:off x="1443491" y="5528863"/>
+            <a:ext cx="6571343" cy="524618"/>
+          </a:xfrm>
+          <a:prstGeom prst="rect">
+            <a:avLst/>
+          </a:prstGeom>
+        </p:spPr>
         <p:txBody>
-          <a:bodyPr/>
-          <a:lstStyle/>
-          <a:p>
-            <a:endParaRPr lang="pt-BR"/>
+          <a:bodyPr vert="horz" lIns="91440" tIns="45720" rIns="91440" bIns="45720" rtlCol="0" anchor="t">
+            <a:normAutofit/>
+          </a:bodyPr>
+          <a:lstStyle>
+            <a:lvl1pPr algn="l" defTabSz="685800" rtl="0" eaLnBrk="1" latinLnBrk="0" hangingPunct="1">
+              <a:lnSpc>
+                <a:spcPct val="90000"/>
+              </a:lnSpc>
+              <a:spcBef>
+                <a:spcPct val="0"/>
+              </a:spcBef>
+              <a:buNone/>
+              <a:defRPr sz="3200" b="0" i="0" kern="1200" cap="all">
+                <a:solidFill>
+                  <a:schemeClr val="tx1"/>
+                </a:solidFill>
+                <a:effectLst/>
+                <a:latin typeface="+mj-lt"/>
+                <a:ea typeface="+mj-ea"/>
+                <a:cs typeface="+mj-cs"/>
+              </a:defRPr>
+            </a:lvl1pPr>
+          </a:lstStyle>
+          <a:p>
+            <a:pPr algn="ctr"/>
+            <a:r>
+              <a:rPr lang="pt-BR" sz="1600" dirty="0"/>
+              <a:t>Tela inicial</a:t>
+            </a:r>
           </a:p>
         </p:txBody>
       </p:sp>
@@ -16481,6 +16961,2595 @@
 </file>
 
 <file path=ppt/slides/slide26.xml><?xml version="1.0" encoding="utf-8"?>
+<p:sld xmlns:a="http://schemas.openxmlformats.org/drawingml/2006/main" xmlns:r="http://schemas.openxmlformats.org/officeDocument/2006/relationships" xmlns:p="http://schemas.openxmlformats.org/presentationml/2006/main">
+  <p:cSld>
+    <p:spTree>
+      <p:nvGrpSpPr>
+        <p:cNvPr id="1" name=""/>
+        <p:cNvGrpSpPr/>
+        <p:nvPr/>
+      </p:nvGrpSpPr>
+      <p:grpSpPr>
+        <a:xfrm>
+          <a:off x="0" y="0"/>
+          <a:ext cx="0" cy="0"/>
+          <a:chOff x="0" y="0"/>
+          <a:chExt cx="0" cy="0"/>
+        </a:xfrm>
+      </p:grpSpPr>
+      <p:sp>
+        <p:nvSpPr>
+          <p:cNvPr id="2" name="Título 1"/>
+          <p:cNvSpPr>
+            <a:spLocks noGrp="1"/>
+          </p:cNvSpPr>
+          <p:nvPr>
+            <p:ph type="title"/>
+          </p:nvPr>
+        </p:nvSpPr>
+        <p:spPr>
+          <a:xfrm>
+            <a:off x="1443491" y="804520"/>
+            <a:ext cx="6571343" cy="1049235"/>
+          </a:xfrm>
+        </p:spPr>
+        <p:txBody>
+          <a:bodyPr>
+            <a:normAutofit/>
+          </a:bodyPr>
+          <a:lstStyle/>
+          <a:p>
+            <a:r>
+              <a:rPr lang="pt-BR" dirty="0"/>
+              <a:t>Telas do sistema</a:t>
+            </a:r>
+          </a:p>
+        </p:txBody>
+      </p:sp>
+      <p:cxnSp>
+        <p:nvCxnSpPr>
+          <p:cNvPr id="5" name="Conector reto 4">
+            <a:extLst>
+              <a:ext uri="{FF2B5EF4-FFF2-40B4-BE49-F238E27FC236}">
+                <a16:creationId xmlns:a16="http://schemas.microsoft.com/office/drawing/2014/main" id="{00B6769B-994B-4E7B-8C9C-0728EA8CC21B}"/>
+              </a:ext>
+            </a:extLst>
+          </p:cNvPr>
+          <p:cNvCxnSpPr/>
+          <p:nvPr/>
+        </p:nvCxnSpPr>
+        <p:spPr>
+          <a:xfrm>
+            <a:off x="702365" y="1616765"/>
+            <a:ext cx="7646505" cy="0"/>
+          </a:xfrm>
+          <a:prstGeom prst="line">
+            <a:avLst/>
+          </a:prstGeom>
+        </p:spPr>
+        <p:style>
+          <a:lnRef idx="1">
+            <a:schemeClr val="accent1"/>
+          </a:lnRef>
+          <a:fillRef idx="0">
+            <a:schemeClr val="accent1"/>
+          </a:fillRef>
+          <a:effectRef idx="0">
+            <a:schemeClr val="accent1"/>
+          </a:effectRef>
+          <a:fontRef idx="minor">
+            <a:schemeClr val="tx1"/>
+          </a:fontRef>
+        </p:style>
+      </p:cxnSp>
+      <p:sp>
+        <p:nvSpPr>
+          <p:cNvPr id="7" name="Título 1">
+            <a:extLst>
+              <a:ext uri="{FF2B5EF4-FFF2-40B4-BE49-F238E27FC236}">
+                <a16:creationId xmlns:a16="http://schemas.microsoft.com/office/drawing/2014/main" id="{3B0160D9-5747-4B8E-8517-BDDC54E7A28E}"/>
+              </a:ext>
+            </a:extLst>
+          </p:cNvPr>
+          <p:cNvSpPr txBox="1">
+            <a:spLocks/>
+          </p:cNvSpPr>
+          <p:nvPr/>
+        </p:nvSpPr>
+        <p:spPr>
+          <a:xfrm>
+            <a:off x="1443491" y="5528863"/>
+            <a:ext cx="6571343" cy="524618"/>
+          </a:xfrm>
+          <a:prstGeom prst="rect">
+            <a:avLst/>
+          </a:prstGeom>
+        </p:spPr>
+        <p:txBody>
+          <a:bodyPr vert="horz" lIns="91440" tIns="45720" rIns="91440" bIns="45720" rtlCol="0" anchor="t">
+            <a:normAutofit/>
+          </a:bodyPr>
+          <a:lstStyle>
+            <a:lvl1pPr algn="l" defTabSz="685800" rtl="0" eaLnBrk="1" latinLnBrk="0" hangingPunct="1">
+              <a:lnSpc>
+                <a:spcPct val="90000"/>
+              </a:lnSpc>
+              <a:spcBef>
+                <a:spcPct val="0"/>
+              </a:spcBef>
+              <a:buNone/>
+              <a:defRPr sz="3200" b="0" i="0" kern="1200" cap="all">
+                <a:solidFill>
+                  <a:schemeClr val="tx1"/>
+                </a:solidFill>
+                <a:effectLst/>
+                <a:latin typeface="+mj-lt"/>
+                <a:ea typeface="+mj-ea"/>
+                <a:cs typeface="+mj-cs"/>
+              </a:defRPr>
+            </a:lvl1pPr>
+          </a:lstStyle>
+          <a:p>
+            <a:pPr algn="ctr"/>
+            <a:r>
+              <a:rPr lang="pt-BR" sz="1600" dirty="0"/>
+              <a:t>Tela cadastro de bebidas - 1</a:t>
+            </a:r>
+          </a:p>
+        </p:txBody>
+      </p:sp>
+      <p:pic>
+        <p:nvPicPr>
+          <p:cNvPr id="13" name="Espaço Reservado para Conteúdo 12" descr="Tela de computador com texto preto sobre fundo branco&#10;&#10;Descrição gerada automaticamente">
+            <a:extLst>
+              <a:ext uri="{FF2B5EF4-FFF2-40B4-BE49-F238E27FC236}">
+                <a16:creationId xmlns:a16="http://schemas.microsoft.com/office/drawing/2014/main" id="{39791AB3-F130-44AF-8172-48864E95D174}"/>
+              </a:ext>
+            </a:extLst>
+          </p:cNvPr>
+          <p:cNvPicPr>
+            <a:picLocks noGrp="1" noChangeAspect="1"/>
+          </p:cNvPicPr>
+          <p:nvPr>
+            <p:ph idx="1"/>
+          </p:nvPr>
+        </p:nvPicPr>
+        <p:blipFill>
+          <a:blip r:embed="rId2">
+            <a:extLst>
+              <a:ext uri="{28A0092B-C50C-407E-A947-70E740481C1C}">
+                <a14:useLocalDpi xmlns:a14="http://schemas.microsoft.com/office/drawing/2010/main" val="0"/>
+              </a:ext>
+            </a:extLst>
+          </a:blip>
+          <a:stretch>
+            <a:fillRect/>
+          </a:stretch>
+        </p:blipFill>
+        <p:spPr>
+          <a:xfrm>
+            <a:off x="702365" y="1753925"/>
+            <a:ext cx="7871792" cy="3648752"/>
+          </a:xfrm>
+        </p:spPr>
+      </p:pic>
+    </p:spTree>
+    <p:extLst>
+      <p:ext uri="{BB962C8B-B14F-4D97-AF65-F5344CB8AC3E}">
+        <p14:creationId xmlns:p14="http://schemas.microsoft.com/office/powerpoint/2010/main" val="502602205"/>
+      </p:ext>
+    </p:extLst>
+  </p:cSld>
+  <p:clrMapOvr>
+    <a:masterClrMapping/>
+  </p:clrMapOvr>
+</p:sld>
+</file>
+
+<file path=ppt/slides/slide27.xml><?xml version="1.0" encoding="utf-8"?>
+<p:sld xmlns:a="http://schemas.openxmlformats.org/drawingml/2006/main" xmlns:r="http://schemas.openxmlformats.org/officeDocument/2006/relationships" xmlns:p="http://schemas.openxmlformats.org/presentationml/2006/main">
+  <p:cSld>
+    <p:spTree>
+      <p:nvGrpSpPr>
+        <p:cNvPr id="1" name=""/>
+        <p:cNvGrpSpPr/>
+        <p:nvPr/>
+      </p:nvGrpSpPr>
+      <p:grpSpPr>
+        <a:xfrm>
+          <a:off x="0" y="0"/>
+          <a:ext cx="0" cy="0"/>
+          <a:chOff x="0" y="0"/>
+          <a:chExt cx="0" cy="0"/>
+        </a:xfrm>
+      </p:grpSpPr>
+      <p:sp>
+        <p:nvSpPr>
+          <p:cNvPr id="2" name="Título 1"/>
+          <p:cNvSpPr>
+            <a:spLocks noGrp="1"/>
+          </p:cNvSpPr>
+          <p:nvPr>
+            <p:ph type="title"/>
+          </p:nvPr>
+        </p:nvSpPr>
+        <p:spPr>
+          <a:xfrm>
+            <a:off x="1443491" y="804520"/>
+            <a:ext cx="6571343" cy="1049235"/>
+          </a:xfrm>
+        </p:spPr>
+        <p:txBody>
+          <a:bodyPr>
+            <a:normAutofit/>
+          </a:bodyPr>
+          <a:lstStyle/>
+          <a:p>
+            <a:r>
+              <a:rPr lang="pt-BR" dirty="0"/>
+              <a:t>Telas do sistema</a:t>
+            </a:r>
+          </a:p>
+        </p:txBody>
+      </p:sp>
+      <p:cxnSp>
+        <p:nvCxnSpPr>
+          <p:cNvPr id="5" name="Conector reto 4">
+            <a:extLst>
+              <a:ext uri="{FF2B5EF4-FFF2-40B4-BE49-F238E27FC236}">
+                <a16:creationId xmlns:a16="http://schemas.microsoft.com/office/drawing/2014/main" id="{00B6769B-994B-4E7B-8C9C-0728EA8CC21B}"/>
+              </a:ext>
+            </a:extLst>
+          </p:cNvPr>
+          <p:cNvCxnSpPr/>
+          <p:nvPr/>
+        </p:nvCxnSpPr>
+        <p:spPr>
+          <a:xfrm>
+            <a:off x="702365" y="1616765"/>
+            <a:ext cx="7646505" cy="0"/>
+          </a:xfrm>
+          <a:prstGeom prst="line">
+            <a:avLst/>
+          </a:prstGeom>
+        </p:spPr>
+        <p:style>
+          <a:lnRef idx="1">
+            <a:schemeClr val="accent1"/>
+          </a:lnRef>
+          <a:fillRef idx="0">
+            <a:schemeClr val="accent1"/>
+          </a:fillRef>
+          <a:effectRef idx="0">
+            <a:schemeClr val="accent1"/>
+          </a:effectRef>
+          <a:fontRef idx="minor">
+            <a:schemeClr val="tx1"/>
+          </a:fontRef>
+        </p:style>
+      </p:cxnSp>
+      <p:sp>
+        <p:nvSpPr>
+          <p:cNvPr id="7" name="Título 1">
+            <a:extLst>
+              <a:ext uri="{FF2B5EF4-FFF2-40B4-BE49-F238E27FC236}">
+                <a16:creationId xmlns:a16="http://schemas.microsoft.com/office/drawing/2014/main" id="{3B0160D9-5747-4B8E-8517-BDDC54E7A28E}"/>
+              </a:ext>
+            </a:extLst>
+          </p:cNvPr>
+          <p:cNvSpPr txBox="1">
+            <a:spLocks/>
+          </p:cNvSpPr>
+          <p:nvPr/>
+        </p:nvSpPr>
+        <p:spPr>
+          <a:xfrm>
+            <a:off x="1443491" y="5528863"/>
+            <a:ext cx="6571343" cy="524618"/>
+          </a:xfrm>
+          <a:prstGeom prst="rect">
+            <a:avLst/>
+          </a:prstGeom>
+        </p:spPr>
+        <p:txBody>
+          <a:bodyPr vert="horz" lIns="91440" tIns="45720" rIns="91440" bIns="45720" rtlCol="0" anchor="t">
+            <a:normAutofit/>
+          </a:bodyPr>
+          <a:lstStyle>
+            <a:lvl1pPr algn="l" defTabSz="685800" rtl="0" eaLnBrk="1" latinLnBrk="0" hangingPunct="1">
+              <a:lnSpc>
+                <a:spcPct val="90000"/>
+              </a:lnSpc>
+              <a:spcBef>
+                <a:spcPct val="0"/>
+              </a:spcBef>
+              <a:buNone/>
+              <a:defRPr sz="3200" b="0" i="0" kern="1200" cap="all">
+                <a:solidFill>
+                  <a:schemeClr val="tx1"/>
+                </a:solidFill>
+                <a:effectLst/>
+                <a:latin typeface="+mj-lt"/>
+                <a:ea typeface="+mj-ea"/>
+                <a:cs typeface="+mj-cs"/>
+              </a:defRPr>
+            </a:lvl1pPr>
+          </a:lstStyle>
+          <a:p>
+            <a:pPr algn="ctr"/>
+            <a:r>
+              <a:rPr lang="pt-BR" sz="1600" dirty="0"/>
+              <a:t>Tela cadastro de bebidas - 2</a:t>
+            </a:r>
+          </a:p>
+        </p:txBody>
+      </p:sp>
+      <p:pic>
+        <p:nvPicPr>
+          <p:cNvPr id="8" name="Espaço Reservado para Conteúdo 7" descr="Tela de celular com texto preto sobre fundo branco&#10;&#10;Descrição gerada automaticamente">
+            <a:extLst>
+              <a:ext uri="{FF2B5EF4-FFF2-40B4-BE49-F238E27FC236}">
+                <a16:creationId xmlns:a16="http://schemas.microsoft.com/office/drawing/2014/main" id="{C771D735-B9E8-4453-9CC6-08EB4AC1F712}"/>
+              </a:ext>
+            </a:extLst>
+          </p:cNvPr>
+          <p:cNvPicPr>
+            <a:picLocks noGrp="1" noChangeAspect="1"/>
+          </p:cNvPicPr>
+          <p:nvPr>
+            <p:ph idx="1"/>
+          </p:nvPr>
+        </p:nvPicPr>
+        <p:blipFill>
+          <a:blip r:embed="rId2">
+            <a:extLst>
+              <a:ext uri="{28A0092B-C50C-407E-A947-70E740481C1C}">
+                <a14:useLocalDpi xmlns:a14="http://schemas.microsoft.com/office/drawing/2010/main" val="0"/>
+              </a:ext>
+            </a:extLst>
+          </a:blip>
+          <a:stretch>
+            <a:fillRect/>
+          </a:stretch>
+        </p:blipFill>
+        <p:spPr>
+          <a:xfrm>
+            <a:off x="748747" y="1853755"/>
+            <a:ext cx="7646505" cy="3521787"/>
+          </a:xfrm>
+        </p:spPr>
+      </p:pic>
+    </p:spTree>
+    <p:extLst>
+      <p:ext uri="{BB962C8B-B14F-4D97-AF65-F5344CB8AC3E}">
+        <p14:creationId xmlns:p14="http://schemas.microsoft.com/office/powerpoint/2010/main" val="4160008423"/>
+      </p:ext>
+    </p:extLst>
+  </p:cSld>
+  <p:clrMapOvr>
+    <a:masterClrMapping/>
+  </p:clrMapOvr>
+</p:sld>
+</file>
+
+<file path=ppt/slides/slide28.xml><?xml version="1.0" encoding="utf-8"?>
+<p:sld xmlns:a="http://schemas.openxmlformats.org/drawingml/2006/main" xmlns:r="http://schemas.openxmlformats.org/officeDocument/2006/relationships" xmlns:p="http://schemas.openxmlformats.org/presentationml/2006/main">
+  <p:cSld>
+    <p:spTree>
+      <p:nvGrpSpPr>
+        <p:cNvPr id="1" name=""/>
+        <p:cNvGrpSpPr/>
+        <p:nvPr/>
+      </p:nvGrpSpPr>
+      <p:grpSpPr>
+        <a:xfrm>
+          <a:off x="0" y="0"/>
+          <a:ext cx="0" cy="0"/>
+          <a:chOff x="0" y="0"/>
+          <a:chExt cx="0" cy="0"/>
+        </a:xfrm>
+      </p:grpSpPr>
+      <p:sp>
+        <p:nvSpPr>
+          <p:cNvPr id="2" name="Título 1"/>
+          <p:cNvSpPr>
+            <a:spLocks noGrp="1"/>
+          </p:cNvSpPr>
+          <p:nvPr>
+            <p:ph type="title"/>
+          </p:nvPr>
+        </p:nvSpPr>
+        <p:spPr>
+          <a:xfrm>
+            <a:off x="1443491" y="804520"/>
+            <a:ext cx="6571343" cy="1049235"/>
+          </a:xfrm>
+        </p:spPr>
+        <p:txBody>
+          <a:bodyPr>
+            <a:normAutofit/>
+          </a:bodyPr>
+          <a:lstStyle/>
+          <a:p>
+            <a:r>
+              <a:rPr lang="pt-BR" dirty="0"/>
+              <a:t>Telas do sistema</a:t>
+            </a:r>
+          </a:p>
+        </p:txBody>
+      </p:sp>
+      <p:cxnSp>
+        <p:nvCxnSpPr>
+          <p:cNvPr id="5" name="Conector reto 4">
+            <a:extLst>
+              <a:ext uri="{FF2B5EF4-FFF2-40B4-BE49-F238E27FC236}">
+                <a16:creationId xmlns:a16="http://schemas.microsoft.com/office/drawing/2014/main" id="{00B6769B-994B-4E7B-8C9C-0728EA8CC21B}"/>
+              </a:ext>
+            </a:extLst>
+          </p:cNvPr>
+          <p:cNvCxnSpPr/>
+          <p:nvPr/>
+        </p:nvCxnSpPr>
+        <p:spPr>
+          <a:xfrm>
+            <a:off x="702365" y="1616765"/>
+            <a:ext cx="7646505" cy="0"/>
+          </a:xfrm>
+          <a:prstGeom prst="line">
+            <a:avLst/>
+          </a:prstGeom>
+        </p:spPr>
+        <p:style>
+          <a:lnRef idx="1">
+            <a:schemeClr val="accent1"/>
+          </a:lnRef>
+          <a:fillRef idx="0">
+            <a:schemeClr val="accent1"/>
+          </a:fillRef>
+          <a:effectRef idx="0">
+            <a:schemeClr val="accent1"/>
+          </a:effectRef>
+          <a:fontRef idx="minor">
+            <a:schemeClr val="tx1"/>
+          </a:fontRef>
+        </p:style>
+      </p:cxnSp>
+      <p:sp>
+        <p:nvSpPr>
+          <p:cNvPr id="7" name="Título 1">
+            <a:extLst>
+              <a:ext uri="{FF2B5EF4-FFF2-40B4-BE49-F238E27FC236}">
+                <a16:creationId xmlns:a16="http://schemas.microsoft.com/office/drawing/2014/main" id="{3B0160D9-5747-4B8E-8517-BDDC54E7A28E}"/>
+              </a:ext>
+            </a:extLst>
+          </p:cNvPr>
+          <p:cNvSpPr txBox="1">
+            <a:spLocks/>
+          </p:cNvSpPr>
+          <p:nvPr/>
+        </p:nvSpPr>
+        <p:spPr>
+          <a:xfrm>
+            <a:off x="1443491" y="5528863"/>
+            <a:ext cx="6571343" cy="524618"/>
+          </a:xfrm>
+          <a:prstGeom prst="rect">
+            <a:avLst/>
+          </a:prstGeom>
+        </p:spPr>
+        <p:txBody>
+          <a:bodyPr vert="horz" lIns="91440" tIns="45720" rIns="91440" bIns="45720" rtlCol="0" anchor="t">
+            <a:normAutofit/>
+          </a:bodyPr>
+          <a:lstStyle>
+            <a:lvl1pPr algn="l" defTabSz="685800" rtl="0" eaLnBrk="1" latinLnBrk="0" hangingPunct="1">
+              <a:lnSpc>
+                <a:spcPct val="90000"/>
+              </a:lnSpc>
+              <a:spcBef>
+                <a:spcPct val="0"/>
+              </a:spcBef>
+              <a:buNone/>
+              <a:defRPr sz="3200" b="0" i="0" kern="1200" cap="all">
+                <a:solidFill>
+                  <a:schemeClr val="tx1"/>
+                </a:solidFill>
+                <a:effectLst/>
+                <a:latin typeface="+mj-lt"/>
+                <a:ea typeface="+mj-ea"/>
+                <a:cs typeface="+mj-cs"/>
+              </a:defRPr>
+            </a:lvl1pPr>
+          </a:lstStyle>
+          <a:p>
+            <a:pPr algn="ctr"/>
+            <a:r>
+              <a:rPr lang="pt-BR" sz="1600" dirty="0"/>
+              <a:t>Tela cadastro de cliente - 1</a:t>
+            </a:r>
+          </a:p>
+        </p:txBody>
+      </p:sp>
+      <p:pic>
+        <p:nvPicPr>
+          <p:cNvPr id="9" name="Espaço Reservado para Conteúdo 8" descr="Tela de computador com texto preto sobre fundo branco&#10;&#10;Descrição gerada automaticamente">
+            <a:extLst>
+              <a:ext uri="{FF2B5EF4-FFF2-40B4-BE49-F238E27FC236}">
+                <a16:creationId xmlns:a16="http://schemas.microsoft.com/office/drawing/2014/main" id="{1A353F01-6780-45AB-8BA7-CEE17563AC73}"/>
+              </a:ext>
+            </a:extLst>
+          </p:cNvPr>
+          <p:cNvPicPr>
+            <a:picLocks noGrp="1" noChangeAspect="1"/>
+          </p:cNvPicPr>
+          <p:nvPr>
+            <p:ph idx="1"/>
+          </p:nvPr>
+        </p:nvPicPr>
+        <p:blipFill>
+          <a:blip r:embed="rId2">
+            <a:extLst>
+              <a:ext uri="{28A0092B-C50C-407E-A947-70E740481C1C}">
+                <a14:useLocalDpi xmlns:a14="http://schemas.microsoft.com/office/drawing/2010/main" val="0"/>
+              </a:ext>
+            </a:extLst>
+          </a:blip>
+          <a:stretch>
+            <a:fillRect/>
+          </a:stretch>
+        </p:blipFill>
+        <p:spPr>
+          <a:xfrm>
+            <a:off x="702364" y="1853755"/>
+            <a:ext cx="7646505" cy="3496024"/>
+          </a:xfrm>
+        </p:spPr>
+      </p:pic>
+    </p:spTree>
+    <p:extLst>
+      <p:ext uri="{BB962C8B-B14F-4D97-AF65-F5344CB8AC3E}">
+        <p14:creationId xmlns:p14="http://schemas.microsoft.com/office/powerpoint/2010/main" val="1107609455"/>
+      </p:ext>
+    </p:extLst>
+  </p:cSld>
+  <p:clrMapOvr>
+    <a:masterClrMapping/>
+  </p:clrMapOvr>
+</p:sld>
+</file>
+
+<file path=ppt/slides/slide29.xml><?xml version="1.0" encoding="utf-8"?>
+<p:sld xmlns:a="http://schemas.openxmlformats.org/drawingml/2006/main" xmlns:r="http://schemas.openxmlformats.org/officeDocument/2006/relationships" xmlns:p="http://schemas.openxmlformats.org/presentationml/2006/main">
+  <p:cSld>
+    <p:spTree>
+      <p:nvGrpSpPr>
+        <p:cNvPr id="1" name=""/>
+        <p:cNvGrpSpPr/>
+        <p:nvPr/>
+      </p:nvGrpSpPr>
+      <p:grpSpPr>
+        <a:xfrm>
+          <a:off x="0" y="0"/>
+          <a:ext cx="0" cy="0"/>
+          <a:chOff x="0" y="0"/>
+          <a:chExt cx="0" cy="0"/>
+        </a:xfrm>
+      </p:grpSpPr>
+      <p:sp>
+        <p:nvSpPr>
+          <p:cNvPr id="2" name="Título 1"/>
+          <p:cNvSpPr>
+            <a:spLocks noGrp="1"/>
+          </p:cNvSpPr>
+          <p:nvPr>
+            <p:ph type="title"/>
+          </p:nvPr>
+        </p:nvSpPr>
+        <p:spPr>
+          <a:xfrm>
+            <a:off x="1443491" y="804520"/>
+            <a:ext cx="6571343" cy="1049235"/>
+          </a:xfrm>
+        </p:spPr>
+        <p:txBody>
+          <a:bodyPr>
+            <a:normAutofit/>
+          </a:bodyPr>
+          <a:lstStyle/>
+          <a:p>
+            <a:r>
+              <a:rPr lang="pt-BR" dirty="0"/>
+              <a:t>Telas do sistema</a:t>
+            </a:r>
+          </a:p>
+        </p:txBody>
+      </p:sp>
+      <p:cxnSp>
+        <p:nvCxnSpPr>
+          <p:cNvPr id="5" name="Conector reto 4">
+            <a:extLst>
+              <a:ext uri="{FF2B5EF4-FFF2-40B4-BE49-F238E27FC236}">
+                <a16:creationId xmlns:a16="http://schemas.microsoft.com/office/drawing/2014/main" id="{00B6769B-994B-4E7B-8C9C-0728EA8CC21B}"/>
+              </a:ext>
+            </a:extLst>
+          </p:cNvPr>
+          <p:cNvCxnSpPr/>
+          <p:nvPr/>
+        </p:nvCxnSpPr>
+        <p:spPr>
+          <a:xfrm>
+            <a:off x="702365" y="1616765"/>
+            <a:ext cx="7646505" cy="0"/>
+          </a:xfrm>
+          <a:prstGeom prst="line">
+            <a:avLst/>
+          </a:prstGeom>
+        </p:spPr>
+        <p:style>
+          <a:lnRef idx="1">
+            <a:schemeClr val="accent1"/>
+          </a:lnRef>
+          <a:fillRef idx="0">
+            <a:schemeClr val="accent1"/>
+          </a:fillRef>
+          <a:effectRef idx="0">
+            <a:schemeClr val="accent1"/>
+          </a:effectRef>
+          <a:fontRef idx="minor">
+            <a:schemeClr val="tx1"/>
+          </a:fontRef>
+        </p:style>
+      </p:cxnSp>
+      <p:sp>
+        <p:nvSpPr>
+          <p:cNvPr id="7" name="Título 1">
+            <a:extLst>
+              <a:ext uri="{FF2B5EF4-FFF2-40B4-BE49-F238E27FC236}">
+                <a16:creationId xmlns:a16="http://schemas.microsoft.com/office/drawing/2014/main" id="{3B0160D9-5747-4B8E-8517-BDDC54E7A28E}"/>
+              </a:ext>
+            </a:extLst>
+          </p:cNvPr>
+          <p:cNvSpPr txBox="1">
+            <a:spLocks/>
+          </p:cNvSpPr>
+          <p:nvPr/>
+        </p:nvSpPr>
+        <p:spPr>
+          <a:xfrm>
+            <a:off x="1443491" y="5528863"/>
+            <a:ext cx="6571343" cy="524618"/>
+          </a:xfrm>
+          <a:prstGeom prst="rect">
+            <a:avLst/>
+          </a:prstGeom>
+        </p:spPr>
+        <p:txBody>
+          <a:bodyPr vert="horz" lIns="91440" tIns="45720" rIns="91440" bIns="45720" rtlCol="0" anchor="t">
+            <a:normAutofit/>
+          </a:bodyPr>
+          <a:lstStyle>
+            <a:lvl1pPr algn="l" defTabSz="685800" rtl="0" eaLnBrk="1" latinLnBrk="0" hangingPunct="1">
+              <a:lnSpc>
+                <a:spcPct val="90000"/>
+              </a:lnSpc>
+              <a:spcBef>
+                <a:spcPct val="0"/>
+              </a:spcBef>
+              <a:buNone/>
+              <a:defRPr sz="3200" b="0" i="0" kern="1200" cap="all">
+                <a:solidFill>
+                  <a:schemeClr val="tx1"/>
+                </a:solidFill>
+                <a:effectLst/>
+                <a:latin typeface="+mj-lt"/>
+                <a:ea typeface="+mj-ea"/>
+                <a:cs typeface="+mj-cs"/>
+              </a:defRPr>
+            </a:lvl1pPr>
+          </a:lstStyle>
+          <a:p>
+            <a:pPr algn="ctr"/>
+            <a:r>
+              <a:rPr lang="pt-BR" sz="1600" dirty="0"/>
+              <a:t>Tela cadastro de cliente - 2</a:t>
+            </a:r>
+          </a:p>
+        </p:txBody>
+      </p:sp>
+      <p:pic>
+        <p:nvPicPr>
+          <p:cNvPr id="8" name="Espaço Reservado para Conteúdo 7" descr="Tela de computador com texto preto sobre fundo branco&#10;&#10;Descrição gerada automaticamente">
+            <a:extLst>
+              <a:ext uri="{FF2B5EF4-FFF2-40B4-BE49-F238E27FC236}">
+                <a16:creationId xmlns:a16="http://schemas.microsoft.com/office/drawing/2014/main" id="{D26A7118-6242-45DA-8778-63E6B408C80D}"/>
+              </a:ext>
+            </a:extLst>
+          </p:cNvPr>
+          <p:cNvPicPr>
+            <a:picLocks noGrp="1" noChangeAspect="1"/>
+          </p:cNvPicPr>
+          <p:nvPr>
+            <p:ph idx="1"/>
+          </p:nvPr>
+        </p:nvPicPr>
+        <p:blipFill>
+          <a:blip r:embed="rId2">
+            <a:extLst>
+              <a:ext uri="{28A0092B-C50C-407E-A947-70E740481C1C}">
+                <a14:useLocalDpi xmlns:a14="http://schemas.microsoft.com/office/drawing/2010/main" val="0"/>
+              </a:ext>
+            </a:extLst>
+          </a:blip>
+          <a:stretch>
+            <a:fillRect/>
+          </a:stretch>
+        </p:blipFill>
+        <p:spPr>
+          <a:xfrm>
+            <a:off x="702364" y="1853754"/>
+            <a:ext cx="7646505" cy="3288277"/>
+          </a:xfrm>
+        </p:spPr>
+      </p:pic>
+    </p:spTree>
+    <p:extLst>
+      <p:ext uri="{BB962C8B-B14F-4D97-AF65-F5344CB8AC3E}">
+        <p14:creationId xmlns:p14="http://schemas.microsoft.com/office/powerpoint/2010/main" val="2483419515"/>
+      </p:ext>
+    </p:extLst>
+  </p:cSld>
+  <p:clrMapOvr>
+    <a:masterClrMapping/>
+  </p:clrMapOvr>
+</p:sld>
+</file>
+
+<file path=ppt/slides/slide3.xml><?xml version="1.0" encoding="utf-8"?>
+<p:sld xmlns:a="http://schemas.openxmlformats.org/drawingml/2006/main" xmlns:r="http://schemas.openxmlformats.org/officeDocument/2006/relationships" xmlns:p="http://schemas.openxmlformats.org/presentationml/2006/main">
+  <p:cSld>
+    <p:spTree>
+      <p:nvGrpSpPr>
+        <p:cNvPr id="1" name=""/>
+        <p:cNvGrpSpPr/>
+        <p:nvPr/>
+      </p:nvGrpSpPr>
+      <p:grpSpPr>
+        <a:xfrm>
+          <a:off x="0" y="0"/>
+          <a:ext cx="0" cy="0"/>
+          <a:chOff x="0" y="0"/>
+          <a:chExt cx="0" cy="0"/>
+        </a:xfrm>
+      </p:grpSpPr>
+      <p:sp>
+        <p:nvSpPr>
+          <p:cNvPr id="2" name="Título 1"/>
+          <p:cNvSpPr>
+            <a:spLocks noGrp="1"/>
+          </p:cNvSpPr>
+          <p:nvPr>
+            <p:ph type="title"/>
+          </p:nvPr>
+        </p:nvSpPr>
+        <p:spPr/>
+        <p:txBody>
+          <a:bodyPr/>
+          <a:lstStyle/>
+          <a:p>
+            <a:r>
+              <a:rPr lang="pt-BR" dirty="0"/>
+              <a:t>O Drink-it</a:t>
+            </a:r>
+          </a:p>
+        </p:txBody>
+      </p:sp>
+      <p:sp>
+        <p:nvSpPr>
+          <p:cNvPr id="3" name="Espaço Reservado para Conteúdo 2"/>
+          <p:cNvSpPr>
+            <a:spLocks noGrp="1"/>
+          </p:cNvSpPr>
+          <p:nvPr>
+            <p:ph idx="1"/>
+          </p:nvPr>
+        </p:nvSpPr>
+        <p:spPr>
+          <a:xfrm>
+            <a:off x="1443490" y="2666000"/>
+            <a:ext cx="6571343" cy="3450613"/>
+          </a:xfrm>
+        </p:spPr>
+        <p:txBody>
+          <a:bodyPr/>
+          <a:lstStyle/>
+          <a:p>
+            <a:pPr algn="just"/>
+            <a:r>
+              <a:rPr lang="pt-BR" dirty="0"/>
+              <a:t>O Drink-It é um sistema do tipo comércio eletrônico (e-commerce), que tem como objetivo fornecer uma plataforma comércio virtual, ou venda não-presencial, de bebidas para seus diversos tipos de consumidores, através da internet.</a:t>
+            </a:r>
+          </a:p>
+        </p:txBody>
+      </p:sp>
+      <p:cxnSp>
+        <p:nvCxnSpPr>
+          <p:cNvPr id="5" name="Conector reto 4">
+            <a:extLst>
+              <a:ext uri="{FF2B5EF4-FFF2-40B4-BE49-F238E27FC236}">
+                <a16:creationId xmlns:a16="http://schemas.microsoft.com/office/drawing/2014/main" id="{00B6769B-994B-4E7B-8C9C-0728EA8CC21B}"/>
+              </a:ext>
+            </a:extLst>
+          </p:cNvPr>
+          <p:cNvCxnSpPr/>
+          <p:nvPr/>
+        </p:nvCxnSpPr>
+        <p:spPr>
+          <a:xfrm>
+            <a:off x="702365" y="1616765"/>
+            <a:ext cx="7646505" cy="0"/>
+          </a:xfrm>
+          <a:prstGeom prst="line">
+            <a:avLst/>
+          </a:prstGeom>
+        </p:spPr>
+        <p:style>
+          <a:lnRef idx="1">
+            <a:schemeClr val="accent1"/>
+          </a:lnRef>
+          <a:fillRef idx="0">
+            <a:schemeClr val="accent1"/>
+          </a:fillRef>
+          <a:effectRef idx="0">
+            <a:schemeClr val="accent1"/>
+          </a:effectRef>
+          <a:fontRef idx="minor">
+            <a:schemeClr val="tx1"/>
+          </a:fontRef>
+        </p:style>
+      </p:cxnSp>
+      <p:sp>
+        <p:nvSpPr>
+          <p:cNvPr id="6" name="Título 1">
+            <a:extLst>
+              <a:ext uri="{FF2B5EF4-FFF2-40B4-BE49-F238E27FC236}">
+                <a16:creationId xmlns:a16="http://schemas.microsoft.com/office/drawing/2014/main" id="{D6035B9B-C9FE-4853-87A8-08E348938F2F}"/>
+              </a:ext>
+            </a:extLst>
+          </p:cNvPr>
+          <p:cNvSpPr txBox="1">
+            <a:spLocks/>
+          </p:cNvSpPr>
+          <p:nvPr/>
+        </p:nvSpPr>
+        <p:spPr>
+          <a:xfrm>
+            <a:off x="1443489" y="1904394"/>
+            <a:ext cx="6571343" cy="524618"/>
+          </a:xfrm>
+          <a:prstGeom prst="rect">
+            <a:avLst/>
+          </a:prstGeom>
+        </p:spPr>
+        <p:txBody>
+          <a:bodyPr vert="horz" lIns="91440" tIns="45720" rIns="91440" bIns="45720" rtlCol="0" anchor="t">
+            <a:normAutofit/>
+          </a:bodyPr>
+          <a:lstStyle>
+            <a:lvl1pPr algn="l" defTabSz="685800" rtl="0" eaLnBrk="1" latinLnBrk="0" hangingPunct="1">
+              <a:lnSpc>
+                <a:spcPct val="90000"/>
+              </a:lnSpc>
+              <a:spcBef>
+                <a:spcPct val="0"/>
+              </a:spcBef>
+              <a:buNone/>
+              <a:defRPr sz="3200" b="0" i="0" kern="1200" cap="all">
+                <a:solidFill>
+                  <a:schemeClr val="tx1"/>
+                </a:solidFill>
+                <a:effectLst/>
+                <a:latin typeface="+mj-lt"/>
+                <a:ea typeface="+mj-ea"/>
+                <a:cs typeface="+mj-cs"/>
+              </a:defRPr>
+            </a:lvl1pPr>
+          </a:lstStyle>
+          <a:p>
+            <a:r>
+              <a:rPr lang="pt-BR" sz="2400" b="1" cap="none" dirty="0"/>
+              <a:t>Descrição do sistema:</a:t>
+            </a:r>
+          </a:p>
+        </p:txBody>
+      </p:sp>
+    </p:spTree>
+    <p:extLst>
+      <p:ext uri="{BB962C8B-B14F-4D97-AF65-F5344CB8AC3E}">
+        <p14:creationId xmlns:p14="http://schemas.microsoft.com/office/powerpoint/2010/main" val="2643596634"/>
+      </p:ext>
+    </p:extLst>
+  </p:cSld>
+  <p:clrMapOvr>
+    <a:masterClrMapping/>
+  </p:clrMapOvr>
+</p:sld>
+</file>
+
+<file path=ppt/slides/slide30.xml><?xml version="1.0" encoding="utf-8"?>
+<p:sld xmlns:a="http://schemas.openxmlformats.org/drawingml/2006/main" xmlns:r="http://schemas.openxmlformats.org/officeDocument/2006/relationships" xmlns:p="http://schemas.openxmlformats.org/presentationml/2006/main">
+  <p:cSld>
+    <p:spTree>
+      <p:nvGrpSpPr>
+        <p:cNvPr id="1" name=""/>
+        <p:cNvGrpSpPr/>
+        <p:nvPr/>
+      </p:nvGrpSpPr>
+      <p:grpSpPr>
+        <a:xfrm>
+          <a:off x="0" y="0"/>
+          <a:ext cx="0" cy="0"/>
+          <a:chOff x="0" y="0"/>
+          <a:chExt cx="0" cy="0"/>
+        </a:xfrm>
+      </p:grpSpPr>
+      <p:sp>
+        <p:nvSpPr>
+          <p:cNvPr id="2" name="Título 1"/>
+          <p:cNvSpPr>
+            <a:spLocks noGrp="1"/>
+          </p:cNvSpPr>
+          <p:nvPr>
+            <p:ph type="title"/>
+          </p:nvPr>
+        </p:nvSpPr>
+        <p:spPr>
+          <a:xfrm>
+            <a:off x="1443491" y="804520"/>
+            <a:ext cx="6571343" cy="1049235"/>
+          </a:xfrm>
+        </p:spPr>
+        <p:txBody>
+          <a:bodyPr>
+            <a:normAutofit/>
+          </a:bodyPr>
+          <a:lstStyle/>
+          <a:p>
+            <a:r>
+              <a:rPr lang="pt-BR" dirty="0"/>
+              <a:t>Telas do sistema</a:t>
+            </a:r>
+          </a:p>
+        </p:txBody>
+      </p:sp>
+      <p:cxnSp>
+        <p:nvCxnSpPr>
+          <p:cNvPr id="5" name="Conector reto 4">
+            <a:extLst>
+              <a:ext uri="{FF2B5EF4-FFF2-40B4-BE49-F238E27FC236}">
+                <a16:creationId xmlns:a16="http://schemas.microsoft.com/office/drawing/2014/main" id="{00B6769B-994B-4E7B-8C9C-0728EA8CC21B}"/>
+              </a:ext>
+            </a:extLst>
+          </p:cNvPr>
+          <p:cNvCxnSpPr/>
+          <p:nvPr/>
+        </p:nvCxnSpPr>
+        <p:spPr>
+          <a:xfrm>
+            <a:off x="702365" y="1616765"/>
+            <a:ext cx="7646505" cy="0"/>
+          </a:xfrm>
+          <a:prstGeom prst="line">
+            <a:avLst/>
+          </a:prstGeom>
+        </p:spPr>
+        <p:style>
+          <a:lnRef idx="1">
+            <a:schemeClr val="accent1"/>
+          </a:lnRef>
+          <a:fillRef idx="0">
+            <a:schemeClr val="accent1"/>
+          </a:fillRef>
+          <a:effectRef idx="0">
+            <a:schemeClr val="accent1"/>
+          </a:effectRef>
+          <a:fontRef idx="minor">
+            <a:schemeClr val="tx1"/>
+          </a:fontRef>
+        </p:style>
+      </p:cxnSp>
+      <p:sp>
+        <p:nvSpPr>
+          <p:cNvPr id="7" name="Título 1">
+            <a:extLst>
+              <a:ext uri="{FF2B5EF4-FFF2-40B4-BE49-F238E27FC236}">
+                <a16:creationId xmlns:a16="http://schemas.microsoft.com/office/drawing/2014/main" id="{3B0160D9-5747-4B8E-8517-BDDC54E7A28E}"/>
+              </a:ext>
+            </a:extLst>
+          </p:cNvPr>
+          <p:cNvSpPr txBox="1">
+            <a:spLocks/>
+          </p:cNvSpPr>
+          <p:nvPr/>
+        </p:nvSpPr>
+        <p:spPr>
+          <a:xfrm>
+            <a:off x="1443491" y="5528863"/>
+            <a:ext cx="6571343" cy="524618"/>
+          </a:xfrm>
+          <a:prstGeom prst="rect">
+            <a:avLst/>
+          </a:prstGeom>
+        </p:spPr>
+        <p:txBody>
+          <a:bodyPr vert="horz" lIns="91440" tIns="45720" rIns="91440" bIns="45720" rtlCol="0" anchor="t">
+            <a:normAutofit/>
+          </a:bodyPr>
+          <a:lstStyle>
+            <a:lvl1pPr algn="l" defTabSz="685800" rtl="0" eaLnBrk="1" latinLnBrk="0" hangingPunct="1">
+              <a:lnSpc>
+                <a:spcPct val="90000"/>
+              </a:lnSpc>
+              <a:spcBef>
+                <a:spcPct val="0"/>
+              </a:spcBef>
+              <a:buNone/>
+              <a:defRPr sz="3200" b="0" i="0" kern="1200" cap="all">
+                <a:solidFill>
+                  <a:schemeClr val="tx1"/>
+                </a:solidFill>
+                <a:effectLst/>
+                <a:latin typeface="+mj-lt"/>
+                <a:ea typeface="+mj-ea"/>
+                <a:cs typeface="+mj-cs"/>
+              </a:defRPr>
+            </a:lvl1pPr>
+          </a:lstStyle>
+          <a:p>
+            <a:pPr algn="ctr"/>
+            <a:r>
+              <a:rPr lang="pt-BR" sz="1600" dirty="0"/>
+              <a:t>Tela autenticação de usuário</a:t>
+            </a:r>
+          </a:p>
+        </p:txBody>
+      </p:sp>
+      <p:pic>
+        <p:nvPicPr>
+          <p:cNvPr id="9" name="Espaço Reservado para Conteúdo 8" descr="Tela de celular com texto preto sobre fundo branco&#10;&#10;Descrição gerada automaticamente">
+            <a:extLst>
+              <a:ext uri="{FF2B5EF4-FFF2-40B4-BE49-F238E27FC236}">
+                <a16:creationId xmlns:a16="http://schemas.microsoft.com/office/drawing/2014/main" id="{F09A30AD-EA8D-4ACC-B1D5-23969024392D}"/>
+              </a:ext>
+            </a:extLst>
+          </p:cNvPr>
+          <p:cNvPicPr>
+            <a:picLocks noGrp="1" noChangeAspect="1"/>
+          </p:cNvPicPr>
+          <p:nvPr>
+            <p:ph idx="1"/>
+          </p:nvPr>
+        </p:nvPicPr>
+        <p:blipFill>
+          <a:blip r:embed="rId2">
+            <a:extLst>
+              <a:ext uri="{28A0092B-C50C-407E-A947-70E740481C1C}">
+                <a14:useLocalDpi xmlns:a14="http://schemas.microsoft.com/office/drawing/2010/main" val="0"/>
+              </a:ext>
+            </a:extLst>
+          </a:blip>
+          <a:stretch>
+            <a:fillRect/>
+          </a:stretch>
+        </p:blipFill>
+        <p:spPr>
+          <a:xfrm>
+            <a:off x="702364" y="1758401"/>
+            <a:ext cx="7645555" cy="3533471"/>
+          </a:xfrm>
+        </p:spPr>
+      </p:pic>
+    </p:spTree>
+    <p:extLst>
+      <p:ext uri="{BB962C8B-B14F-4D97-AF65-F5344CB8AC3E}">
+        <p14:creationId xmlns:p14="http://schemas.microsoft.com/office/powerpoint/2010/main" val="1460277898"/>
+      </p:ext>
+    </p:extLst>
+  </p:cSld>
+  <p:clrMapOvr>
+    <a:masterClrMapping/>
+  </p:clrMapOvr>
+</p:sld>
+</file>
+
+<file path=ppt/slides/slide31.xml><?xml version="1.0" encoding="utf-8"?>
+<p:sld xmlns:a="http://schemas.openxmlformats.org/drawingml/2006/main" xmlns:r="http://schemas.openxmlformats.org/officeDocument/2006/relationships" xmlns:p="http://schemas.openxmlformats.org/presentationml/2006/main">
+  <p:cSld>
+    <p:spTree>
+      <p:nvGrpSpPr>
+        <p:cNvPr id="1" name=""/>
+        <p:cNvGrpSpPr/>
+        <p:nvPr/>
+      </p:nvGrpSpPr>
+      <p:grpSpPr>
+        <a:xfrm>
+          <a:off x="0" y="0"/>
+          <a:ext cx="0" cy="0"/>
+          <a:chOff x="0" y="0"/>
+          <a:chExt cx="0" cy="0"/>
+        </a:xfrm>
+      </p:grpSpPr>
+      <p:sp>
+        <p:nvSpPr>
+          <p:cNvPr id="2" name="Título 1"/>
+          <p:cNvSpPr>
+            <a:spLocks noGrp="1"/>
+          </p:cNvSpPr>
+          <p:nvPr>
+            <p:ph type="title"/>
+          </p:nvPr>
+        </p:nvSpPr>
+        <p:spPr>
+          <a:xfrm>
+            <a:off x="1443491" y="804520"/>
+            <a:ext cx="6571343" cy="1049235"/>
+          </a:xfrm>
+        </p:spPr>
+        <p:txBody>
+          <a:bodyPr>
+            <a:normAutofit/>
+          </a:bodyPr>
+          <a:lstStyle/>
+          <a:p>
+            <a:r>
+              <a:rPr lang="pt-BR" dirty="0"/>
+              <a:t>Telas do sistema</a:t>
+            </a:r>
+          </a:p>
+        </p:txBody>
+      </p:sp>
+      <p:cxnSp>
+        <p:nvCxnSpPr>
+          <p:cNvPr id="5" name="Conector reto 4">
+            <a:extLst>
+              <a:ext uri="{FF2B5EF4-FFF2-40B4-BE49-F238E27FC236}">
+                <a16:creationId xmlns:a16="http://schemas.microsoft.com/office/drawing/2014/main" id="{00B6769B-994B-4E7B-8C9C-0728EA8CC21B}"/>
+              </a:ext>
+            </a:extLst>
+          </p:cNvPr>
+          <p:cNvCxnSpPr/>
+          <p:nvPr/>
+        </p:nvCxnSpPr>
+        <p:spPr>
+          <a:xfrm>
+            <a:off x="702365" y="1616765"/>
+            <a:ext cx="7646505" cy="0"/>
+          </a:xfrm>
+          <a:prstGeom prst="line">
+            <a:avLst/>
+          </a:prstGeom>
+        </p:spPr>
+        <p:style>
+          <a:lnRef idx="1">
+            <a:schemeClr val="accent1"/>
+          </a:lnRef>
+          <a:fillRef idx="0">
+            <a:schemeClr val="accent1"/>
+          </a:fillRef>
+          <a:effectRef idx="0">
+            <a:schemeClr val="accent1"/>
+          </a:effectRef>
+          <a:fontRef idx="minor">
+            <a:schemeClr val="tx1"/>
+          </a:fontRef>
+        </p:style>
+      </p:cxnSp>
+      <p:sp>
+        <p:nvSpPr>
+          <p:cNvPr id="7" name="Título 1">
+            <a:extLst>
+              <a:ext uri="{FF2B5EF4-FFF2-40B4-BE49-F238E27FC236}">
+                <a16:creationId xmlns:a16="http://schemas.microsoft.com/office/drawing/2014/main" id="{3B0160D9-5747-4B8E-8517-BDDC54E7A28E}"/>
+              </a:ext>
+            </a:extLst>
+          </p:cNvPr>
+          <p:cNvSpPr txBox="1">
+            <a:spLocks/>
+          </p:cNvSpPr>
+          <p:nvPr/>
+        </p:nvSpPr>
+        <p:spPr>
+          <a:xfrm>
+            <a:off x="1443491" y="5528863"/>
+            <a:ext cx="6571343" cy="524618"/>
+          </a:xfrm>
+          <a:prstGeom prst="rect">
+            <a:avLst/>
+          </a:prstGeom>
+        </p:spPr>
+        <p:txBody>
+          <a:bodyPr vert="horz" lIns="91440" tIns="45720" rIns="91440" bIns="45720" rtlCol="0" anchor="t">
+            <a:normAutofit/>
+          </a:bodyPr>
+          <a:lstStyle>
+            <a:lvl1pPr algn="l" defTabSz="685800" rtl="0" eaLnBrk="1" latinLnBrk="0" hangingPunct="1">
+              <a:lnSpc>
+                <a:spcPct val="90000"/>
+              </a:lnSpc>
+              <a:spcBef>
+                <a:spcPct val="0"/>
+              </a:spcBef>
+              <a:buNone/>
+              <a:defRPr sz="3200" b="0" i="0" kern="1200" cap="all">
+                <a:solidFill>
+                  <a:schemeClr val="tx1"/>
+                </a:solidFill>
+                <a:effectLst/>
+                <a:latin typeface="+mj-lt"/>
+                <a:ea typeface="+mj-ea"/>
+                <a:cs typeface="+mj-cs"/>
+              </a:defRPr>
+            </a:lvl1pPr>
+          </a:lstStyle>
+          <a:p>
+            <a:pPr algn="ctr"/>
+            <a:r>
+              <a:rPr lang="pt-BR" sz="1600" dirty="0"/>
+              <a:t>Tela administrador</a:t>
+            </a:r>
+          </a:p>
+        </p:txBody>
+      </p:sp>
+      <p:pic>
+        <p:nvPicPr>
+          <p:cNvPr id="9" name="Espaço Reservado para Conteúdo 8" descr="Tela de celular com publicação numa rede social&#10;&#10;Descrição gerada automaticamente">
+            <a:extLst>
+              <a:ext uri="{FF2B5EF4-FFF2-40B4-BE49-F238E27FC236}">
+                <a16:creationId xmlns:a16="http://schemas.microsoft.com/office/drawing/2014/main" id="{4317B898-ECA3-401E-80F7-967B3099C2B9}"/>
+              </a:ext>
+            </a:extLst>
+          </p:cNvPr>
+          <p:cNvPicPr>
+            <a:picLocks noGrp="1" noChangeAspect="1"/>
+          </p:cNvPicPr>
+          <p:nvPr>
+            <p:ph idx="1"/>
+          </p:nvPr>
+        </p:nvPicPr>
+        <p:blipFill>
+          <a:blip r:embed="rId2">
+            <a:extLst>
+              <a:ext uri="{28A0092B-C50C-407E-A947-70E740481C1C}">
+                <a14:useLocalDpi xmlns:a14="http://schemas.microsoft.com/office/drawing/2010/main" val="0"/>
+              </a:ext>
+            </a:extLst>
+          </a:blip>
+          <a:stretch>
+            <a:fillRect/>
+          </a:stretch>
+        </p:blipFill>
+        <p:spPr>
+          <a:xfrm>
+            <a:off x="702365" y="1853754"/>
+            <a:ext cx="7646504" cy="3526985"/>
+          </a:xfrm>
+        </p:spPr>
+      </p:pic>
+    </p:spTree>
+    <p:extLst>
+      <p:ext uri="{BB962C8B-B14F-4D97-AF65-F5344CB8AC3E}">
+        <p14:creationId xmlns:p14="http://schemas.microsoft.com/office/powerpoint/2010/main" val="566315724"/>
+      </p:ext>
+    </p:extLst>
+  </p:cSld>
+  <p:clrMapOvr>
+    <a:masterClrMapping/>
+  </p:clrMapOvr>
+</p:sld>
+</file>
+
+<file path=ppt/slides/slide32.xml><?xml version="1.0" encoding="utf-8"?>
+<p:sld xmlns:a="http://schemas.openxmlformats.org/drawingml/2006/main" xmlns:r="http://schemas.openxmlformats.org/officeDocument/2006/relationships" xmlns:p="http://schemas.openxmlformats.org/presentationml/2006/main">
+  <p:cSld>
+    <p:spTree>
+      <p:nvGrpSpPr>
+        <p:cNvPr id="1" name=""/>
+        <p:cNvGrpSpPr/>
+        <p:nvPr/>
+      </p:nvGrpSpPr>
+      <p:grpSpPr>
+        <a:xfrm>
+          <a:off x="0" y="0"/>
+          <a:ext cx="0" cy="0"/>
+          <a:chOff x="0" y="0"/>
+          <a:chExt cx="0" cy="0"/>
+        </a:xfrm>
+      </p:grpSpPr>
+      <p:sp>
+        <p:nvSpPr>
+          <p:cNvPr id="2" name="Título 1"/>
+          <p:cNvSpPr>
+            <a:spLocks noGrp="1"/>
+          </p:cNvSpPr>
+          <p:nvPr>
+            <p:ph type="title"/>
+          </p:nvPr>
+        </p:nvSpPr>
+        <p:spPr>
+          <a:xfrm>
+            <a:off x="1443491" y="804520"/>
+            <a:ext cx="6571343" cy="1049235"/>
+          </a:xfrm>
+        </p:spPr>
+        <p:txBody>
+          <a:bodyPr>
+            <a:normAutofit/>
+          </a:bodyPr>
+          <a:lstStyle/>
+          <a:p>
+            <a:r>
+              <a:rPr lang="pt-BR" dirty="0"/>
+              <a:t>Telas do sistema</a:t>
+            </a:r>
+          </a:p>
+        </p:txBody>
+      </p:sp>
+      <p:cxnSp>
+        <p:nvCxnSpPr>
+          <p:cNvPr id="5" name="Conector reto 4">
+            <a:extLst>
+              <a:ext uri="{FF2B5EF4-FFF2-40B4-BE49-F238E27FC236}">
+                <a16:creationId xmlns:a16="http://schemas.microsoft.com/office/drawing/2014/main" id="{00B6769B-994B-4E7B-8C9C-0728EA8CC21B}"/>
+              </a:ext>
+            </a:extLst>
+          </p:cNvPr>
+          <p:cNvCxnSpPr/>
+          <p:nvPr/>
+        </p:nvCxnSpPr>
+        <p:spPr>
+          <a:xfrm>
+            <a:off x="702365" y="1616765"/>
+            <a:ext cx="7646505" cy="0"/>
+          </a:xfrm>
+          <a:prstGeom prst="line">
+            <a:avLst/>
+          </a:prstGeom>
+        </p:spPr>
+        <p:style>
+          <a:lnRef idx="1">
+            <a:schemeClr val="accent1"/>
+          </a:lnRef>
+          <a:fillRef idx="0">
+            <a:schemeClr val="accent1"/>
+          </a:fillRef>
+          <a:effectRef idx="0">
+            <a:schemeClr val="accent1"/>
+          </a:effectRef>
+          <a:fontRef idx="minor">
+            <a:schemeClr val="tx1"/>
+          </a:fontRef>
+        </p:style>
+      </p:cxnSp>
+      <p:sp>
+        <p:nvSpPr>
+          <p:cNvPr id="7" name="Título 1">
+            <a:extLst>
+              <a:ext uri="{FF2B5EF4-FFF2-40B4-BE49-F238E27FC236}">
+                <a16:creationId xmlns:a16="http://schemas.microsoft.com/office/drawing/2014/main" id="{3B0160D9-5747-4B8E-8517-BDDC54E7A28E}"/>
+              </a:ext>
+            </a:extLst>
+          </p:cNvPr>
+          <p:cNvSpPr txBox="1">
+            <a:spLocks/>
+          </p:cNvSpPr>
+          <p:nvPr/>
+        </p:nvSpPr>
+        <p:spPr>
+          <a:xfrm>
+            <a:off x="1443491" y="5528863"/>
+            <a:ext cx="6571343" cy="524618"/>
+          </a:xfrm>
+          <a:prstGeom prst="rect">
+            <a:avLst/>
+          </a:prstGeom>
+        </p:spPr>
+        <p:txBody>
+          <a:bodyPr vert="horz" lIns="91440" tIns="45720" rIns="91440" bIns="45720" rtlCol="0" anchor="t">
+            <a:normAutofit/>
+          </a:bodyPr>
+          <a:lstStyle>
+            <a:lvl1pPr algn="l" defTabSz="685800" rtl="0" eaLnBrk="1" latinLnBrk="0" hangingPunct="1">
+              <a:lnSpc>
+                <a:spcPct val="90000"/>
+              </a:lnSpc>
+              <a:spcBef>
+                <a:spcPct val="0"/>
+              </a:spcBef>
+              <a:buNone/>
+              <a:defRPr sz="3200" b="0" i="0" kern="1200" cap="all">
+                <a:solidFill>
+                  <a:schemeClr val="tx1"/>
+                </a:solidFill>
+                <a:effectLst/>
+                <a:latin typeface="+mj-lt"/>
+                <a:ea typeface="+mj-ea"/>
+                <a:cs typeface="+mj-cs"/>
+              </a:defRPr>
+            </a:lvl1pPr>
+          </a:lstStyle>
+          <a:p>
+            <a:pPr algn="ctr"/>
+            <a:r>
+              <a:rPr lang="pt-BR" sz="1600" dirty="0"/>
+              <a:t>Tela gráfico 1</a:t>
+            </a:r>
+          </a:p>
+        </p:txBody>
+      </p:sp>
+      <p:pic>
+        <p:nvPicPr>
+          <p:cNvPr id="8" name="Espaço Reservado para Conteúdo 7" descr="Tela de celular com publicação numa rede social&#10;&#10;Descrição gerada automaticamente">
+            <a:extLst>
+              <a:ext uri="{FF2B5EF4-FFF2-40B4-BE49-F238E27FC236}">
+                <a16:creationId xmlns:a16="http://schemas.microsoft.com/office/drawing/2014/main" id="{9FC5BFD6-2D91-4651-A5F4-010812550262}"/>
+              </a:ext>
+            </a:extLst>
+          </p:cNvPr>
+          <p:cNvPicPr>
+            <a:picLocks noGrp="1" noChangeAspect="1"/>
+          </p:cNvPicPr>
+          <p:nvPr>
+            <p:ph idx="1"/>
+          </p:nvPr>
+        </p:nvPicPr>
+        <p:blipFill>
+          <a:blip r:embed="rId2">
+            <a:extLst>
+              <a:ext uri="{28A0092B-C50C-407E-A947-70E740481C1C}">
+                <a14:useLocalDpi xmlns:a14="http://schemas.microsoft.com/office/drawing/2010/main" val="0"/>
+              </a:ext>
+            </a:extLst>
+          </a:blip>
+          <a:stretch>
+            <a:fillRect/>
+          </a:stretch>
+        </p:blipFill>
+        <p:spPr>
+          <a:xfrm>
+            <a:off x="702364" y="1853755"/>
+            <a:ext cx="7646505" cy="3538272"/>
+          </a:xfrm>
+        </p:spPr>
+      </p:pic>
+    </p:spTree>
+    <p:extLst>
+      <p:ext uri="{BB962C8B-B14F-4D97-AF65-F5344CB8AC3E}">
+        <p14:creationId xmlns:p14="http://schemas.microsoft.com/office/powerpoint/2010/main" val="627517507"/>
+      </p:ext>
+    </p:extLst>
+  </p:cSld>
+  <p:clrMapOvr>
+    <a:masterClrMapping/>
+  </p:clrMapOvr>
+</p:sld>
+</file>
+
+<file path=ppt/slides/slide33.xml><?xml version="1.0" encoding="utf-8"?>
+<p:sld xmlns:a="http://schemas.openxmlformats.org/drawingml/2006/main" xmlns:r="http://schemas.openxmlformats.org/officeDocument/2006/relationships" xmlns:p="http://schemas.openxmlformats.org/presentationml/2006/main">
+  <p:cSld>
+    <p:spTree>
+      <p:nvGrpSpPr>
+        <p:cNvPr id="1" name=""/>
+        <p:cNvGrpSpPr/>
+        <p:nvPr/>
+      </p:nvGrpSpPr>
+      <p:grpSpPr>
+        <a:xfrm>
+          <a:off x="0" y="0"/>
+          <a:ext cx="0" cy="0"/>
+          <a:chOff x="0" y="0"/>
+          <a:chExt cx="0" cy="0"/>
+        </a:xfrm>
+      </p:grpSpPr>
+      <p:sp>
+        <p:nvSpPr>
+          <p:cNvPr id="2" name="Título 1"/>
+          <p:cNvSpPr>
+            <a:spLocks noGrp="1"/>
+          </p:cNvSpPr>
+          <p:nvPr>
+            <p:ph type="title"/>
+          </p:nvPr>
+        </p:nvSpPr>
+        <p:spPr>
+          <a:xfrm>
+            <a:off x="1443491" y="804520"/>
+            <a:ext cx="6571343" cy="1049235"/>
+          </a:xfrm>
+        </p:spPr>
+        <p:txBody>
+          <a:bodyPr>
+            <a:normAutofit/>
+          </a:bodyPr>
+          <a:lstStyle/>
+          <a:p>
+            <a:r>
+              <a:rPr lang="pt-BR" dirty="0"/>
+              <a:t>Telas do sistema</a:t>
+            </a:r>
+          </a:p>
+        </p:txBody>
+      </p:sp>
+      <p:cxnSp>
+        <p:nvCxnSpPr>
+          <p:cNvPr id="5" name="Conector reto 4">
+            <a:extLst>
+              <a:ext uri="{FF2B5EF4-FFF2-40B4-BE49-F238E27FC236}">
+                <a16:creationId xmlns:a16="http://schemas.microsoft.com/office/drawing/2014/main" id="{00B6769B-994B-4E7B-8C9C-0728EA8CC21B}"/>
+              </a:ext>
+            </a:extLst>
+          </p:cNvPr>
+          <p:cNvCxnSpPr/>
+          <p:nvPr/>
+        </p:nvCxnSpPr>
+        <p:spPr>
+          <a:xfrm>
+            <a:off x="702365" y="1616765"/>
+            <a:ext cx="7646505" cy="0"/>
+          </a:xfrm>
+          <a:prstGeom prst="line">
+            <a:avLst/>
+          </a:prstGeom>
+        </p:spPr>
+        <p:style>
+          <a:lnRef idx="1">
+            <a:schemeClr val="accent1"/>
+          </a:lnRef>
+          <a:fillRef idx="0">
+            <a:schemeClr val="accent1"/>
+          </a:fillRef>
+          <a:effectRef idx="0">
+            <a:schemeClr val="accent1"/>
+          </a:effectRef>
+          <a:fontRef idx="minor">
+            <a:schemeClr val="tx1"/>
+          </a:fontRef>
+        </p:style>
+      </p:cxnSp>
+      <p:sp>
+        <p:nvSpPr>
+          <p:cNvPr id="7" name="Título 1">
+            <a:extLst>
+              <a:ext uri="{FF2B5EF4-FFF2-40B4-BE49-F238E27FC236}">
+                <a16:creationId xmlns:a16="http://schemas.microsoft.com/office/drawing/2014/main" id="{3B0160D9-5747-4B8E-8517-BDDC54E7A28E}"/>
+              </a:ext>
+            </a:extLst>
+          </p:cNvPr>
+          <p:cNvSpPr txBox="1">
+            <a:spLocks/>
+          </p:cNvSpPr>
+          <p:nvPr/>
+        </p:nvSpPr>
+        <p:spPr>
+          <a:xfrm>
+            <a:off x="1443491" y="5528863"/>
+            <a:ext cx="6571343" cy="524618"/>
+          </a:xfrm>
+          <a:prstGeom prst="rect">
+            <a:avLst/>
+          </a:prstGeom>
+        </p:spPr>
+        <p:txBody>
+          <a:bodyPr vert="horz" lIns="91440" tIns="45720" rIns="91440" bIns="45720" rtlCol="0" anchor="t">
+            <a:normAutofit/>
+          </a:bodyPr>
+          <a:lstStyle>
+            <a:lvl1pPr algn="l" defTabSz="685800" rtl="0" eaLnBrk="1" latinLnBrk="0" hangingPunct="1">
+              <a:lnSpc>
+                <a:spcPct val="90000"/>
+              </a:lnSpc>
+              <a:spcBef>
+                <a:spcPct val="0"/>
+              </a:spcBef>
+              <a:buNone/>
+              <a:defRPr sz="3200" b="0" i="0" kern="1200" cap="all">
+                <a:solidFill>
+                  <a:schemeClr val="tx1"/>
+                </a:solidFill>
+                <a:effectLst/>
+                <a:latin typeface="+mj-lt"/>
+                <a:ea typeface="+mj-ea"/>
+                <a:cs typeface="+mj-cs"/>
+              </a:defRPr>
+            </a:lvl1pPr>
+          </a:lstStyle>
+          <a:p>
+            <a:pPr algn="ctr"/>
+            <a:r>
+              <a:rPr lang="pt-BR" sz="1600" dirty="0"/>
+              <a:t>Tela gráfico 2</a:t>
+            </a:r>
+          </a:p>
+        </p:txBody>
+      </p:sp>
+      <p:pic>
+        <p:nvPicPr>
+          <p:cNvPr id="9" name="Espaço Reservado para Conteúdo 8" descr="Uma imagem contendo screenshot, texto&#10;&#10;Descrição gerada automaticamente">
+            <a:extLst>
+              <a:ext uri="{FF2B5EF4-FFF2-40B4-BE49-F238E27FC236}">
+                <a16:creationId xmlns:a16="http://schemas.microsoft.com/office/drawing/2014/main" id="{D9D2FA4E-6D43-4DEA-82CD-6A00B997EE7E}"/>
+              </a:ext>
+            </a:extLst>
+          </p:cNvPr>
+          <p:cNvPicPr>
+            <a:picLocks noGrp="1" noChangeAspect="1"/>
+          </p:cNvPicPr>
+          <p:nvPr>
+            <p:ph idx="1"/>
+          </p:nvPr>
+        </p:nvPicPr>
+        <p:blipFill>
+          <a:blip r:embed="rId2">
+            <a:extLst>
+              <a:ext uri="{28A0092B-C50C-407E-A947-70E740481C1C}">
+                <a14:useLocalDpi xmlns:a14="http://schemas.microsoft.com/office/drawing/2010/main" val="0"/>
+              </a:ext>
+            </a:extLst>
+          </a:blip>
+          <a:stretch>
+            <a:fillRect/>
+          </a:stretch>
+        </p:blipFill>
+        <p:spPr>
+          <a:xfrm>
+            <a:off x="702364" y="1853755"/>
+            <a:ext cx="7646505" cy="3546532"/>
+          </a:xfrm>
+        </p:spPr>
+      </p:pic>
+    </p:spTree>
+    <p:extLst>
+      <p:ext uri="{BB962C8B-B14F-4D97-AF65-F5344CB8AC3E}">
+        <p14:creationId xmlns:p14="http://schemas.microsoft.com/office/powerpoint/2010/main" val="1186264244"/>
+      </p:ext>
+    </p:extLst>
+  </p:cSld>
+  <p:clrMapOvr>
+    <a:masterClrMapping/>
+  </p:clrMapOvr>
+</p:sld>
+</file>
+
+<file path=ppt/slides/slide34.xml><?xml version="1.0" encoding="utf-8"?>
+<p:sld xmlns:a="http://schemas.openxmlformats.org/drawingml/2006/main" xmlns:r="http://schemas.openxmlformats.org/officeDocument/2006/relationships" xmlns:p="http://schemas.openxmlformats.org/presentationml/2006/main">
+  <p:cSld>
+    <p:spTree>
+      <p:nvGrpSpPr>
+        <p:cNvPr id="1" name=""/>
+        <p:cNvGrpSpPr/>
+        <p:nvPr/>
+      </p:nvGrpSpPr>
+      <p:grpSpPr>
+        <a:xfrm>
+          <a:off x="0" y="0"/>
+          <a:ext cx="0" cy="0"/>
+          <a:chOff x="0" y="0"/>
+          <a:chExt cx="0" cy="0"/>
+        </a:xfrm>
+      </p:grpSpPr>
+      <p:sp>
+        <p:nvSpPr>
+          <p:cNvPr id="2" name="Título 1"/>
+          <p:cNvSpPr>
+            <a:spLocks noGrp="1"/>
+          </p:cNvSpPr>
+          <p:nvPr>
+            <p:ph type="title"/>
+          </p:nvPr>
+        </p:nvSpPr>
+        <p:spPr>
+          <a:xfrm>
+            <a:off x="1443491" y="804520"/>
+            <a:ext cx="6571343" cy="1049235"/>
+          </a:xfrm>
+        </p:spPr>
+        <p:txBody>
+          <a:bodyPr>
+            <a:normAutofit/>
+          </a:bodyPr>
+          <a:lstStyle/>
+          <a:p>
+            <a:r>
+              <a:rPr lang="pt-BR" dirty="0"/>
+              <a:t>Telas do sistema</a:t>
+            </a:r>
+          </a:p>
+        </p:txBody>
+      </p:sp>
+      <p:cxnSp>
+        <p:nvCxnSpPr>
+          <p:cNvPr id="5" name="Conector reto 4">
+            <a:extLst>
+              <a:ext uri="{FF2B5EF4-FFF2-40B4-BE49-F238E27FC236}">
+                <a16:creationId xmlns:a16="http://schemas.microsoft.com/office/drawing/2014/main" id="{00B6769B-994B-4E7B-8C9C-0728EA8CC21B}"/>
+              </a:ext>
+            </a:extLst>
+          </p:cNvPr>
+          <p:cNvCxnSpPr/>
+          <p:nvPr/>
+        </p:nvCxnSpPr>
+        <p:spPr>
+          <a:xfrm>
+            <a:off x="702365" y="1616765"/>
+            <a:ext cx="7646505" cy="0"/>
+          </a:xfrm>
+          <a:prstGeom prst="line">
+            <a:avLst/>
+          </a:prstGeom>
+        </p:spPr>
+        <p:style>
+          <a:lnRef idx="1">
+            <a:schemeClr val="accent1"/>
+          </a:lnRef>
+          <a:fillRef idx="0">
+            <a:schemeClr val="accent1"/>
+          </a:fillRef>
+          <a:effectRef idx="0">
+            <a:schemeClr val="accent1"/>
+          </a:effectRef>
+          <a:fontRef idx="minor">
+            <a:schemeClr val="tx1"/>
+          </a:fontRef>
+        </p:style>
+      </p:cxnSp>
+      <p:sp>
+        <p:nvSpPr>
+          <p:cNvPr id="7" name="Título 1">
+            <a:extLst>
+              <a:ext uri="{FF2B5EF4-FFF2-40B4-BE49-F238E27FC236}">
+                <a16:creationId xmlns:a16="http://schemas.microsoft.com/office/drawing/2014/main" id="{3B0160D9-5747-4B8E-8517-BDDC54E7A28E}"/>
+              </a:ext>
+            </a:extLst>
+          </p:cNvPr>
+          <p:cNvSpPr txBox="1">
+            <a:spLocks/>
+          </p:cNvSpPr>
+          <p:nvPr/>
+        </p:nvSpPr>
+        <p:spPr>
+          <a:xfrm>
+            <a:off x="1443491" y="5528863"/>
+            <a:ext cx="6571343" cy="524618"/>
+          </a:xfrm>
+          <a:prstGeom prst="rect">
+            <a:avLst/>
+          </a:prstGeom>
+        </p:spPr>
+        <p:txBody>
+          <a:bodyPr vert="horz" lIns="91440" tIns="45720" rIns="91440" bIns="45720" rtlCol="0" anchor="t">
+            <a:normAutofit/>
+          </a:bodyPr>
+          <a:lstStyle>
+            <a:lvl1pPr algn="l" defTabSz="685800" rtl="0" eaLnBrk="1" latinLnBrk="0" hangingPunct="1">
+              <a:lnSpc>
+                <a:spcPct val="90000"/>
+              </a:lnSpc>
+              <a:spcBef>
+                <a:spcPct val="0"/>
+              </a:spcBef>
+              <a:buNone/>
+              <a:defRPr sz="3200" b="0" i="0" kern="1200" cap="all">
+                <a:solidFill>
+                  <a:schemeClr val="tx1"/>
+                </a:solidFill>
+                <a:effectLst/>
+                <a:latin typeface="+mj-lt"/>
+                <a:ea typeface="+mj-ea"/>
+                <a:cs typeface="+mj-cs"/>
+              </a:defRPr>
+            </a:lvl1pPr>
+          </a:lstStyle>
+          <a:p>
+            <a:pPr algn="ctr"/>
+            <a:r>
+              <a:rPr lang="pt-BR" sz="1600" dirty="0"/>
+              <a:t>Tela cliente</a:t>
+            </a:r>
+          </a:p>
+        </p:txBody>
+      </p:sp>
+      <p:pic>
+        <p:nvPicPr>
+          <p:cNvPr id="13" name="Espaço Reservado para Conteúdo 12" descr="Tela de computador com texto preto sobre fundo branco&#10;&#10;Descrição gerada automaticamente">
+            <a:extLst>
+              <a:ext uri="{FF2B5EF4-FFF2-40B4-BE49-F238E27FC236}">
+                <a16:creationId xmlns:a16="http://schemas.microsoft.com/office/drawing/2014/main" id="{362EE30D-C5D8-4A7F-954D-4FC56E7D78A5}"/>
+              </a:ext>
+            </a:extLst>
+          </p:cNvPr>
+          <p:cNvPicPr>
+            <a:picLocks noGrp="1" noChangeAspect="1"/>
+          </p:cNvPicPr>
+          <p:nvPr>
+            <p:ph idx="1"/>
+          </p:nvPr>
+        </p:nvPicPr>
+        <p:blipFill>
+          <a:blip r:embed="rId2">
+            <a:extLst>
+              <a:ext uri="{28A0092B-C50C-407E-A947-70E740481C1C}">
+                <a14:useLocalDpi xmlns:a14="http://schemas.microsoft.com/office/drawing/2010/main" val="0"/>
+              </a:ext>
+            </a:extLst>
+          </a:blip>
+          <a:stretch>
+            <a:fillRect/>
+          </a:stretch>
+        </p:blipFill>
+        <p:spPr>
+          <a:xfrm>
+            <a:off x="702365" y="1737643"/>
+            <a:ext cx="7646504" cy="3551376"/>
+          </a:xfrm>
+        </p:spPr>
+      </p:pic>
+    </p:spTree>
+    <p:extLst>
+      <p:ext uri="{BB962C8B-B14F-4D97-AF65-F5344CB8AC3E}">
+        <p14:creationId xmlns:p14="http://schemas.microsoft.com/office/powerpoint/2010/main" val="881674028"/>
+      </p:ext>
+    </p:extLst>
+  </p:cSld>
+  <p:clrMapOvr>
+    <a:masterClrMapping/>
+  </p:clrMapOvr>
+</p:sld>
+</file>
+
+<file path=ppt/slides/slide35.xml><?xml version="1.0" encoding="utf-8"?>
+<p:sld xmlns:a="http://schemas.openxmlformats.org/drawingml/2006/main" xmlns:r="http://schemas.openxmlformats.org/officeDocument/2006/relationships" xmlns:p="http://schemas.openxmlformats.org/presentationml/2006/main">
+  <p:cSld>
+    <p:spTree>
+      <p:nvGrpSpPr>
+        <p:cNvPr id="1" name=""/>
+        <p:cNvGrpSpPr/>
+        <p:nvPr/>
+      </p:nvGrpSpPr>
+      <p:grpSpPr>
+        <a:xfrm>
+          <a:off x="0" y="0"/>
+          <a:ext cx="0" cy="0"/>
+          <a:chOff x="0" y="0"/>
+          <a:chExt cx="0" cy="0"/>
+        </a:xfrm>
+      </p:grpSpPr>
+      <p:sp>
+        <p:nvSpPr>
+          <p:cNvPr id="2" name="Título 1"/>
+          <p:cNvSpPr>
+            <a:spLocks noGrp="1"/>
+          </p:cNvSpPr>
+          <p:nvPr>
+            <p:ph type="title"/>
+          </p:nvPr>
+        </p:nvSpPr>
+        <p:spPr>
+          <a:xfrm>
+            <a:off x="1443491" y="804520"/>
+            <a:ext cx="6571343" cy="1049235"/>
+          </a:xfrm>
+        </p:spPr>
+        <p:txBody>
+          <a:bodyPr>
+            <a:normAutofit/>
+          </a:bodyPr>
+          <a:lstStyle/>
+          <a:p>
+            <a:r>
+              <a:rPr lang="pt-BR" dirty="0"/>
+              <a:t>Telas do sistema</a:t>
+            </a:r>
+          </a:p>
+        </p:txBody>
+      </p:sp>
+      <p:cxnSp>
+        <p:nvCxnSpPr>
+          <p:cNvPr id="5" name="Conector reto 4">
+            <a:extLst>
+              <a:ext uri="{FF2B5EF4-FFF2-40B4-BE49-F238E27FC236}">
+                <a16:creationId xmlns:a16="http://schemas.microsoft.com/office/drawing/2014/main" id="{00B6769B-994B-4E7B-8C9C-0728EA8CC21B}"/>
+              </a:ext>
+            </a:extLst>
+          </p:cNvPr>
+          <p:cNvCxnSpPr/>
+          <p:nvPr/>
+        </p:nvCxnSpPr>
+        <p:spPr>
+          <a:xfrm>
+            <a:off x="702365" y="1616765"/>
+            <a:ext cx="7646505" cy="0"/>
+          </a:xfrm>
+          <a:prstGeom prst="line">
+            <a:avLst/>
+          </a:prstGeom>
+        </p:spPr>
+        <p:style>
+          <a:lnRef idx="1">
+            <a:schemeClr val="accent1"/>
+          </a:lnRef>
+          <a:fillRef idx="0">
+            <a:schemeClr val="accent1"/>
+          </a:fillRef>
+          <a:effectRef idx="0">
+            <a:schemeClr val="accent1"/>
+          </a:effectRef>
+          <a:fontRef idx="minor">
+            <a:schemeClr val="tx1"/>
+          </a:fontRef>
+        </p:style>
+      </p:cxnSp>
+      <p:sp>
+        <p:nvSpPr>
+          <p:cNvPr id="7" name="Título 1">
+            <a:extLst>
+              <a:ext uri="{FF2B5EF4-FFF2-40B4-BE49-F238E27FC236}">
+                <a16:creationId xmlns:a16="http://schemas.microsoft.com/office/drawing/2014/main" id="{3B0160D9-5747-4B8E-8517-BDDC54E7A28E}"/>
+              </a:ext>
+            </a:extLst>
+          </p:cNvPr>
+          <p:cNvSpPr txBox="1">
+            <a:spLocks/>
+          </p:cNvSpPr>
+          <p:nvPr/>
+        </p:nvSpPr>
+        <p:spPr>
+          <a:xfrm>
+            <a:off x="1443491" y="5528863"/>
+            <a:ext cx="6571343" cy="524618"/>
+          </a:xfrm>
+          <a:prstGeom prst="rect">
+            <a:avLst/>
+          </a:prstGeom>
+        </p:spPr>
+        <p:txBody>
+          <a:bodyPr vert="horz" lIns="91440" tIns="45720" rIns="91440" bIns="45720" rtlCol="0" anchor="t">
+            <a:normAutofit/>
+          </a:bodyPr>
+          <a:lstStyle>
+            <a:lvl1pPr algn="l" defTabSz="685800" rtl="0" eaLnBrk="1" latinLnBrk="0" hangingPunct="1">
+              <a:lnSpc>
+                <a:spcPct val="90000"/>
+              </a:lnSpc>
+              <a:spcBef>
+                <a:spcPct val="0"/>
+              </a:spcBef>
+              <a:buNone/>
+              <a:defRPr sz="3200" b="0" i="0" kern="1200" cap="all">
+                <a:solidFill>
+                  <a:schemeClr val="tx1"/>
+                </a:solidFill>
+                <a:effectLst/>
+                <a:latin typeface="+mj-lt"/>
+                <a:ea typeface="+mj-ea"/>
+                <a:cs typeface="+mj-cs"/>
+              </a:defRPr>
+            </a:lvl1pPr>
+          </a:lstStyle>
+          <a:p>
+            <a:pPr algn="ctr"/>
+            <a:r>
+              <a:rPr lang="pt-BR" sz="1600" dirty="0"/>
+              <a:t>Tela detalhes do pedido</a:t>
+            </a:r>
+          </a:p>
+        </p:txBody>
+      </p:sp>
+      <p:pic>
+        <p:nvPicPr>
+          <p:cNvPr id="8" name="Espaço Reservado para Conteúdo 7" descr="Tela de celular com publicação numa rede social&#10;&#10;Descrição gerada automaticamente">
+            <a:extLst>
+              <a:ext uri="{FF2B5EF4-FFF2-40B4-BE49-F238E27FC236}">
+                <a16:creationId xmlns:a16="http://schemas.microsoft.com/office/drawing/2014/main" id="{07028771-C32D-4786-9D64-116169FF0C27}"/>
+              </a:ext>
+            </a:extLst>
+          </p:cNvPr>
+          <p:cNvPicPr>
+            <a:picLocks noGrp="1" noChangeAspect="1"/>
+          </p:cNvPicPr>
+          <p:nvPr>
+            <p:ph idx="1"/>
+          </p:nvPr>
+        </p:nvPicPr>
+        <p:blipFill>
+          <a:blip r:embed="rId2">
+            <a:extLst>
+              <a:ext uri="{28A0092B-C50C-407E-A947-70E740481C1C}">
+                <a14:useLocalDpi xmlns:a14="http://schemas.microsoft.com/office/drawing/2010/main" val="0"/>
+              </a:ext>
+            </a:extLst>
+          </a:blip>
+          <a:stretch>
+            <a:fillRect/>
+          </a:stretch>
+        </p:blipFill>
+        <p:spPr>
+          <a:xfrm>
+            <a:off x="702365" y="1747955"/>
+            <a:ext cx="7646504" cy="3558217"/>
+          </a:xfrm>
+        </p:spPr>
+      </p:pic>
+    </p:spTree>
+    <p:extLst>
+      <p:ext uri="{BB962C8B-B14F-4D97-AF65-F5344CB8AC3E}">
+        <p14:creationId xmlns:p14="http://schemas.microsoft.com/office/powerpoint/2010/main" val="1348002758"/>
+      </p:ext>
+    </p:extLst>
+  </p:cSld>
+  <p:clrMapOvr>
+    <a:masterClrMapping/>
+  </p:clrMapOvr>
+</p:sld>
+</file>
+
+<file path=ppt/slides/slide36.xml><?xml version="1.0" encoding="utf-8"?>
+<p:sld xmlns:a="http://schemas.openxmlformats.org/drawingml/2006/main" xmlns:r="http://schemas.openxmlformats.org/officeDocument/2006/relationships" xmlns:p="http://schemas.openxmlformats.org/presentationml/2006/main">
+  <p:cSld>
+    <p:spTree>
+      <p:nvGrpSpPr>
+        <p:cNvPr id="1" name=""/>
+        <p:cNvGrpSpPr/>
+        <p:nvPr/>
+      </p:nvGrpSpPr>
+      <p:grpSpPr>
+        <a:xfrm>
+          <a:off x="0" y="0"/>
+          <a:ext cx="0" cy="0"/>
+          <a:chOff x="0" y="0"/>
+          <a:chExt cx="0" cy="0"/>
+        </a:xfrm>
+      </p:grpSpPr>
+      <p:sp>
+        <p:nvSpPr>
+          <p:cNvPr id="2" name="Título 1"/>
+          <p:cNvSpPr>
+            <a:spLocks noGrp="1"/>
+          </p:cNvSpPr>
+          <p:nvPr>
+            <p:ph type="title"/>
+          </p:nvPr>
+        </p:nvSpPr>
+        <p:spPr>
+          <a:xfrm>
+            <a:off x="1443491" y="804520"/>
+            <a:ext cx="6571343" cy="1049235"/>
+          </a:xfrm>
+        </p:spPr>
+        <p:txBody>
+          <a:bodyPr>
+            <a:normAutofit/>
+          </a:bodyPr>
+          <a:lstStyle/>
+          <a:p>
+            <a:r>
+              <a:rPr lang="pt-BR" dirty="0"/>
+              <a:t>Telas do sistema</a:t>
+            </a:r>
+          </a:p>
+        </p:txBody>
+      </p:sp>
+      <p:cxnSp>
+        <p:nvCxnSpPr>
+          <p:cNvPr id="5" name="Conector reto 4">
+            <a:extLst>
+              <a:ext uri="{FF2B5EF4-FFF2-40B4-BE49-F238E27FC236}">
+                <a16:creationId xmlns:a16="http://schemas.microsoft.com/office/drawing/2014/main" id="{00B6769B-994B-4E7B-8C9C-0728EA8CC21B}"/>
+              </a:ext>
+            </a:extLst>
+          </p:cNvPr>
+          <p:cNvCxnSpPr/>
+          <p:nvPr/>
+        </p:nvCxnSpPr>
+        <p:spPr>
+          <a:xfrm>
+            <a:off x="702365" y="1616765"/>
+            <a:ext cx="7646505" cy="0"/>
+          </a:xfrm>
+          <a:prstGeom prst="line">
+            <a:avLst/>
+          </a:prstGeom>
+        </p:spPr>
+        <p:style>
+          <a:lnRef idx="1">
+            <a:schemeClr val="accent1"/>
+          </a:lnRef>
+          <a:fillRef idx="0">
+            <a:schemeClr val="accent1"/>
+          </a:fillRef>
+          <a:effectRef idx="0">
+            <a:schemeClr val="accent1"/>
+          </a:effectRef>
+          <a:fontRef idx="minor">
+            <a:schemeClr val="tx1"/>
+          </a:fontRef>
+        </p:style>
+      </p:cxnSp>
+      <p:sp>
+        <p:nvSpPr>
+          <p:cNvPr id="7" name="Título 1">
+            <a:extLst>
+              <a:ext uri="{FF2B5EF4-FFF2-40B4-BE49-F238E27FC236}">
+                <a16:creationId xmlns:a16="http://schemas.microsoft.com/office/drawing/2014/main" id="{3B0160D9-5747-4B8E-8517-BDDC54E7A28E}"/>
+              </a:ext>
+            </a:extLst>
+          </p:cNvPr>
+          <p:cNvSpPr txBox="1">
+            <a:spLocks/>
+          </p:cNvSpPr>
+          <p:nvPr/>
+        </p:nvSpPr>
+        <p:spPr>
+          <a:xfrm>
+            <a:off x="1443491" y="5528863"/>
+            <a:ext cx="6571343" cy="524618"/>
+          </a:xfrm>
+          <a:prstGeom prst="rect">
+            <a:avLst/>
+          </a:prstGeom>
+        </p:spPr>
+        <p:txBody>
+          <a:bodyPr vert="horz" lIns="91440" tIns="45720" rIns="91440" bIns="45720" rtlCol="0" anchor="t">
+            <a:normAutofit/>
+          </a:bodyPr>
+          <a:lstStyle>
+            <a:lvl1pPr algn="l" defTabSz="685800" rtl="0" eaLnBrk="1" latinLnBrk="0" hangingPunct="1">
+              <a:lnSpc>
+                <a:spcPct val="90000"/>
+              </a:lnSpc>
+              <a:spcBef>
+                <a:spcPct val="0"/>
+              </a:spcBef>
+              <a:buNone/>
+              <a:defRPr sz="3200" b="0" i="0" kern="1200" cap="all">
+                <a:solidFill>
+                  <a:schemeClr val="tx1"/>
+                </a:solidFill>
+                <a:effectLst/>
+                <a:latin typeface="+mj-lt"/>
+                <a:ea typeface="+mj-ea"/>
+                <a:cs typeface="+mj-cs"/>
+              </a:defRPr>
+            </a:lvl1pPr>
+          </a:lstStyle>
+          <a:p>
+            <a:pPr algn="ctr"/>
+            <a:r>
+              <a:rPr lang="pt-BR" sz="1600" dirty="0"/>
+              <a:t>Tela detalhes da bebida</a:t>
+            </a:r>
+          </a:p>
+        </p:txBody>
+      </p:sp>
+      <p:pic>
+        <p:nvPicPr>
+          <p:cNvPr id="8" name="Espaço Reservado para Conteúdo 7" descr="Tela de celular com publicação numa rede social&#10;&#10;Descrição gerada automaticamente">
+            <a:extLst>
+              <a:ext uri="{FF2B5EF4-FFF2-40B4-BE49-F238E27FC236}">
+                <a16:creationId xmlns:a16="http://schemas.microsoft.com/office/drawing/2014/main" id="{044B47F9-1E27-41E8-B785-8886232BCF19}"/>
+              </a:ext>
+            </a:extLst>
+          </p:cNvPr>
+          <p:cNvPicPr>
+            <a:picLocks noGrp="1" noChangeAspect="1"/>
+          </p:cNvPicPr>
+          <p:nvPr>
+            <p:ph idx="1"/>
+          </p:nvPr>
+        </p:nvPicPr>
+        <p:blipFill>
+          <a:blip r:embed="rId2">
+            <a:extLst>
+              <a:ext uri="{28A0092B-C50C-407E-A947-70E740481C1C}">
+                <a14:useLocalDpi xmlns:a14="http://schemas.microsoft.com/office/drawing/2010/main" val="0"/>
+              </a:ext>
+            </a:extLst>
+          </a:blip>
+          <a:stretch>
+            <a:fillRect/>
+          </a:stretch>
+        </p:blipFill>
+        <p:spPr>
+          <a:xfrm>
+            <a:off x="702364" y="1853754"/>
+            <a:ext cx="7646505" cy="3540467"/>
+          </a:xfrm>
+        </p:spPr>
+      </p:pic>
+    </p:spTree>
+    <p:extLst>
+      <p:ext uri="{BB962C8B-B14F-4D97-AF65-F5344CB8AC3E}">
+        <p14:creationId xmlns:p14="http://schemas.microsoft.com/office/powerpoint/2010/main" val="1812014326"/>
+      </p:ext>
+    </p:extLst>
+  </p:cSld>
+  <p:clrMapOvr>
+    <a:masterClrMapping/>
+  </p:clrMapOvr>
+</p:sld>
+</file>
+
+<file path=ppt/slides/slide37.xml><?xml version="1.0" encoding="utf-8"?>
+<p:sld xmlns:a="http://schemas.openxmlformats.org/drawingml/2006/main" xmlns:r="http://schemas.openxmlformats.org/officeDocument/2006/relationships" xmlns:p="http://schemas.openxmlformats.org/presentationml/2006/main">
+  <p:cSld>
+    <p:spTree>
+      <p:nvGrpSpPr>
+        <p:cNvPr id="1" name=""/>
+        <p:cNvGrpSpPr/>
+        <p:nvPr/>
+      </p:nvGrpSpPr>
+      <p:grpSpPr>
+        <a:xfrm>
+          <a:off x="0" y="0"/>
+          <a:ext cx="0" cy="0"/>
+          <a:chOff x="0" y="0"/>
+          <a:chExt cx="0" cy="0"/>
+        </a:xfrm>
+      </p:grpSpPr>
+      <p:sp>
+        <p:nvSpPr>
+          <p:cNvPr id="2" name="Título 1"/>
+          <p:cNvSpPr>
+            <a:spLocks noGrp="1"/>
+          </p:cNvSpPr>
+          <p:nvPr>
+            <p:ph type="title"/>
+          </p:nvPr>
+        </p:nvSpPr>
+        <p:spPr>
+          <a:xfrm>
+            <a:off x="1443491" y="804520"/>
+            <a:ext cx="6571343" cy="1049235"/>
+          </a:xfrm>
+        </p:spPr>
+        <p:txBody>
+          <a:bodyPr>
+            <a:normAutofit/>
+          </a:bodyPr>
+          <a:lstStyle/>
+          <a:p>
+            <a:r>
+              <a:rPr lang="pt-BR" dirty="0"/>
+              <a:t>Telas do sistema</a:t>
+            </a:r>
+          </a:p>
+        </p:txBody>
+      </p:sp>
+      <p:cxnSp>
+        <p:nvCxnSpPr>
+          <p:cNvPr id="5" name="Conector reto 4">
+            <a:extLst>
+              <a:ext uri="{FF2B5EF4-FFF2-40B4-BE49-F238E27FC236}">
+                <a16:creationId xmlns:a16="http://schemas.microsoft.com/office/drawing/2014/main" id="{00B6769B-994B-4E7B-8C9C-0728EA8CC21B}"/>
+              </a:ext>
+            </a:extLst>
+          </p:cNvPr>
+          <p:cNvCxnSpPr/>
+          <p:nvPr/>
+        </p:nvCxnSpPr>
+        <p:spPr>
+          <a:xfrm>
+            <a:off x="702365" y="1616765"/>
+            <a:ext cx="7646505" cy="0"/>
+          </a:xfrm>
+          <a:prstGeom prst="line">
+            <a:avLst/>
+          </a:prstGeom>
+        </p:spPr>
+        <p:style>
+          <a:lnRef idx="1">
+            <a:schemeClr val="accent1"/>
+          </a:lnRef>
+          <a:fillRef idx="0">
+            <a:schemeClr val="accent1"/>
+          </a:fillRef>
+          <a:effectRef idx="0">
+            <a:schemeClr val="accent1"/>
+          </a:effectRef>
+          <a:fontRef idx="minor">
+            <a:schemeClr val="tx1"/>
+          </a:fontRef>
+        </p:style>
+      </p:cxnSp>
+      <p:sp>
+        <p:nvSpPr>
+          <p:cNvPr id="7" name="Título 1">
+            <a:extLst>
+              <a:ext uri="{FF2B5EF4-FFF2-40B4-BE49-F238E27FC236}">
+                <a16:creationId xmlns:a16="http://schemas.microsoft.com/office/drawing/2014/main" id="{3B0160D9-5747-4B8E-8517-BDDC54E7A28E}"/>
+              </a:ext>
+            </a:extLst>
+          </p:cNvPr>
+          <p:cNvSpPr txBox="1">
+            <a:spLocks/>
+          </p:cNvSpPr>
+          <p:nvPr/>
+        </p:nvSpPr>
+        <p:spPr>
+          <a:xfrm>
+            <a:off x="1443491" y="5528863"/>
+            <a:ext cx="6571343" cy="524618"/>
+          </a:xfrm>
+          <a:prstGeom prst="rect">
+            <a:avLst/>
+          </a:prstGeom>
+        </p:spPr>
+        <p:txBody>
+          <a:bodyPr vert="horz" lIns="91440" tIns="45720" rIns="91440" bIns="45720" rtlCol="0" anchor="t">
+            <a:normAutofit/>
+          </a:bodyPr>
+          <a:lstStyle>
+            <a:lvl1pPr algn="l" defTabSz="685800" rtl="0" eaLnBrk="1" latinLnBrk="0" hangingPunct="1">
+              <a:lnSpc>
+                <a:spcPct val="90000"/>
+              </a:lnSpc>
+              <a:spcBef>
+                <a:spcPct val="0"/>
+              </a:spcBef>
+              <a:buNone/>
+              <a:defRPr sz="3200" b="0" i="0" kern="1200" cap="all">
+                <a:solidFill>
+                  <a:schemeClr val="tx1"/>
+                </a:solidFill>
+                <a:effectLst/>
+                <a:latin typeface="+mj-lt"/>
+                <a:ea typeface="+mj-ea"/>
+                <a:cs typeface="+mj-cs"/>
+              </a:defRPr>
+            </a:lvl1pPr>
+          </a:lstStyle>
+          <a:p>
+            <a:pPr algn="ctr"/>
+            <a:r>
+              <a:rPr lang="pt-BR" sz="1600" dirty="0"/>
+              <a:t>Tela carrinho</a:t>
+            </a:r>
+          </a:p>
+        </p:txBody>
+      </p:sp>
+      <p:pic>
+        <p:nvPicPr>
+          <p:cNvPr id="9" name="Espaço Reservado para Conteúdo 8" descr="Tela de celular com texto preto sobre fundo branco&#10;&#10;Descrição gerada automaticamente">
+            <a:extLst>
+              <a:ext uri="{FF2B5EF4-FFF2-40B4-BE49-F238E27FC236}">
+                <a16:creationId xmlns:a16="http://schemas.microsoft.com/office/drawing/2014/main" id="{E51A85CC-096F-4D1A-8E21-14B1BF0683B5}"/>
+              </a:ext>
+            </a:extLst>
+          </p:cNvPr>
+          <p:cNvPicPr>
+            <a:picLocks noGrp="1" noChangeAspect="1"/>
+          </p:cNvPicPr>
+          <p:nvPr>
+            <p:ph idx="1"/>
+          </p:nvPr>
+        </p:nvPicPr>
+        <p:blipFill>
+          <a:blip r:embed="rId2">
+            <a:extLst>
+              <a:ext uri="{28A0092B-C50C-407E-A947-70E740481C1C}">
+                <a14:useLocalDpi xmlns:a14="http://schemas.microsoft.com/office/drawing/2010/main" val="0"/>
+              </a:ext>
+            </a:extLst>
+          </a:blip>
+          <a:stretch>
+            <a:fillRect/>
+          </a:stretch>
+        </p:blipFill>
+        <p:spPr>
+          <a:xfrm>
+            <a:off x="702365" y="1742663"/>
+            <a:ext cx="7646504" cy="3508858"/>
+          </a:xfrm>
+        </p:spPr>
+      </p:pic>
+    </p:spTree>
+    <p:extLst>
+      <p:ext uri="{BB962C8B-B14F-4D97-AF65-F5344CB8AC3E}">
+        <p14:creationId xmlns:p14="http://schemas.microsoft.com/office/powerpoint/2010/main" val="2257462070"/>
+      </p:ext>
+    </p:extLst>
+  </p:cSld>
+  <p:clrMapOvr>
+    <a:masterClrMapping/>
+  </p:clrMapOvr>
+</p:sld>
+</file>
+
+<file path=ppt/slides/slide38.xml><?xml version="1.0" encoding="utf-8"?>
+<p:sld xmlns:a="http://schemas.openxmlformats.org/drawingml/2006/main" xmlns:r="http://schemas.openxmlformats.org/officeDocument/2006/relationships" xmlns:p="http://schemas.openxmlformats.org/presentationml/2006/main">
+  <p:cSld>
+    <p:spTree>
+      <p:nvGrpSpPr>
+        <p:cNvPr id="1" name=""/>
+        <p:cNvGrpSpPr/>
+        <p:nvPr/>
+      </p:nvGrpSpPr>
+      <p:grpSpPr>
+        <a:xfrm>
+          <a:off x="0" y="0"/>
+          <a:ext cx="0" cy="0"/>
+          <a:chOff x="0" y="0"/>
+          <a:chExt cx="0" cy="0"/>
+        </a:xfrm>
+      </p:grpSpPr>
+      <p:sp>
+        <p:nvSpPr>
+          <p:cNvPr id="2" name="Título 1"/>
+          <p:cNvSpPr>
+            <a:spLocks noGrp="1"/>
+          </p:cNvSpPr>
+          <p:nvPr>
+            <p:ph type="title"/>
+          </p:nvPr>
+        </p:nvSpPr>
+        <p:spPr>
+          <a:xfrm>
+            <a:off x="1443491" y="804520"/>
+            <a:ext cx="6571343" cy="1049235"/>
+          </a:xfrm>
+        </p:spPr>
+        <p:txBody>
+          <a:bodyPr>
+            <a:normAutofit/>
+          </a:bodyPr>
+          <a:lstStyle/>
+          <a:p>
+            <a:r>
+              <a:rPr lang="pt-BR" dirty="0"/>
+              <a:t>Telas do sistema</a:t>
+            </a:r>
+          </a:p>
+        </p:txBody>
+      </p:sp>
+      <p:cxnSp>
+        <p:nvCxnSpPr>
+          <p:cNvPr id="5" name="Conector reto 4">
+            <a:extLst>
+              <a:ext uri="{FF2B5EF4-FFF2-40B4-BE49-F238E27FC236}">
+                <a16:creationId xmlns:a16="http://schemas.microsoft.com/office/drawing/2014/main" id="{00B6769B-994B-4E7B-8C9C-0728EA8CC21B}"/>
+              </a:ext>
+            </a:extLst>
+          </p:cNvPr>
+          <p:cNvCxnSpPr/>
+          <p:nvPr/>
+        </p:nvCxnSpPr>
+        <p:spPr>
+          <a:xfrm>
+            <a:off x="702365" y="1616765"/>
+            <a:ext cx="7646505" cy="0"/>
+          </a:xfrm>
+          <a:prstGeom prst="line">
+            <a:avLst/>
+          </a:prstGeom>
+        </p:spPr>
+        <p:style>
+          <a:lnRef idx="1">
+            <a:schemeClr val="accent1"/>
+          </a:lnRef>
+          <a:fillRef idx="0">
+            <a:schemeClr val="accent1"/>
+          </a:fillRef>
+          <a:effectRef idx="0">
+            <a:schemeClr val="accent1"/>
+          </a:effectRef>
+          <a:fontRef idx="minor">
+            <a:schemeClr val="tx1"/>
+          </a:fontRef>
+        </p:style>
+      </p:cxnSp>
+      <p:sp>
+        <p:nvSpPr>
+          <p:cNvPr id="7" name="Título 1">
+            <a:extLst>
+              <a:ext uri="{FF2B5EF4-FFF2-40B4-BE49-F238E27FC236}">
+                <a16:creationId xmlns:a16="http://schemas.microsoft.com/office/drawing/2014/main" id="{3B0160D9-5747-4B8E-8517-BDDC54E7A28E}"/>
+              </a:ext>
+            </a:extLst>
+          </p:cNvPr>
+          <p:cNvSpPr txBox="1">
+            <a:spLocks/>
+          </p:cNvSpPr>
+          <p:nvPr/>
+        </p:nvSpPr>
+        <p:spPr>
+          <a:xfrm>
+            <a:off x="1443491" y="5528863"/>
+            <a:ext cx="6571343" cy="524618"/>
+          </a:xfrm>
+          <a:prstGeom prst="rect">
+            <a:avLst/>
+          </a:prstGeom>
+        </p:spPr>
+        <p:txBody>
+          <a:bodyPr vert="horz" lIns="91440" tIns="45720" rIns="91440" bIns="45720" rtlCol="0" anchor="t">
+            <a:normAutofit/>
+          </a:bodyPr>
+          <a:lstStyle>
+            <a:lvl1pPr algn="l" defTabSz="685800" rtl="0" eaLnBrk="1" latinLnBrk="0" hangingPunct="1">
+              <a:lnSpc>
+                <a:spcPct val="90000"/>
+              </a:lnSpc>
+              <a:spcBef>
+                <a:spcPct val="0"/>
+              </a:spcBef>
+              <a:buNone/>
+              <a:defRPr sz="3200" b="0" i="0" kern="1200" cap="all">
+                <a:solidFill>
+                  <a:schemeClr val="tx1"/>
+                </a:solidFill>
+                <a:effectLst/>
+                <a:latin typeface="+mj-lt"/>
+                <a:ea typeface="+mj-ea"/>
+                <a:cs typeface="+mj-cs"/>
+              </a:defRPr>
+            </a:lvl1pPr>
+          </a:lstStyle>
+          <a:p>
+            <a:pPr algn="ctr"/>
+            <a:r>
+              <a:rPr lang="pt-BR" sz="1600" dirty="0"/>
+              <a:t>Tela checkout</a:t>
+            </a:r>
+          </a:p>
+        </p:txBody>
+      </p:sp>
+      <p:pic>
+        <p:nvPicPr>
+          <p:cNvPr id="9" name="Espaço Reservado para Conteúdo 8" descr="Tela de celular com texto preto sobre fundo branco&#10;&#10;Descrição gerada automaticamente">
+            <a:extLst>
+              <a:ext uri="{FF2B5EF4-FFF2-40B4-BE49-F238E27FC236}">
+                <a16:creationId xmlns:a16="http://schemas.microsoft.com/office/drawing/2014/main" id="{82F0A867-C273-4236-8F13-C324E140826F}"/>
+              </a:ext>
+            </a:extLst>
+          </p:cNvPr>
+          <p:cNvPicPr>
+            <a:picLocks noGrp="1" noChangeAspect="1"/>
+          </p:cNvPicPr>
+          <p:nvPr>
+            <p:ph idx="1"/>
+          </p:nvPr>
+        </p:nvPicPr>
+        <p:blipFill>
+          <a:blip r:embed="rId2">
+            <a:extLst>
+              <a:ext uri="{28A0092B-C50C-407E-A947-70E740481C1C}">
+                <a14:useLocalDpi xmlns:a14="http://schemas.microsoft.com/office/drawing/2010/main" val="0"/>
+              </a:ext>
+            </a:extLst>
+          </a:blip>
+          <a:stretch>
+            <a:fillRect/>
+          </a:stretch>
+        </p:blipFill>
+        <p:spPr>
+          <a:xfrm>
+            <a:off x="788504" y="1853754"/>
+            <a:ext cx="7758726" cy="3579633"/>
+          </a:xfrm>
+        </p:spPr>
+      </p:pic>
+    </p:spTree>
+    <p:extLst>
+      <p:ext uri="{BB962C8B-B14F-4D97-AF65-F5344CB8AC3E}">
+        <p14:creationId xmlns:p14="http://schemas.microsoft.com/office/powerpoint/2010/main" val="2800552147"/>
+      </p:ext>
+    </p:extLst>
+  </p:cSld>
+  <p:clrMapOvr>
+    <a:masterClrMapping/>
+  </p:clrMapOvr>
+</p:sld>
+</file>
+
+<file path=ppt/slides/slide39.xml><?xml version="1.0" encoding="utf-8"?>
 <p:sld xmlns:a="http://schemas.openxmlformats.org/drawingml/2006/main" xmlns:r="http://schemas.openxmlformats.org/officeDocument/2006/relationships" xmlns:p="http://schemas.openxmlformats.org/presentationml/2006/main">
   <p:cSld>
     <p:bg>
@@ -16696,8 +19765,8 @@
         </p:nvSpPr>
         <p:spPr>
           <a:xfrm>
-            <a:off x="673774" y="4129299"/>
-            <a:ext cx="3897034" cy="1765799"/>
+            <a:off x="1117573" y="4072446"/>
+            <a:ext cx="6906469" cy="1765799"/>
           </a:xfrm>
         </p:spPr>
         <p:txBody>
@@ -16706,14 +19775,33 @@
           </a:bodyPr>
           <a:lstStyle/>
           <a:p>
-            <a:pPr algn="ctr">
+            <a:pPr>
               <a:lnSpc>
                 <a:spcPct val="100000"/>
               </a:lnSpc>
             </a:pPr>
             <a:r>
               <a:rPr lang="pt-BR" sz="2400" dirty="0"/>
-              <a:t>Obrigado pela atenção!</a:t>
+              <a:t>O SISTEMA</a:t>
+            </a:r>
+          </a:p>
+          <a:p>
+            <a:pPr algn="ctr">
+              <a:lnSpc>
+                <a:spcPct val="100000"/>
+              </a:lnSpc>
+            </a:pPr>
+            <a:endParaRPr lang="pt-BR" sz="2400" dirty="0"/>
+          </a:p>
+          <a:p>
+            <a:pPr>
+              <a:lnSpc>
+                <a:spcPct val="100000"/>
+              </a:lnSpc>
+            </a:pPr>
+            <a:r>
+              <a:rPr lang="pt-BR" sz="2400" dirty="0"/>
+              <a:t>TESTE FUNCIONAL – FLUXO COMPLETO</a:t>
             </a:r>
           </a:p>
         </p:txBody>
@@ -16903,181 +19991,46 @@
           </a:fontRef>
         </p:style>
       </p:cxnSp>
-    </p:spTree>
-    <p:extLst>
-      <p:ext uri="{BB962C8B-B14F-4D97-AF65-F5344CB8AC3E}">
-        <p14:creationId xmlns:p14="http://schemas.microsoft.com/office/powerpoint/2010/main" val="859456303"/>
-      </p:ext>
-    </p:extLst>
-  </p:cSld>
-  <p:clrMapOvr>
-    <a:masterClrMapping/>
-  </p:clrMapOvr>
-</p:sld>
-</file>
-
-<file path=ppt/slides/slide3.xml><?xml version="1.0" encoding="utf-8"?>
-<p:sld xmlns:a="http://schemas.openxmlformats.org/drawingml/2006/main" xmlns:r="http://schemas.openxmlformats.org/officeDocument/2006/relationships" xmlns:p="http://schemas.openxmlformats.org/presentationml/2006/main">
-  <p:cSld>
-    <p:spTree>
-      <p:nvGrpSpPr>
-        <p:cNvPr id="1" name=""/>
-        <p:cNvGrpSpPr/>
-        <p:nvPr/>
-      </p:nvGrpSpPr>
-      <p:grpSpPr>
-        <a:xfrm>
-          <a:off x="0" y="0"/>
-          <a:ext cx="0" cy="0"/>
-          <a:chOff x="0" y="0"/>
-          <a:chExt cx="0" cy="0"/>
-        </a:xfrm>
-      </p:grpSpPr>
-      <p:sp>
-        <p:nvSpPr>
-          <p:cNvPr id="2" name="Título 1"/>
-          <p:cNvSpPr>
-            <a:spLocks noGrp="1"/>
-          </p:cNvSpPr>
-          <p:nvPr>
-            <p:ph type="title"/>
-          </p:nvPr>
-        </p:nvSpPr>
-        <p:spPr/>
-        <p:txBody>
-          <a:bodyPr/>
-          <a:lstStyle/>
-          <a:p>
-            <a:r>
-              <a:rPr lang="pt-BR" dirty="0"/>
-              <a:t>O Drink-it</a:t>
-            </a:r>
-          </a:p>
-        </p:txBody>
-      </p:sp>
-      <p:sp>
-        <p:nvSpPr>
-          <p:cNvPr id="3" name="Espaço Reservado para Conteúdo 2"/>
-          <p:cNvSpPr>
-            <a:spLocks noGrp="1"/>
-          </p:cNvSpPr>
-          <p:nvPr>
-            <p:ph idx="1"/>
-          </p:nvPr>
-        </p:nvSpPr>
-        <p:spPr>
-          <a:xfrm>
-            <a:off x="1443490" y="2666000"/>
-            <a:ext cx="6571343" cy="3450613"/>
-          </a:xfrm>
-        </p:spPr>
-        <p:txBody>
-          <a:bodyPr/>
-          <a:lstStyle/>
-          <a:p>
-            <a:pPr algn="just"/>
-            <a:r>
-              <a:rPr lang="pt-BR" dirty="0"/>
-              <a:t>O Drink-It é um sistema do tipo comércio eletrônico (e-commerce), que tem como objetivo fornecer uma plataforma comércio virtual, ou venda não-presencial, de bebidas para seus diversos tipos de consumidores, através da internet.</a:t>
-            </a:r>
-          </a:p>
-        </p:txBody>
-      </p:sp>
-      <p:cxnSp>
-        <p:nvCxnSpPr>
-          <p:cNvPr id="5" name="Conector reto 4">
+      <p:pic>
+        <p:nvPicPr>
+          <p:cNvPr id="11" name="Imagem 10" descr="Uma imagem contendo relógio&#10;&#10;Descrição gerada automaticamente">
             <a:extLst>
               <a:ext uri="{FF2B5EF4-FFF2-40B4-BE49-F238E27FC236}">
-                <a16:creationId xmlns:a16="http://schemas.microsoft.com/office/drawing/2014/main" id="{00B6769B-994B-4E7B-8C9C-0728EA8CC21B}"/>
+                <a16:creationId xmlns:a16="http://schemas.microsoft.com/office/drawing/2014/main" id="{4BE0BD62-7600-49A9-BE63-4B829E84B488}"/>
               </a:ext>
             </a:extLst>
           </p:cNvPr>
-          <p:cNvCxnSpPr/>
+          <p:cNvPicPr>
+            <a:picLocks noChangeAspect="1"/>
+          </p:cNvPicPr>
           <p:nvPr/>
-        </p:nvCxnSpPr>
+        </p:nvPicPr>
+        <p:blipFill>
+          <a:blip r:embed="rId5">
+            <a:extLst>
+              <a:ext uri="{28A0092B-C50C-407E-A947-70E740481C1C}">
+                <a14:useLocalDpi xmlns:a14="http://schemas.microsoft.com/office/drawing/2010/main" val="0"/>
+              </a:ext>
+            </a:extLst>
+          </a:blip>
+          <a:stretch>
+            <a:fillRect/>
+          </a:stretch>
+        </p:blipFill>
         <p:spPr>
           <a:xfrm>
-            <a:off x="702365" y="1616765"/>
-            <a:ext cx="7646505" cy="0"/>
-          </a:xfrm>
-          <a:prstGeom prst="line">
-            <a:avLst/>
-          </a:prstGeom>
-        </p:spPr>
-        <p:style>
-          <a:lnRef idx="1">
-            <a:schemeClr val="accent1"/>
-          </a:lnRef>
-          <a:fillRef idx="0">
-            <a:schemeClr val="accent1"/>
-          </a:fillRef>
-          <a:effectRef idx="0">
-            <a:schemeClr val="accent1"/>
-          </a:effectRef>
-          <a:fontRef idx="minor">
-            <a:schemeClr val="tx1"/>
-          </a:fontRef>
-        </p:style>
-      </p:cxnSp>
-      <p:sp>
-        <p:nvSpPr>
-          <p:cNvPr id="6" name="Título 1">
-            <a:extLst>
-              <a:ext uri="{FF2B5EF4-FFF2-40B4-BE49-F238E27FC236}">
-                <a16:creationId xmlns:a16="http://schemas.microsoft.com/office/drawing/2014/main" id="{D6035B9B-C9FE-4853-87A8-08E348938F2F}"/>
-              </a:ext>
-            </a:extLst>
-          </p:cNvPr>
-          <p:cNvSpPr txBox="1">
-            <a:spLocks/>
-          </p:cNvSpPr>
-          <p:nvPr/>
-        </p:nvSpPr>
-        <p:spPr>
-          <a:xfrm>
-            <a:off x="1443489" y="1904394"/>
-            <a:ext cx="6571343" cy="524618"/>
+            <a:off x="7612843" y="134369"/>
+            <a:ext cx="1356820" cy="1356820"/>
           </a:xfrm>
           <a:prstGeom prst="rect">
             <a:avLst/>
           </a:prstGeom>
         </p:spPr>
-        <p:txBody>
-          <a:bodyPr vert="horz" lIns="91440" tIns="45720" rIns="91440" bIns="45720" rtlCol="0" anchor="t">
-            <a:normAutofit/>
-          </a:bodyPr>
-          <a:lstStyle>
-            <a:lvl1pPr algn="l" defTabSz="685800" rtl="0" eaLnBrk="1" latinLnBrk="0" hangingPunct="1">
-              <a:lnSpc>
-                <a:spcPct val="90000"/>
-              </a:lnSpc>
-              <a:spcBef>
-                <a:spcPct val="0"/>
-              </a:spcBef>
-              <a:buNone/>
-              <a:defRPr sz="3200" b="0" i="0" kern="1200" cap="all">
-                <a:solidFill>
-                  <a:schemeClr val="tx1"/>
-                </a:solidFill>
-                <a:effectLst/>
-                <a:latin typeface="+mj-lt"/>
-                <a:ea typeface="+mj-ea"/>
-                <a:cs typeface="+mj-cs"/>
-              </a:defRPr>
-            </a:lvl1pPr>
-          </a:lstStyle>
-          <a:p>
-            <a:r>
-              <a:rPr lang="pt-BR" sz="2400" b="1" cap="none" dirty="0"/>
-              <a:t>Descrição do sistema:</a:t>
-            </a:r>
-          </a:p>
-        </p:txBody>
-      </p:sp>
+      </p:pic>
     </p:spTree>
     <p:extLst>
       <p:ext uri="{BB962C8B-B14F-4D97-AF65-F5344CB8AC3E}">
-        <p14:creationId xmlns:p14="http://schemas.microsoft.com/office/powerpoint/2010/main" val="2643596634"/>
+        <p14:creationId xmlns:p14="http://schemas.microsoft.com/office/powerpoint/2010/main" val="859456303"/>
       </p:ext>
     </p:extLst>
   </p:cSld>
@@ -18109,6 +21062,478 @@
     <p:extLst>
       <p:ext uri="{BB962C8B-B14F-4D97-AF65-F5344CB8AC3E}">
         <p14:creationId xmlns:p14="http://schemas.microsoft.com/office/powerpoint/2010/main" val="3277156949"/>
+      </p:ext>
+    </p:extLst>
+  </p:cSld>
+  <p:clrMapOvr>
+    <a:masterClrMapping/>
+  </p:clrMapOvr>
+</p:sld>
+</file>
+
+<file path=ppt/slides/slide40.xml><?xml version="1.0" encoding="utf-8"?>
+<p:sld xmlns:a="http://schemas.openxmlformats.org/drawingml/2006/main" xmlns:r="http://schemas.openxmlformats.org/officeDocument/2006/relationships" xmlns:p="http://schemas.openxmlformats.org/presentationml/2006/main">
+  <p:cSld>
+    <p:bg>
+      <p:bgPr>
+        <a:gradFill rotWithShape="1">
+          <a:gsLst>
+            <a:gs pos="0">
+              <a:schemeClr val="bg2">
+                <a:tint val="94000"/>
+                <a:satMod val="80000"/>
+                <a:lumMod val="106000"/>
+              </a:schemeClr>
+            </a:gs>
+            <a:gs pos="100000">
+              <a:schemeClr val="bg2">
+                <a:shade val="80000"/>
+              </a:schemeClr>
+            </a:gs>
+          </a:gsLst>
+          <a:path path="circle">
+            <a:fillToRect l="43000" r="43000" b="100000"/>
+          </a:path>
+        </a:gradFill>
+        <a:effectLst/>
+      </p:bgPr>
+    </p:bg>
+    <p:spTree>
+      <p:nvGrpSpPr>
+        <p:cNvPr id="1" name=""/>
+        <p:cNvGrpSpPr/>
+        <p:nvPr/>
+      </p:nvGrpSpPr>
+      <p:grpSpPr>
+        <a:xfrm>
+          <a:off x="0" y="0"/>
+          <a:ext cx="0" cy="0"/>
+          <a:chOff x="0" y="0"/>
+          <a:chExt cx="0" cy="0"/>
+        </a:xfrm>
+      </p:grpSpPr>
+      <p:sp useBgFill="1">
+        <p:nvSpPr>
+          <p:cNvPr id="10" name="Rectangle 9">
+            <a:extLst>
+              <a:ext uri="{FF2B5EF4-FFF2-40B4-BE49-F238E27FC236}">
+                <a16:creationId xmlns:a16="http://schemas.microsoft.com/office/drawing/2014/main" id="{D0712110-0BC1-4B31-B3BB-63B44222E87F}"/>
+              </a:ext>
+              <a:ext uri="{C183D7F6-B498-43B3-948B-1728B52AA6E4}">
+                <adec:decorative xmlns:adec="http://schemas.microsoft.com/office/drawing/2017/decorative" val="1"/>
+              </a:ext>
+            </a:extLst>
+          </p:cNvPr>
+          <p:cNvSpPr>
+            <a:spLocks noGrp="1" noRot="1" noChangeAspect="1" noMove="1" noResize="1" noEditPoints="1" noAdjustHandles="1" noChangeArrowheads="1" noChangeShapeType="1" noTextEdit="1"/>
+          </p:cNvSpPr>
+          <p:nvPr>
+            <p:extLst>
+              <p:ext uri="{386F3935-93C4-4BCD-93E2-E3B085C9AB24}">
+                <p16:designElem xmlns:p16="http://schemas.microsoft.com/office/powerpoint/2015/main" val="1"/>
+              </p:ext>
+            </p:extLst>
+          </p:nvPr>
+        </p:nvSpPr>
+        <p:spPr>
+          <a:xfrm>
+            <a:off x="1" y="0"/>
+            <a:ext cx="9143771" cy="6858000"/>
+          </a:xfrm>
+          <a:prstGeom prst="rect">
+            <a:avLst/>
+          </a:prstGeom>
+          <a:ln>
+            <a:noFill/>
+          </a:ln>
+        </p:spPr>
+        <p:style>
+          <a:lnRef idx="2">
+            <a:schemeClr val="accent1">
+              <a:shade val="50000"/>
+            </a:schemeClr>
+          </a:lnRef>
+          <a:fillRef idx="1">
+            <a:schemeClr val="accent1"/>
+          </a:fillRef>
+          <a:effectRef idx="0">
+            <a:schemeClr val="accent1"/>
+          </a:effectRef>
+          <a:fontRef idx="minor">
+            <a:schemeClr val="lt1"/>
+          </a:fontRef>
+        </p:style>
+        <p:txBody>
+          <a:bodyPr rtlCol="0" anchor="ctr"/>
+          <a:lstStyle/>
+          <a:p>
+            <a:pPr algn="ctr"/>
+            <a:endParaRPr lang="en-US"/>
+          </a:p>
+        </p:txBody>
+      </p:sp>
+      <p:sp>
+        <p:nvSpPr>
+          <p:cNvPr id="12" name="Rectangle 11">
+            <a:extLst>
+              <a:ext uri="{FF2B5EF4-FFF2-40B4-BE49-F238E27FC236}">
+                <a16:creationId xmlns:a16="http://schemas.microsoft.com/office/drawing/2014/main" id="{4466B5F3-C053-4580-B04A-1EF949888280}"/>
+              </a:ext>
+              <a:ext uri="{C183D7F6-B498-43B3-948B-1728B52AA6E4}">
+                <adec:decorative xmlns:adec="http://schemas.microsoft.com/office/drawing/2017/decorative" val="1"/>
+              </a:ext>
+            </a:extLst>
+          </p:cNvPr>
+          <p:cNvSpPr>
+            <a:spLocks noGrp="1" noRot="1" noChangeAspect="1" noMove="1" noResize="1" noEditPoints="1" noAdjustHandles="1" noChangeArrowheads="1" noChangeShapeType="1" noTextEdit="1"/>
+          </p:cNvSpPr>
+          <p:nvPr>
+            <p:extLst>
+              <p:ext uri="{386F3935-93C4-4BCD-93E2-E3B085C9AB24}">
+                <p16:designElem xmlns:p16="http://schemas.microsoft.com/office/powerpoint/2015/main" val="1"/>
+              </p:ext>
+            </p:extLst>
+          </p:nvPr>
+        </p:nvSpPr>
+        <p:spPr>
+          <a:xfrm>
+            <a:off x="0" y="2019476"/>
+            <a:ext cx="9144000" cy="4105941"/>
+          </a:xfrm>
+          <a:prstGeom prst="rect">
+            <a:avLst/>
+          </a:prstGeom>
+          <a:gradFill flip="none" rotWithShape="1">
+            <a:gsLst>
+              <a:gs pos="0">
+                <a:schemeClr val="bg2">
+                  <a:alpha val="0"/>
+                </a:schemeClr>
+              </a:gs>
+              <a:gs pos="100000">
+                <a:schemeClr val="bg2"/>
+              </a:gs>
+            </a:gsLst>
+            <a:lin ang="5400000" scaled="0"/>
+            <a:tileRect/>
+          </a:gradFill>
+          <a:ln>
+            <a:noFill/>
+          </a:ln>
+        </p:spPr>
+        <p:style>
+          <a:lnRef idx="2">
+            <a:schemeClr val="accent1">
+              <a:shade val="50000"/>
+            </a:schemeClr>
+          </a:lnRef>
+          <a:fillRef idx="1">
+            <a:schemeClr val="accent1"/>
+          </a:fillRef>
+          <a:effectRef idx="0">
+            <a:schemeClr val="accent1"/>
+          </a:effectRef>
+          <a:fontRef idx="minor">
+            <a:schemeClr val="lt1"/>
+          </a:fontRef>
+        </p:style>
+        <p:txBody>
+          <a:bodyPr rtlCol="0" anchor="ctr"/>
+          <a:lstStyle/>
+          <a:p>
+            <a:pPr lvl="0" algn="ctr"/>
+            <a:endParaRPr lang="en-US"/>
+          </a:p>
+        </p:txBody>
+      </p:sp>
+      <p:sp>
+        <p:nvSpPr>
+          <p:cNvPr id="2" name="Título 1"/>
+          <p:cNvSpPr>
+            <a:spLocks noGrp="1"/>
+          </p:cNvSpPr>
+          <p:nvPr>
+            <p:ph type="ctrTitle"/>
+          </p:nvPr>
+        </p:nvSpPr>
+        <p:spPr>
+          <a:xfrm>
+            <a:off x="1089462" y="962902"/>
+            <a:ext cx="3132288" cy="2380828"/>
+          </a:xfrm>
+        </p:spPr>
+        <p:txBody>
+          <a:bodyPr>
+            <a:normAutofit/>
+          </a:bodyPr>
+          <a:lstStyle/>
+          <a:p>
+            <a:r>
+              <a:rPr lang="pt-BR" sz="4200"/>
+              <a:t>Drink-It</a:t>
+            </a:r>
+          </a:p>
+        </p:txBody>
+      </p:sp>
+      <p:sp>
+        <p:nvSpPr>
+          <p:cNvPr id="3" name="Subtítulo 2"/>
+          <p:cNvSpPr>
+            <a:spLocks noGrp="1"/>
+          </p:cNvSpPr>
+          <p:nvPr>
+            <p:ph type="subTitle" idx="1"/>
+          </p:nvPr>
+        </p:nvSpPr>
+        <p:spPr>
+          <a:xfrm>
+            <a:off x="673774" y="4129299"/>
+            <a:ext cx="3897034" cy="1765799"/>
+          </a:xfrm>
+        </p:spPr>
+        <p:txBody>
+          <a:bodyPr>
+            <a:normAutofit/>
+          </a:bodyPr>
+          <a:lstStyle/>
+          <a:p>
+            <a:pPr algn="ctr">
+              <a:lnSpc>
+                <a:spcPct val="100000"/>
+              </a:lnSpc>
+            </a:pPr>
+            <a:r>
+              <a:rPr lang="pt-BR" sz="2400" dirty="0"/>
+              <a:t>Obrigado pela atenção!</a:t>
+            </a:r>
+          </a:p>
+        </p:txBody>
+      </p:sp>
+      <p:cxnSp>
+        <p:nvCxnSpPr>
+          <p:cNvPr id="14" name="Straight Connector 13">
+            <a:extLst>
+              <a:ext uri="{FF2B5EF4-FFF2-40B4-BE49-F238E27FC236}">
+                <a16:creationId xmlns:a16="http://schemas.microsoft.com/office/drawing/2014/main" id="{FA6123F2-4B61-414F-A7E5-5B7828EACAE2}"/>
+              </a:ext>
+              <a:ext uri="{C183D7F6-B498-43B3-948B-1728B52AA6E4}">
+                <adec:decorative xmlns:adec="http://schemas.microsoft.com/office/drawing/2017/decorative" val="1"/>
+              </a:ext>
+            </a:extLst>
+          </p:cNvPr>
+          <p:cNvCxnSpPr>
+            <a:cxnSpLocks noGrp="1" noRot="1" noChangeAspect="1" noMove="1" noResize="1" noEditPoints="1" noAdjustHandles="1" noChangeArrowheads="1" noChangeShapeType="1"/>
+          </p:cNvCxnSpPr>
+          <p:nvPr>
+            <p:extLst>
+              <p:ext uri="{386F3935-93C4-4BCD-93E2-E3B085C9AB24}">
+                <p16:designElem xmlns:p16="http://schemas.microsoft.com/office/powerpoint/2015/main" val="1"/>
+              </p:ext>
+            </p:extLst>
+          </p:nvPr>
+        </p:nvCxnSpPr>
+        <p:spPr>
+          <a:xfrm>
+            <a:off x="1089462" y="3528543"/>
+            <a:ext cx="3128610" cy="0"/>
+          </a:xfrm>
+          <a:prstGeom prst="line">
+            <a:avLst/>
+          </a:prstGeom>
+          <a:ln w="31750"/>
+        </p:spPr>
+        <p:style>
+          <a:lnRef idx="3">
+            <a:schemeClr val="accent1"/>
+          </a:lnRef>
+          <a:fillRef idx="0">
+            <a:schemeClr val="accent1"/>
+          </a:fillRef>
+          <a:effectRef idx="2">
+            <a:schemeClr val="accent1"/>
+          </a:effectRef>
+          <a:fontRef idx="minor">
+            <a:schemeClr val="tx1"/>
+          </a:fontRef>
+        </p:style>
+      </p:cxnSp>
+      <p:pic>
+        <p:nvPicPr>
+          <p:cNvPr id="7" name="Graphic 6">
+            <a:extLst>
+              <a:ext uri="{FF2B5EF4-FFF2-40B4-BE49-F238E27FC236}">
+                <a16:creationId xmlns:a16="http://schemas.microsoft.com/office/drawing/2014/main" id="{23DBF57D-97CA-43B5-AB9F-C17F9D18DEAF}"/>
+              </a:ext>
+            </a:extLst>
+          </p:cNvPr>
+          <p:cNvPicPr>
+            <a:picLocks noChangeAspect="1"/>
+          </p:cNvPicPr>
+          <p:nvPr/>
+        </p:nvPicPr>
+        <p:blipFill>
+          <a:blip r:embed="rId2">
+            <a:extLst>
+              <a:ext uri="{28A0092B-C50C-407E-A947-70E740481C1C}">
+                <a14:useLocalDpi xmlns:a14="http://schemas.microsoft.com/office/drawing/2010/main" val="0"/>
+              </a:ext>
+              <a:ext uri="{96DAC541-7B7A-43D3-8B79-37D633B846F1}">
+                <asvg:svgBlip xmlns:asvg="http://schemas.microsoft.com/office/drawing/2016/SVG/main" r:embed="rId3"/>
+              </a:ext>
+            </a:extLst>
+          </a:blip>
+          <a:stretch>
+            <a:fillRect/>
+          </a:stretch>
+        </p:blipFill>
+        <p:spPr>
+          <a:xfrm>
+            <a:off x="4570808" y="1275798"/>
+            <a:ext cx="3720331" cy="3720331"/>
+          </a:xfrm>
+          <a:prstGeom prst="rect">
+            <a:avLst/>
+          </a:prstGeom>
+        </p:spPr>
+      </p:pic>
+      <p:pic>
+        <p:nvPicPr>
+          <p:cNvPr id="16" name="Picture 15">
+            <a:extLst>
+              <a:ext uri="{FF2B5EF4-FFF2-40B4-BE49-F238E27FC236}">
+                <a16:creationId xmlns:a16="http://schemas.microsoft.com/office/drawing/2014/main" id="{25CED634-E2D0-4AB7-96DD-816C9B52C5CF}"/>
+              </a:ext>
+              <a:ext uri="{C183D7F6-B498-43B3-948B-1728B52AA6E4}">
+                <adec:decorative xmlns:adec="http://schemas.microsoft.com/office/drawing/2017/decorative" val="1"/>
+              </a:ext>
+            </a:extLst>
+          </p:cNvPr>
+          <p:cNvPicPr>
+            <a:picLocks noGrp="1" noRot="1" noChangeAspect="1" noMove="1" noResize="1" noEditPoints="1" noAdjustHandles="1" noChangeArrowheads="1" noChangeShapeType="1" noCrop="1"/>
+          </p:cNvPicPr>
+          <p:nvPr>
+            <p:extLst>
+              <p:ext uri="{386F3935-93C4-4BCD-93E2-E3B085C9AB24}">
+                <p16:designElem xmlns:p16="http://schemas.microsoft.com/office/powerpoint/2015/main" val="1"/>
+              </p:ext>
+            </p:extLst>
+          </p:nvPr>
+        </p:nvPicPr>
+        <p:blipFill rotWithShape="1">
+          <a:blip r:embed="rId4">
+            <a:extLst>
+              <a:ext uri="{28A0092B-C50C-407E-A947-70E740481C1C}">
+                <a14:useLocalDpi xmlns:a14="http://schemas.microsoft.com/office/drawing/2010/main" val="0"/>
+              </a:ext>
+            </a:extLst>
+          </a:blip>
+          <a:srcRect t="1538" b="-1538"/>
+          <a:stretch/>
+        </p:blipFill>
+        <p:spPr bwMode="black">
+          <a:xfrm>
+            <a:off x="0" y="6126480"/>
+            <a:ext cx="9144000" cy="742950"/>
+          </a:xfrm>
+          <a:prstGeom prst="rect">
+            <a:avLst/>
+          </a:prstGeom>
+        </p:spPr>
+      </p:pic>
+      <p:cxnSp>
+        <p:nvCxnSpPr>
+          <p:cNvPr id="18" name="Straight Connector 17">
+            <a:extLst>
+              <a:ext uri="{FF2B5EF4-FFF2-40B4-BE49-F238E27FC236}">
+                <a16:creationId xmlns:a16="http://schemas.microsoft.com/office/drawing/2014/main" id="{FCDDCDFB-696D-4FDF-9B58-24F71B7C37BC}"/>
+              </a:ext>
+              <a:ext uri="{C183D7F6-B498-43B3-948B-1728B52AA6E4}">
+                <adec:decorative xmlns:adec="http://schemas.microsoft.com/office/drawing/2017/decorative" val="1"/>
+              </a:ext>
+            </a:extLst>
+          </p:cNvPr>
+          <p:cNvCxnSpPr>
+            <a:cxnSpLocks noGrp="1" noRot="1" noChangeAspect="1" noMove="1" noResize="1" noEditPoints="1" noAdjustHandles="1" noChangeArrowheads="1" noChangeShapeType="1"/>
+          </p:cNvCxnSpPr>
+          <p:nvPr>
+            <p:extLst>
+              <p:ext uri="{386F3935-93C4-4BCD-93E2-E3B085C9AB24}">
+                <p16:designElem xmlns:p16="http://schemas.microsoft.com/office/powerpoint/2015/main" val="1"/>
+              </p:ext>
+            </p:extLst>
+          </p:nvPr>
+        </p:nvCxnSpPr>
+        <p:spPr>
+          <a:xfrm>
+            <a:off x="0" y="6128413"/>
+            <a:ext cx="9144000" cy="0"/>
+          </a:xfrm>
+          <a:prstGeom prst="line">
+            <a:avLst/>
+          </a:prstGeom>
+          <a:ln w="12700">
+            <a:solidFill>
+              <a:srgbClr val="000001">
+                <a:alpha val="20000"/>
+              </a:srgbClr>
+            </a:solidFill>
+          </a:ln>
+        </p:spPr>
+        <p:style>
+          <a:lnRef idx="1">
+            <a:schemeClr val="accent1"/>
+          </a:lnRef>
+          <a:fillRef idx="0">
+            <a:schemeClr val="accent1"/>
+          </a:fillRef>
+          <a:effectRef idx="0">
+            <a:schemeClr val="accent1"/>
+          </a:effectRef>
+          <a:fontRef idx="minor">
+            <a:schemeClr val="tx1"/>
+          </a:fontRef>
+        </p:style>
+      </p:cxnSp>
+      <p:pic>
+        <p:nvPicPr>
+          <p:cNvPr id="11" name="Imagem 10" descr="Uma imagem contendo relógio&#10;&#10;Descrição gerada automaticamente">
+            <a:extLst>
+              <a:ext uri="{FF2B5EF4-FFF2-40B4-BE49-F238E27FC236}">
+                <a16:creationId xmlns:a16="http://schemas.microsoft.com/office/drawing/2014/main" id="{F441D4C7-5A75-4FE3-AE03-486FAC3AF880}"/>
+              </a:ext>
+            </a:extLst>
+          </p:cNvPr>
+          <p:cNvPicPr>
+            <a:picLocks noChangeAspect="1"/>
+          </p:cNvPicPr>
+          <p:nvPr/>
+        </p:nvPicPr>
+        <p:blipFill>
+          <a:blip r:embed="rId5">
+            <a:extLst>
+              <a:ext uri="{28A0092B-C50C-407E-A947-70E740481C1C}">
+                <a14:useLocalDpi xmlns:a14="http://schemas.microsoft.com/office/drawing/2010/main" val="0"/>
+              </a:ext>
+            </a:extLst>
+          </a:blip>
+          <a:stretch>
+            <a:fillRect/>
+          </a:stretch>
+        </p:blipFill>
+        <p:spPr>
+          <a:xfrm>
+            <a:off x="7612843" y="134369"/>
+            <a:ext cx="1356820" cy="1356820"/>
+          </a:xfrm>
+          <a:prstGeom prst="rect">
+            <a:avLst/>
+          </a:prstGeom>
+        </p:spPr>
+      </p:pic>
+    </p:spTree>
+    <p:extLst>
+      <p:ext uri="{BB962C8B-B14F-4D97-AF65-F5344CB8AC3E}">
+        <p14:creationId xmlns:p14="http://schemas.microsoft.com/office/powerpoint/2010/main" val="145314954"/>
       </p:ext>
     </p:extLst>
   </p:cSld>

--- a/DrinkIt.WebApp/Artifacts/Apresentação TG - Drink-IT - Gabriel Lima - Gustavo da Rosa.pptx
+++ b/DrinkIt.WebApp/Artifacts/Apresentação TG - Drink-IT - Gabriel Lima - Gustavo da Rosa.pptx
@@ -12934,7 +12934,7 @@
           <p:nvPr>
             <p:extLst>
               <p:ext uri="{D42A27DB-BD31-4B8C-83A1-F6EECF244321}">
-                <p14:modId xmlns:p14="http://schemas.microsoft.com/office/powerpoint/2010/main" val="1726964324"/>
+                <p14:modId xmlns:p14="http://schemas.microsoft.com/office/powerpoint/2010/main" val="2745302881"/>
               </p:ext>
             </p:extLst>
           </p:nvPr>
@@ -13619,6 +13619,17 @@
                         </a:tabLst>
                       </a:pPr>
                       <a:r>
+                        <a:rPr lang="pt-BR" sz="1600">
+                          <a:solidFill>
+                            <a:srgbClr val="000000"/>
+                          </a:solidFill>
+                          <a:effectLst/>
+                          <a:latin typeface="Arial" panose="020B0604020202020204" pitchFamily="34" charset="0"/>
+                          <a:ea typeface="Arial" panose="020B0604020202020204" pitchFamily="34" charset="0"/>
+                        </a:rPr>
+                        <a:t>O</a:t>
+                      </a:r>
+                      <a:r>
                         <a:rPr lang="pt-BR" sz="1600" dirty="0">
                           <a:solidFill>
                             <a:srgbClr val="000000"/>
@@ -13627,7 +13638,7 @@
                           <a:latin typeface="Arial" panose="020B0604020202020204" pitchFamily="34" charset="0"/>
                           <a:ea typeface="Arial" panose="020B0604020202020204" pitchFamily="34" charset="0"/>
                         </a:rPr>
-                        <a:t>-</a:t>
+                        <a:t>K</a:t>
                       </a:r>
                     </a:p>
                   </a:txBody>

--- a/DrinkIt.WebApp/Artifacts/Apresentação TG - Drink-IT - Gabriel Lima - Gustavo da Rosa.pptx
+++ b/DrinkIt.WebApp/Artifacts/Apresentação TG - Drink-IT - Gabriel Lima - Gustavo da Rosa.pptx
@@ -29,21 +29,21 @@
     <p:sldId id="278" r:id="rId23"/>
     <p:sldId id="279" r:id="rId24"/>
     <p:sldId id="280" r:id="rId25"/>
-    <p:sldId id="281" r:id="rId26"/>
-    <p:sldId id="282" r:id="rId27"/>
-    <p:sldId id="284" r:id="rId28"/>
-    <p:sldId id="285" r:id="rId29"/>
-    <p:sldId id="286" r:id="rId30"/>
-    <p:sldId id="287" r:id="rId31"/>
-    <p:sldId id="288" r:id="rId32"/>
-    <p:sldId id="289" r:id="rId33"/>
-    <p:sldId id="291" r:id="rId34"/>
-    <p:sldId id="294" r:id="rId35"/>
-    <p:sldId id="293" r:id="rId36"/>
-    <p:sldId id="297" r:id="rId37"/>
-    <p:sldId id="290" r:id="rId38"/>
-    <p:sldId id="295" r:id="rId39"/>
-    <p:sldId id="296" r:id="rId40"/>
+    <p:sldId id="282" r:id="rId26"/>
+    <p:sldId id="284" r:id="rId27"/>
+    <p:sldId id="285" r:id="rId28"/>
+    <p:sldId id="286" r:id="rId29"/>
+    <p:sldId id="287" r:id="rId30"/>
+    <p:sldId id="288" r:id="rId31"/>
+    <p:sldId id="289" r:id="rId32"/>
+    <p:sldId id="291" r:id="rId33"/>
+    <p:sldId id="294" r:id="rId34"/>
+    <p:sldId id="293" r:id="rId35"/>
+    <p:sldId id="297" r:id="rId36"/>
+    <p:sldId id="290" r:id="rId37"/>
+    <p:sldId id="295" r:id="rId38"/>
+    <p:sldId id="296" r:id="rId39"/>
+    <p:sldId id="281" r:id="rId40"/>
     <p:sldId id="283" r:id="rId41"/>
     <p:sldId id="298" r:id="rId42"/>
   </p:sldIdLst>
@@ -172,7 +172,6 @@
             <p14:sldId id="278"/>
             <p14:sldId id="279"/>
             <p14:sldId id="280"/>
-            <p14:sldId id="281"/>
             <p14:sldId id="282"/>
             <p14:sldId id="284"/>
             <p14:sldId id="285"/>
@@ -187,6 +186,7 @@
             <p14:sldId id="290"/>
             <p14:sldId id="295"/>
             <p14:sldId id="296"/>
+            <p14:sldId id="281"/>
             <p14:sldId id="283"/>
             <p14:sldId id="298"/>
           </p14:sldIdLst>
@@ -9791,7 +9791,7 @@
           <p:nvPr>
             <p:extLst>
               <p:ext uri="{D42A27DB-BD31-4B8C-83A1-F6EECF244321}">
-                <p14:modId xmlns:p14="http://schemas.microsoft.com/office/powerpoint/2010/main" val="87747313"/>
+                <p14:modId xmlns:p14="http://schemas.microsoft.com/office/powerpoint/2010/main" val="255951846"/>
               </p:ext>
             </p:extLst>
           </p:nvPr>
@@ -10282,19 +10282,7 @@
                         <a:rPr lang="pt-BR" sz="1600" dirty="0">
                           <a:effectLst/>
                         </a:rPr>
-                        <a:t>Todo cadastro de endereços associados a clientes deve ser composto dos seguintes dados: Tipo de residência (Casa, Apartamento, </a:t>
-                      </a:r>
-                      <a:r>
-                        <a:rPr lang="pt-BR" sz="1600" dirty="0" err="1">
-                          <a:effectLst/>
-                        </a:rPr>
-                        <a:t>etc</a:t>
-                      </a:r>
-                      <a:r>
-                        <a:rPr lang="pt-BR" sz="1600" dirty="0">
-                          <a:effectLst/>
-                        </a:rPr>
-                        <a:t>), Tipo Logradouro, Logradouro, Número, Bairro, CEP, Cidade, Estado e País. Todos os campos anteriores são de preenchimento obrigatório. Opcionalmente pode ser preenchido um campo observações.</a:t>
+                        <a:t>Todo cadastro de endereços associados a clientes deve ser composto dos seguintes dados: Tipo de residência (Casa, Apartamento, etc.), Tipo Logradouro, Logradouro, Número, Bairro, CEP, Cidade, Estado e País. Todos os campos anteriores são de preenchimento obrigatório. Opcionalmente pode ser preenchido um campo observações.</a:t>
                       </a:r>
                       <a:endParaRPr lang="pt-BR" sz="1600" dirty="0">
                         <a:solidFill>
@@ -12208,7 +12196,7 @@
           <p:nvPr>
             <p:extLst>
               <p:ext uri="{D42A27DB-BD31-4B8C-83A1-F6EECF244321}">
-                <p14:modId xmlns:p14="http://schemas.microsoft.com/office/powerpoint/2010/main" val="2262327962"/>
+                <p14:modId xmlns:p14="http://schemas.microsoft.com/office/powerpoint/2010/main" val="2820465204"/>
               </p:ext>
             </p:extLst>
           </p:nvPr>
@@ -12333,31 +12321,7 @@
                         <a:rPr lang="pt-BR" sz="1600" dirty="0">
                           <a:effectLst/>
                         </a:rPr>
-                        <a:t>Um cupom de troca deve ser gerado quando uma compra for paga com outros cupons em que o valor supere o valor da compra. </a:t>
-                      </a:r>
-                      <a:r>
-                        <a:rPr lang="pt-BR" sz="1600" dirty="0" err="1">
-                          <a:effectLst/>
-                        </a:rPr>
-                        <a:t>Obs</a:t>
-                      </a:r>
-                      <a:r>
-                        <a:rPr lang="pt-BR" sz="1600" dirty="0">
-                          <a:effectLst/>
-                        </a:rPr>
-                        <a:t>: O sistema não deve possibilitar o uso de cupons que supere a compra desnecessariamente, </a:t>
-                      </a:r>
-                      <a:r>
-                        <a:rPr lang="pt-BR" sz="1600" dirty="0" err="1">
-                          <a:effectLst/>
-                        </a:rPr>
-                        <a:t>ex</a:t>
-                      </a:r>
-                      <a:r>
-                        <a:rPr lang="pt-BR" sz="1600" dirty="0">
-                          <a:effectLst/>
-                        </a:rPr>
-                        <a:t>: a venda tem valor total de R$ 50,00 e o cliente possui três cupons, um com valor de R$ 20,00, outro com valor de R$ 40,00 e um terceiro com valor de R$ 35,00 o sistema não deve possibilitar o uso dos três cupons nesta compra, deve ser aceito apenas dois cupons e consequentemente gerar um cupom com a diferença de R$ 5,00, ou R$ 10,00 ou R$ 25,00.</a:t>
+                        <a:t>Um cupom de troca deve ser gerado quando uma compra for paga com outros cupons em que o valor supere o valor da compra. Obs.: O sistema não deve possibilitar o uso de cupons que supere a compra desnecessariamente, ex.: a venda tem valor total de R$ 50,00 e o cliente possui três cupons, um com valor de R$ 20,00, outro com valor de R$ 40,00 e um terceiro com valor de R$ 35,00 o sistema não deve possibilitar o uso dos três cupons nesta compra, deve ser aceito apenas dois cupons e consequentemente gerar um cupom com a diferença de R$ 5,00, ou R$ 10,00 ou R$ 25,00.</a:t>
                       </a:r>
                       <a:endParaRPr lang="pt-BR" sz="1600" dirty="0">
                         <a:solidFill>
@@ -12934,7 +12898,7 @@
           <p:nvPr>
             <p:extLst>
               <p:ext uri="{D42A27DB-BD31-4B8C-83A1-F6EECF244321}">
-                <p14:modId xmlns:p14="http://schemas.microsoft.com/office/powerpoint/2010/main" val="2745302881"/>
+                <p14:modId xmlns:p14="http://schemas.microsoft.com/office/powerpoint/2010/main" val="952702581"/>
               </p:ext>
             </p:extLst>
           </p:nvPr>
@@ -13323,19 +13287,7 @@
                         <a:rPr lang="pt-BR" sz="1400" dirty="0">
                           <a:effectLst/>
                         </a:rPr>
-                        <a:t>Ao confirmar que os itens de um pedido de troca ou uma compra com status EM TROCA foi recebido o status do pedido ou </a:t>
-                      </a:r>
-                      <a:r>
-                        <a:rPr lang="pt-BR" sz="1400" dirty="0" err="1">
-                          <a:effectLst/>
-                        </a:rPr>
-                        <a:t>compr</a:t>
-                      </a:r>
-                      <a:r>
-                        <a:rPr lang="pt-BR" sz="1400" dirty="0">
-                          <a:effectLst/>
-                        </a:rPr>
-                        <a:t> deverá ser TROCADO.</a:t>
+                        <a:t>Ao confirmar que os itens de um pedido de troca ou uma compra com status EM TROCA foi recebido, o status do pedido deverá ser TROCADO.</a:t>
                       </a:r>
                       <a:endParaRPr lang="pt-BR" sz="1400" dirty="0">
                         <a:solidFill>
@@ -13619,17 +13571,6 @@
                         </a:tabLst>
                       </a:pPr>
                       <a:r>
-                        <a:rPr lang="pt-BR" sz="1600">
-                          <a:solidFill>
-                            <a:srgbClr val="000000"/>
-                          </a:solidFill>
-                          <a:effectLst/>
-                          <a:latin typeface="Arial" panose="020B0604020202020204" pitchFamily="34" charset="0"/>
-                          <a:ea typeface="Arial" panose="020B0604020202020204" pitchFamily="34" charset="0"/>
-                        </a:rPr>
-                        <a:t>O</a:t>
-                      </a:r>
-                      <a:r>
                         <a:rPr lang="pt-BR" sz="1600" dirty="0">
                           <a:solidFill>
                             <a:srgbClr val="000000"/>
@@ -13638,7 +13579,7 @@
                           <a:latin typeface="Arial" panose="020B0604020202020204" pitchFamily="34" charset="0"/>
                           <a:ea typeface="Arial" panose="020B0604020202020204" pitchFamily="34" charset="0"/>
                         </a:rPr>
-                        <a:t>K</a:t>
+                        <a:t>OK</a:t>
                       </a:r>
                     </a:p>
                   </a:txBody>
@@ -14896,14 +14837,28 @@
             <a:pPr algn="just"/>
             <a:r>
               <a:rPr lang="pt-BR" dirty="0"/>
-              <a:t>Documento de Visão de Projeto</a:t>
+              <a:t>Documento de Arquitetura de Sistemas</a:t>
             </a:r>
           </a:p>
           <a:p>
             <a:pPr algn="just"/>
             <a:r>
               <a:rPr lang="pt-BR" dirty="0"/>
-              <a:t>Documento de Arquitetura de Sistemas</a:t>
+              <a:t>Documento de Caso de Uso de Condução</a:t>
+            </a:r>
+          </a:p>
+          <a:p>
+            <a:pPr algn="just"/>
+            <a:r>
+              <a:rPr lang="pt-BR" dirty="0"/>
+              <a:t>Documento de Requisitos de Sistema</a:t>
+            </a:r>
+          </a:p>
+          <a:p>
+            <a:pPr algn="just"/>
+            <a:r>
+              <a:rPr lang="pt-BR" dirty="0"/>
+              <a:t>Documento de Visão de Projeto</a:t>
             </a:r>
           </a:p>
           <a:p>
@@ -14917,7 +14872,7 @@
             <a:pPr algn="just"/>
             <a:r>
               <a:rPr lang="pt-BR" dirty="0"/>
-              <a:t>Documento de Requisitos de Sistema</a:t>
+              <a:t>Checklist – Plano de testes</a:t>
             </a:r>
           </a:p>
         </p:txBody>
@@ -16104,719 +16059,6 @@
             <p:ph type="title"/>
           </p:nvPr>
         </p:nvSpPr>
-        <p:spPr>
-          <a:xfrm>
-            <a:off x="1443945" y="75651"/>
-            <a:ext cx="6571343" cy="441184"/>
-          </a:xfrm>
-        </p:spPr>
-        <p:txBody>
-          <a:bodyPr>
-            <a:normAutofit fontScale="90000"/>
-          </a:bodyPr>
-          <a:lstStyle/>
-          <a:p>
-            <a:pPr algn="ctr"/>
-            <a:r>
-              <a:rPr lang="pt-BR" dirty="0"/>
-              <a:t>Cronograma de entregas</a:t>
-            </a:r>
-          </a:p>
-        </p:txBody>
-      </p:sp>
-      <p:cxnSp>
-        <p:nvCxnSpPr>
-          <p:cNvPr id="5" name="Conector reto 4">
-            <a:extLst>
-              <a:ext uri="{FF2B5EF4-FFF2-40B4-BE49-F238E27FC236}">
-                <a16:creationId xmlns:a16="http://schemas.microsoft.com/office/drawing/2014/main" id="{00B6769B-994B-4E7B-8C9C-0728EA8CC21B}"/>
-              </a:ext>
-            </a:extLst>
-          </p:cNvPr>
-          <p:cNvCxnSpPr/>
-          <p:nvPr/>
-        </p:nvCxnSpPr>
-        <p:spPr>
-          <a:xfrm>
-            <a:off x="702819" y="702364"/>
-            <a:ext cx="7646505" cy="0"/>
-          </a:xfrm>
-          <a:prstGeom prst="line">
-            <a:avLst/>
-          </a:prstGeom>
-        </p:spPr>
-        <p:style>
-          <a:lnRef idx="1">
-            <a:schemeClr val="accent1"/>
-          </a:lnRef>
-          <a:fillRef idx="0">
-            <a:schemeClr val="accent1"/>
-          </a:fillRef>
-          <a:effectRef idx="0">
-            <a:schemeClr val="accent1"/>
-          </a:effectRef>
-          <a:fontRef idx="minor">
-            <a:schemeClr val="tx1"/>
-          </a:fontRef>
-        </p:style>
-      </p:cxnSp>
-      <p:graphicFrame>
-        <p:nvGraphicFramePr>
-          <p:cNvPr id="3" name="Tabela 3">
-            <a:extLst>
-              <a:ext uri="{FF2B5EF4-FFF2-40B4-BE49-F238E27FC236}">
-                <a16:creationId xmlns:a16="http://schemas.microsoft.com/office/drawing/2014/main" id="{F6D5A0C7-7B9A-47AE-B6F7-309982EC4E67}"/>
-              </a:ext>
-            </a:extLst>
-          </p:cNvPr>
-          <p:cNvGraphicFramePr>
-            <a:graphicFrameLocks noGrp="1"/>
-          </p:cNvGraphicFramePr>
-          <p:nvPr>
-            <p:ph idx="1"/>
-            <p:extLst>
-              <p:ext uri="{D42A27DB-BD31-4B8C-83A1-F6EECF244321}">
-                <p14:modId xmlns:p14="http://schemas.microsoft.com/office/powerpoint/2010/main" val="3421369056"/>
-              </p:ext>
-            </p:extLst>
-          </p:nvPr>
-        </p:nvGraphicFramePr>
-        <p:xfrm>
-          <a:off x="0" y="579568"/>
-          <a:ext cx="9144000" cy="6220952"/>
-        </p:xfrm>
-        <a:graphic>
-          <a:graphicData uri="http://schemas.openxmlformats.org/drawingml/2006/table">
-            <a:tbl>
-              <a:tblPr firstRow="1" bandRow="1">
-                <a:tableStyleId>{5C22544A-7EE6-4342-B048-85BDC9FD1C3A}</a:tableStyleId>
-              </a:tblPr>
-              <a:tblGrid>
-                <a:gridCol w="1328547">
-                  <a:extLst>
-                    <a:ext uri="{9D8B030D-6E8A-4147-A177-3AD203B41FA5}">
-                      <a16:colId xmlns:a16="http://schemas.microsoft.com/office/drawing/2014/main" val="2759759386"/>
-                    </a:ext>
-                  </a:extLst>
-                </a:gridCol>
-                <a:gridCol w="7815453">
-                  <a:extLst>
-                    <a:ext uri="{9D8B030D-6E8A-4147-A177-3AD203B41FA5}">
-                      <a16:colId xmlns:a16="http://schemas.microsoft.com/office/drawing/2014/main" val="582159512"/>
-                    </a:ext>
-                  </a:extLst>
-                </a:gridCol>
-              </a:tblGrid>
-              <a:tr h="338022">
-                <a:tc>
-                  <a:txBody>
-                    <a:bodyPr/>
-                    <a:lstStyle/>
-                    <a:p>
-                      <a:r>
-                        <a:rPr lang="pt-BR" dirty="0"/>
-                        <a:t>DATA</a:t>
-                      </a:r>
-                    </a:p>
-                  </a:txBody>
-                  <a:tcPr/>
-                </a:tc>
-                <a:tc>
-                  <a:txBody>
-                    <a:bodyPr/>
-                    <a:lstStyle/>
-                    <a:p>
-                      <a:r>
-                        <a:rPr lang="pt-BR" dirty="0"/>
-                        <a:t>ENTREGA</a:t>
-                      </a:r>
-                    </a:p>
-                  </a:txBody>
-                  <a:tcPr/>
-                </a:tc>
-                <a:extLst>
-                  <a:ext uri="{0D108BD9-81ED-4DB2-BD59-A6C34878D82A}">
-                    <a16:rowId xmlns:a16="http://schemas.microsoft.com/office/drawing/2014/main" val="2061294802"/>
-                  </a:ext>
-                </a:extLst>
-              </a:tr>
-              <a:tr h="458414">
-                <a:tc>
-                  <a:txBody>
-                    <a:bodyPr/>
-                    <a:lstStyle/>
-                    <a:p>
-                      <a:r>
-                        <a:rPr lang="pt-BR" dirty="0"/>
-                        <a:t>05/08/2019</a:t>
-                      </a:r>
-                    </a:p>
-                  </a:txBody>
-                  <a:tcPr/>
-                </a:tc>
-                <a:tc>
-                  <a:txBody>
-                    <a:bodyPr/>
-                    <a:lstStyle/>
-                    <a:p>
-                      <a:r>
-                        <a:rPr lang="pt-BR" dirty="0"/>
-                        <a:t>E-mail com grupo, tema do e-commerce, tecnologias a serem utilizadas e primeira versão do documento de requisitos;</a:t>
-                      </a:r>
-                    </a:p>
-                  </a:txBody>
-                  <a:tcPr/>
-                </a:tc>
-                <a:extLst>
-                  <a:ext uri="{0D108BD9-81ED-4DB2-BD59-A6C34878D82A}">
-                    <a16:rowId xmlns:a16="http://schemas.microsoft.com/office/drawing/2014/main" val="624507616"/>
-                  </a:ext>
-                </a:extLst>
-              </a:tr>
-              <a:tr h="338022">
-                <a:tc>
-                  <a:txBody>
-                    <a:bodyPr/>
-                    <a:lstStyle/>
-                    <a:p>
-                      <a:r>
-                        <a:rPr lang="pt-BR" dirty="0"/>
-                        <a:t>07/08/2019</a:t>
-                      </a:r>
-                    </a:p>
-                  </a:txBody>
-                  <a:tcPr/>
-                </a:tc>
-                <a:tc>
-                  <a:txBody>
-                    <a:bodyPr/>
-                    <a:lstStyle/>
-                    <a:p>
-                      <a:r>
-                        <a:rPr lang="pt-BR" dirty="0"/>
-                        <a:t>Protótipos de telas Funcional (Execução no Browser);</a:t>
-                      </a:r>
-                    </a:p>
-                  </a:txBody>
-                  <a:tcPr/>
-                </a:tc>
-                <a:extLst>
-                  <a:ext uri="{0D108BD9-81ED-4DB2-BD59-A6C34878D82A}">
-                    <a16:rowId xmlns:a16="http://schemas.microsoft.com/office/drawing/2014/main" val="1170674606"/>
-                  </a:ext>
-                </a:extLst>
-              </a:tr>
-              <a:tr h="458414">
-                <a:tc>
-                  <a:txBody>
-                    <a:bodyPr/>
-                    <a:lstStyle/>
-                    <a:p>
-                      <a:r>
-                        <a:rPr lang="pt-BR" dirty="0"/>
-                        <a:t>19/08/2019</a:t>
-                      </a:r>
-                    </a:p>
-                  </a:txBody>
-                  <a:tcPr/>
-                </a:tc>
-                <a:tc>
-                  <a:txBody>
-                    <a:bodyPr/>
-                    <a:lstStyle/>
-                    <a:p>
-                      <a:r>
-                        <a:rPr lang="pt-BR" dirty="0"/>
-                        <a:t>Testes funcionais dos protótipos de telas do CRUD a ser entregue dia 26/08/2019;</a:t>
-                      </a:r>
-                    </a:p>
-                  </a:txBody>
-                  <a:tcPr/>
-                </a:tc>
-                <a:extLst>
-                  <a:ext uri="{0D108BD9-81ED-4DB2-BD59-A6C34878D82A}">
-                    <a16:rowId xmlns:a16="http://schemas.microsoft.com/office/drawing/2014/main" val="800531450"/>
-                  </a:ext>
-                </a:extLst>
-              </a:tr>
-              <a:tr h="338022">
-                <a:tc>
-                  <a:txBody>
-                    <a:bodyPr/>
-                    <a:lstStyle/>
-                    <a:p>
-                      <a:r>
-                        <a:rPr lang="pt-BR" dirty="0"/>
-                        <a:t>26/08/2019</a:t>
-                      </a:r>
-                    </a:p>
-                  </a:txBody>
-                  <a:tcPr/>
-                </a:tc>
-                <a:tc>
-                  <a:txBody>
-                    <a:bodyPr/>
-                    <a:lstStyle/>
-                    <a:p>
-                      <a:r>
-                        <a:rPr lang="pt-BR" dirty="0"/>
-                        <a:t>CRUD na arquitetura definida –contemplando requisitos equivalentes aos requisitos de cliente no documento de referência, deverá junto com a apresentação ter uma matriz que demonstre quais requisitos </a:t>
-                      </a:r>
-                      <a:r>
-                        <a:rPr lang="pt-BR" sz="1200" dirty="0"/>
-                        <a:t>(RF, RNF E RNS) </a:t>
-                      </a:r>
-                      <a:r>
-                        <a:rPr lang="pt-BR" dirty="0"/>
-                        <a:t>cumpridos;</a:t>
-                      </a:r>
-                    </a:p>
-                  </a:txBody>
-                  <a:tcPr/>
-                </a:tc>
-                <a:extLst>
-                  <a:ext uri="{0D108BD9-81ED-4DB2-BD59-A6C34878D82A}">
-                    <a16:rowId xmlns:a16="http://schemas.microsoft.com/office/drawing/2014/main" val="3018045629"/>
-                  </a:ext>
-                </a:extLst>
-              </a:tr>
-              <a:tr h="338022">
-                <a:tc>
-                  <a:txBody>
-                    <a:bodyPr/>
-                    <a:lstStyle/>
-                    <a:p>
-                      <a:r>
-                        <a:rPr lang="pt-BR" sz="1350" b="0" i="0" kern="1200" dirty="0">
-                          <a:solidFill>
-                            <a:schemeClr val="dk1"/>
-                          </a:solidFill>
-                          <a:effectLst/>
-                          <a:latin typeface="+mn-lt"/>
-                          <a:ea typeface="+mn-ea"/>
-                          <a:cs typeface="+mn-cs"/>
-                        </a:rPr>
-                        <a:t>09/09/2019</a:t>
-                      </a:r>
-                      <a:endParaRPr lang="pt-BR" b="0" dirty="0"/>
-                    </a:p>
-                  </a:txBody>
-                  <a:tcPr/>
-                </a:tc>
-                <a:tc>
-                  <a:txBody>
-                    <a:bodyPr/>
-                    <a:lstStyle/>
-                    <a:p>
-                      <a:r>
-                        <a:rPr lang="pt-BR" dirty="0"/>
-                        <a:t>Testes funcionais dos protótipos de telas da CONDUÇÃO a ser entregue dia16/09/2019;</a:t>
-                      </a:r>
-                    </a:p>
-                  </a:txBody>
-                  <a:tcPr/>
-                </a:tc>
-                <a:extLst>
-                  <a:ext uri="{0D108BD9-81ED-4DB2-BD59-A6C34878D82A}">
-                    <a16:rowId xmlns:a16="http://schemas.microsoft.com/office/drawing/2014/main" val="261462278"/>
-                  </a:ext>
-                </a:extLst>
-              </a:tr>
-              <a:tr h="338022">
-                <a:tc>
-                  <a:txBody>
-                    <a:bodyPr/>
-                    <a:lstStyle/>
-                    <a:p>
-                      <a:r>
-                        <a:rPr lang="pt-BR" sz="1350" b="0" i="0" kern="1200" dirty="0">
-                          <a:solidFill>
-                            <a:schemeClr val="dk1"/>
-                          </a:solidFill>
-                          <a:effectLst/>
-                          <a:latin typeface="+mn-lt"/>
-                          <a:ea typeface="+mn-ea"/>
-                          <a:cs typeface="+mn-cs"/>
-                        </a:rPr>
-                        <a:t>16/09/2019</a:t>
-                      </a:r>
-                      <a:endParaRPr lang="pt-BR" b="0" dirty="0"/>
-                    </a:p>
-                  </a:txBody>
-                  <a:tcPr/>
-                </a:tc>
-                <a:tc>
-                  <a:txBody>
-                    <a:bodyPr/>
-                    <a:lstStyle/>
-                    <a:p>
-                      <a:r>
-                        <a:rPr lang="pt-BR" sz="1350" b="0" i="0" kern="1200" dirty="0">
-                          <a:solidFill>
-                            <a:schemeClr val="dk1"/>
-                          </a:solidFill>
-                          <a:effectLst/>
-                          <a:latin typeface="+mn-lt"/>
-                          <a:ea typeface="+mn-ea"/>
-                          <a:cs typeface="+mn-cs"/>
-                        </a:rPr>
-                        <a:t>Testes funcionais da CONDUÇÃO;</a:t>
-                      </a:r>
-                      <a:endParaRPr lang="pt-BR" dirty="0"/>
-                    </a:p>
-                  </a:txBody>
-                  <a:tcPr/>
-                </a:tc>
-                <a:extLst>
-                  <a:ext uri="{0D108BD9-81ED-4DB2-BD59-A6C34878D82A}">
-                    <a16:rowId xmlns:a16="http://schemas.microsoft.com/office/drawing/2014/main" val="1568532842"/>
-                  </a:ext>
-                </a:extLst>
-              </a:tr>
-              <a:tr h="338022">
-                <a:tc>
-                  <a:txBody>
-                    <a:bodyPr/>
-                    <a:lstStyle/>
-                    <a:p>
-                      <a:r>
-                        <a:rPr lang="pt-BR" dirty="0"/>
-                        <a:t>23/09/2019</a:t>
-                      </a:r>
-                    </a:p>
-                  </a:txBody>
-                  <a:tcPr/>
-                </a:tc>
-                <a:tc>
-                  <a:txBody>
-                    <a:bodyPr/>
-                    <a:lstStyle/>
-                    <a:p>
-                      <a:r>
-                        <a:rPr lang="pt-BR" dirty="0"/>
-                        <a:t>Proposta Técnica Comercial;</a:t>
-                      </a:r>
-                    </a:p>
-                  </a:txBody>
-                  <a:tcPr/>
-                </a:tc>
-                <a:extLst>
-                  <a:ext uri="{0D108BD9-81ED-4DB2-BD59-A6C34878D82A}">
-                    <a16:rowId xmlns:a16="http://schemas.microsoft.com/office/drawing/2014/main" val="2186009936"/>
-                  </a:ext>
-                </a:extLst>
-              </a:tr>
-              <a:tr h="338022">
-                <a:tc>
-                  <a:txBody>
-                    <a:bodyPr/>
-                    <a:lstStyle/>
-                    <a:p>
-                      <a:r>
-                        <a:rPr lang="pt-BR" dirty="0"/>
-                        <a:t>30/09/2019</a:t>
-                      </a:r>
-                    </a:p>
-                  </a:txBody>
-                  <a:tcPr/>
-                </a:tc>
-                <a:tc>
-                  <a:txBody>
-                    <a:bodyPr/>
-                    <a:lstStyle/>
-                    <a:p>
-                      <a:r>
-                        <a:rPr lang="pt-BR" dirty="0"/>
-                        <a:t>Documento de Visão de Sistema;</a:t>
-                      </a:r>
-                    </a:p>
-                  </a:txBody>
-                  <a:tcPr/>
-                </a:tc>
-                <a:extLst>
-                  <a:ext uri="{0D108BD9-81ED-4DB2-BD59-A6C34878D82A}">
-                    <a16:rowId xmlns:a16="http://schemas.microsoft.com/office/drawing/2014/main" val="2985380693"/>
-                  </a:ext>
-                </a:extLst>
-              </a:tr>
-              <a:tr h="338022">
-                <a:tc>
-                  <a:txBody>
-                    <a:bodyPr/>
-                    <a:lstStyle/>
-                    <a:p>
-                      <a:r>
-                        <a:rPr lang="pt-BR" dirty="0"/>
-                        <a:t>14/10/2019</a:t>
-                      </a:r>
-                    </a:p>
-                  </a:txBody>
-                  <a:tcPr/>
-                </a:tc>
-                <a:tc>
-                  <a:txBody>
-                    <a:bodyPr/>
-                    <a:lstStyle/>
-                    <a:p>
-                      <a:r>
-                        <a:rPr lang="pt-BR" dirty="0"/>
-                        <a:t>Versão final da CONDUÇÃO, junto com a implementação deverá ser apresentada uma lista dos requisitos implementados e não implementados;</a:t>
-                      </a:r>
-                    </a:p>
-                  </a:txBody>
-                  <a:tcPr/>
-                </a:tc>
-                <a:extLst>
-                  <a:ext uri="{0D108BD9-81ED-4DB2-BD59-A6C34878D82A}">
-                    <a16:rowId xmlns:a16="http://schemas.microsoft.com/office/drawing/2014/main" val="1069647956"/>
-                  </a:ext>
-                </a:extLst>
-              </a:tr>
-              <a:tr h="338022">
-                <a:tc>
-                  <a:txBody>
-                    <a:bodyPr/>
-                    <a:lstStyle/>
-                    <a:p>
-                      <a:r>
-                        <a:rPr lang="pt-BR" sz="1350" b="0" i="0" kern="1200" dirty="0">
-                          <a:solidFill>
-                            <a:schemeClr val="dk1"/>
-                          </a:solidFill>
-                          <a:effectLst/>
-                          <a:latin typeface="+mn-lt"/>
-                          <a:ea typeface="+mn-ea"/>
-                          <a:cs typeface="+mn-cs"/>
-                        </a:rPr>
-                        <a:t>21/10/2019</a:t>
-                      </a:r>
-                      <a:endParaRPr lang="pt-BR" b="0" dirty="0"/>
-                    </a:p>
-                  </a:txBody>
-                  <a:tcPr/>
-                </a:tc>
-                <a:tc>
-                  <a:txBody>
-                    <a:bodyPr/>
-                    <a:lstStyle/>
-                    <a:p>
-                      <a:r>
-                        <a:rPr lang="pt-BR" dirty="0"/>
-                        <a:t>Especificação do caso de uso de condução;</a:t>
-                      </a:r>
-                    </a:p>
-                  </a:txBody>
-                  <a:tcPr/>
-                </a:tc>
-                <a:extLst>
-                  <a:ext uri="{0D108BD9-81ED-4DB2-BD59-A6C34878D82A}">
-                    <a16:rowId xmlns:a16="http://schemas.microsoft.com/office/drawing/2014/main" val="2579212052"/>
-                  </a:ext>
-                </a:extLst>
-              </a:tr>
-              <a:tr h="338022">
-                <a:tc>
-                  <a:txBody>
-                    <a:bodyPr/>
-                    <a:lstStyle/>
-                    <a:p>
-                      <a:r>
-                        <a:rPr lang="pt-BR" sz="1350" b="0" i="0" kern="1200" dirty="0">
-                          <a:solidFill>
-                            <a:schemeClr val="dk1"/>
-                          </a:solidFill>
-                          <a:effectLst/>
-                          <a:latin typeface="+mn-lt"/>
-                          <a:ea typeface="+mn-ea"/>
-                          <a:cs typeface="+mn-cs"/>
-                        </a:rPr>
-                        <a:t>04/11/2019</a:t>
-                      </a:r>
-                      <a:endParaRPr lang="pt-BR" b="0" dirty="0"/>
-                    </a:p>
-                  </a:txBody>
-                  <a:tcPr/>
-                </a:tc>
-                <a:tc>
-                  <a:txBody>
-                    <a:bodyPr/>
-                    <a:lstStyle/>
-                    <a:p>
-                      <a:r>
-                        <a:rPr lang="pt-BR" dirty="0"/>
-                        <a:t>Testes funcionais da ANÁLISE (Gráfico de linhas com consulta por período e pelo menos dois indicadores-linhas);</a:t>
-                      </a:r>
-                    </a:p>
-                  </a:txBody>
-                  <a:tcPr/>
-                </a:tc>
-                <a:extLst>
-                  <a:ext uri="{0D108BD9-81ED-4DB2-BD59-A6C34878D82A}">
-                    <a16:rowId xmlns:a16="http://schemas.microsoft.com/office/drawing/2014/main" val="1482875163"/>
-                  </a:ext>
-                </a:extLst>
-              </a:tr>
-              <a:tr h="338022">
-                <a:tc>
-                  <a:txBody>
-                    <a:bodyPr/>
-                    <a:lstStyle/>
-                    <a:p>
-                      <a:r>
-                        <a:rPr lang="pt-BR" sz="1350" b="0" i="0" kern="1200" dirty="0">
-                          <a:solidFill>
-                            <a:schemeClr val="dk1"/>
-                          </a:solidFill>
-                          <a:effectLst/>
-                          <a:latin typeface="+mn-lt"/>
-                          <a:ea typeface="+mn-ea"/>
-                          <a:cs typeface="+mn-cs"/>
-                        </a:rPr>
-                        <a:t>11/11/2019</a:t>
-                      </a:r>
-                      <a:endParaRPr lang="pt-BR" b="0" dirty="0"/>
-                    </a:p>
-                  </a:txBody>
-                  <a:tcPr/>
-                </a:tc>
-                <a:tc>
-                  <a:txBody>
-                    <a:bodyPr/>
-                    <a:lstStyle/>
-                    <a:p>
-                      <a:r>
-                        <a:rPr lang="pt-BR" dirty="0"/>
-                        <a:t>Apresentação do caso de uso de ANÁLISE implementado (Gráfico de linhas com consulta por período e pelo menos dois indicadores-linhas)</a:t>
-                      </a:r>
-                    </a:p>
-                  </a:txBody>
-                  <a:tcPr/>
-                </a:tc>
-                <a:extLst>
-                  <a:ext uri="{0D108BD9-81ED-4DB2-BD59-A6C34878D82A}">
-                    <a16:rowId xmlns:a16="http://schemas.microsoft.com/office/drawing/2014/main" val="317868729"/>
-                  </a:ext>
-                </a:extLst>
-              </a:tr>
-              <a:tr h="338022">
-                <a:tc>
-                  <a:txBody>
-                    <a:bodyPr/>
-                    <a:lstStyle/>
-                    <a:p>
-                      <a:r>
-                        <a:rPr lang="pt-BR" dirty="0"/>
-                        <a:t>18/11/2019</a:t>
-                      </a:r>
-                    </a:p>
-                  </a:txBody>
-                  <a:tcPr/>
-                </a:tc>
-                <a:tc>
-                  <a:txBody>
-                    <a:bodyPr/>
-                    <a:lstStyle/>
-                    <a:p>
-                      <a:r>
-                        <a:rPr lang="pt-BR" dirty="0"/>
-                        <a:t>Apresentação de todos documentos e implementação final com funcionalidades integradas.</a:t>
-                      </a:r>
-                    </a:p>
-                  </a:txBody>
-                  <a:tcPr/>
-                </a:tc>
-                <a:extLst>
-                  <a:ext uri="{0D108BD9-81ED-4DB2-BD59-A6C34878D82A}">
-                    <a16:rowId xmlns:a16="http://schemas.microsoft.com/office/drawing/2014/main" val="2385243908"/>
-                  </a:ext>
-                </a:extLst>
-              </a:tr>
-              <a:tr h="338022">
-                <a:tc>
-                  <a:txBody>
-                    <a:bodyPr/>
-                    <a:lstStyle/>
-                    <a:p>
-                      <a:r>
-                        <a:rPr lang="pt-BR" dirty="0"/>
-                        <a:t>02/12/2019</a:t>
-                      </a:r>
-                    </a:p>
-                  </a:txBody>
-                  <a:tcPr/>
-                </a:tc>
-                <a:tc>
-                  <a:txBody>
-                    <a:bodyPr/>
-                    <a:lstStyle/>
-                    <a:p>
-                      <a:r>
-                        <a:rPr lang="pt-BR" sz="1350" b="0" i="0" kern="1200" dirty="0">
-                          <a:solidFill>
-                            <a:schemeClr val="dk1"/>
-                          </a:solidFill>
-                          <a:effectLst/>
-                          <a:latin typeface="+mn-lt"/>
-                          <a:ea typeface="+mn-ea"/>
-                          <a:cs typeface="+mn-cs"/>
-                        </a:rPr>
-                        <a:t>Apresentação Final</a:t>
-                      </a:r>
-                      <a:endParaRPr lang="pt-BR" dirty="0"/>
-                    </a:p>
-                  </a:txBody>
-                  <a:tcPr/>
-                </a:tc>
-                <a:extLst>
-                  <a:ext uri="{0D108BD9-81ED-4DB2-BD59-A6C34878D82A}">
-                    <a16:rowId xmlns:a16="http://schemas.microsoft.com/office/drawing/2014/main" val="2886825203"/>
-                  </a:ext>
-                </a:extLst>
-              </a:tr>
-            </a:tbl>
-          </a:graphicData>
-        </a:graphic>
-      </p:graphicFrame>
-    </p:spTree>
-    <p:extLst>
-      <p:ext uri="{BB962C8B-B14F-4D97-AF65-F5344CB8AC3E}">
-        <p14:creationId xmlns:p14="http://schemas.microsoft.com/office/powerpoint/2010/main" val="1076557076"/>
-      </p:ext>
-    </p:extLst>
-  </p:cSld>
-  <p:clrMapOvr>
-    <a:masterClrMapping/>
-  </p:clrMapOvr>
-</p:sld>
-</file>
-
-<file path=ppt/slides/slide25.xml><?xml version="1.0" encoding="utf-8"?>
-<p:sld xmlns:a="http://schemas.openxmlformats.org/drawingml/2006/main" xmlns:r="http://schemas.openxmlformats.org/officeDocument/2006/relationships" xmlns:p="http://schemas.openxmlformats.org/presentationml/2006/main">
-  <p:cSld>
-    <p:spTree>
-      <p:nvGrpSpPr>
-        <p:cNvPr id="1" name=""/>
-        <p:cNvGrpSpPr/>
-        <p:nvPr/>
-      </p:nvGrpSpPr>
-      <p:grpSpPr>
-        <a:xfrm>
-          <a:off x="0" y="0"/>
-          <a:ext cx="0" cy="0"/>
-          <a:chOff x="0" y="0"/>
-          <a:chExt cx="0" cy="0"/>
-        </a:xfrm>
-      </p:grpSpPr>
-      <p:sp>
-        <p:nvSpPr>
-          <p:cNvPr id="2" name="Título 1"/>
-          <p:cNvSpPr>
-            <a:spLocks noGrp="1"/>
-          </p:cNvSpPr>
-          <p:nvPr>
-            <p:ph type="title"/>
-          </p:nvPr>
-        </p:nvSpPr>
         <p:spPr/>
         <p:txBody>
           <a:bodyPr>
@@ -16971,7 +16213,7 @@
 </p:sld>
 </file>
 
-<file path=ppt/slides/slide26.xml><?xml version="1.0" encoding="utf-8"?>
+<file path=ppt/slides/slide25.xml><?xml version="1.0" encoding="utf-8"?>
 <p:sld xmlns:a="http://schemas.openxmlformats.org/drawingml/2006/main" xmlns:r="http://schemas.openxmlformats.org/officeDocument/2006/relationships" xmlns:p="http://schemas.openxmlformats.org/presentationml/2006/main">
   <p:cSld>
     <p:spTree>
@@ -17157,7 +16399,7 @@
 </p:sld>
 </file>
 
-<file path=ppt/slides/slide27.xml><?xml version="1.0" encoding="utf-8"?>
+<file path=ppt/slides/slide26.xml><?xml version="1.0" encoding="utf-8"?>
 <p:sld xmlns:a="http://schemas.openxmlformats.org/drawingml/2006/main" xmlns:r="http://schemas.openxmlformats.org/officeDocument/2006/relationships" xmlns:p="http://schemas.openxmlformats.org/presentationml/2006/main">
   <p:cSld>
     <p:spTree>
@@ -17343,7 +16585,7 @@
 </p:sld>
 </file>
 
-<file path=ppt/slides/slide28.xml><?xml version="1.0" encoding="utf-8"?>
+<file path=ppt/slides/slide27.xml><?xml version="1.0" encoding="utf-8"?>
 <p:sld xmlns:a="http://schemas.openxmlformats.org/drawingml/2006/main" xmlns:r="http://schemas.openxmlformats.org/officeDocument/2006/relationships" xmlns:p="http://schemas.openxmlformats.org/presentationml/2006/main">
   <p:cSld>
     <p:spTree>
@@ -17529,7 +16771,7 @@
 </p:sld>
 </file>
 
-<file path=ppt/slides/slide29.xml><?xml version="1.0" encoding="utf-8"?>
+<file path=ppt/slides/slide28.xml><?xml version="1.0" encoding="utf-8"?>
 <p:sld xmlns:a="http://schemas.openxmlformats.org/drawingml/2006/main" xmlns:r="http://schemas.openxmlformats.org/officeDocument/2006/relationships" xmlns:p="http://schemas.openxmlformats.org/presentationml/2006/main">
   <p:cSld>
     <p:spTree>
@@ -17715,6 +16957,192 @@
 </p:sld>
 </file>
 
+<file path=ppt/slides/slide29.xml><?xml version="1.0" encoding="utf-8"?>
+<p:sld xmlns:a="http://schemas.openxmlformats.org/drawingml/2006/main" xmlns:r="http://schemas.openxmlformats.org/officeDocument/2006/relationships" xmlns:p="http://schemas.openxmlformats.org/presentationml/2006/main">
+  <p:cSld>
+    <p:spTree>
+      <p:nvGrpSpPr>
+        <p:cNvPr id="1" name=""/>
+        <p:cNvGrpSpPr/>
+        <p:nvPr/>
+      </p:nvGrpSpPr>
+      <p:grpSpPr>
+        <a:xfrm>
+          <a:off x="0" y="0"/>
+          <a:ext cx="0" cy="0"/>
+          <a:chOff x="0" y="0"/>
+          <a:chExt cx="0" cy="0"/>
+        </a:xfrm>
+      </p:grpSpPr>
+      <p:sp>
+        <p:nvSpPr>
+          <p:cNvPr id="2" name="Título 1"/>
+          <p:cNvSpPr>
+            <a:spLocks noGrp="1"/>
+          </p:cNvSpPr>
+          <p:nvPr>
+            <p:ph type="title"/>
+          </p:nvPr>
+        </p:nvSpPr>
+        <p:spPr>
+          <a:xfrm>
+            <a:off x="1443491" y="804520"/>
+            <a:ext cx="6571343" cy="1049235"/>
+          </a:xfrm>
+        </p:spPr>
+        <p:txBody>
+          <a:bodyPr>
+            <a:normAutofit/>
+          </a:bodyPr>
+          <a:lstStyle/>
+          <a:p>
+            <a:r>
+              <a:rPr lang="pt-BR" dirty="0"/>
+              <a:t>Telas do sistema</a:t>
+            </a:r>
+          </a:p>
+        </p:txBody>
+      </p:sp>
+      <p:cxnSp>
+        <p:nvCxnSpPr>
+          <p:cNvPr id="5" name="Conector reto 4">
+            <a:extLst>
+              <a:ext uri="{FF2B5EF4-FFF2-40B4-BE49-F238E27FC236}">
+                <a16:creationId xmlns:a16="http://schemas.microsoft.com/office/drawing/2014/main" id="{00B6769B-994B-4E7B-8C9C-0728EA8CC21B}"/>
+              </a:ext>
+            </a:extLst>
+          </p:cNvPr>
+          <p:cNvCxnSpPr/>
+          <p:nvPr/>
+        </p:nvCxnSpPr>
+        <p:spPr>
+          <a:xfrm>
+            <a:off x="702365" y="1616765"/>
+            <a:ext cx="7646505" cy="0"/>
+          </a:xfrm>
+          <a:prstGeom prst="line">
+            <a:avLst/>
+          </a:prstGeom>
+        </p:spPr>
+        <p:style>
+          <a:lnRef idx="1">
+            <a:schemeClr val="accent1"/>
+          </a:lnRef>
+          <a:fillRef idx="0">
+            <a:schemeClr val="accent1"/>
+          </a:fillRef>
+          <a:effectRef idx="0">
+            <a:schemeClr val="accent1"/>
+          </a:effectRef>
+          <a:fontRef idx="minor">
+            <a:schemeClr val="tx1"/>
+          </a:fontRef>
+        </p:style>
+      </p:cxnSp>
+      <p:sp>
+        <p:nvSpPr>
+          <p:cNvPr id="7" name="Título 1">
+            <a:extLst>
+              <a:ext uri="{FF2B5EF4-FFF2-40B4-BE49-F238E27FC236}">
+                <a16:creationId xmlns:a16="http://schemas.microsoft.com/office/drawing/2014/main" id="{3B0160D9-5747-4B8E-8517-BDDC54E7A28E}"/>
+              </a:ext>
+            </a:extLst>
+          </p:cNvPr>
+          <p:cNvSpPr txBox="1">
+            <a:spLocks/>
+          </p:cNvSpPr>
+          <p:nvPr/>
+        </p:nvSpPr>
+        <p:spPr>
+          <a:xfrm>
+            <a:off x="1443491" y="5528863"/>
+            <a:ext cx="6571343" cy="524618"/>
+          </a:xfrm>
+          <a:prstGeom prst="rect">
+            <a:avLst/>
+          </a:prstGeom>
+        </p:spPr>
+        <p:txBody>
+          <a:bodyPr vert="horz" lIns="91440" tIns="45720" rIns="91440" bIns="45720" rtlCol="0" anchor="t">
+            <a:normAutofit/>
+          </a:bodyPr>
+          <a:lstStyle>
+            <a:lvl1pPr algn="l" defTabSz="685800" rtl="0" eaLnBrk="1" latinLnBrk="0" hangingPunct="1">
+              <a:lnSpc>
+                <a:spcPct val="90000"/>
+              </a:lnSpc>
+              <a:spcBef>
+                <a:spcPct val="0"/>
+              </a:spcBef>
+              <a:buNone/>
+              <a:defRPr sz="3200" b="0" i="0" kern="1200" cap="all">
+                <a:solidFill>
+                  <a:schemeClr val="tx1"/>
+                </a:solidFill>
+                <a:effectLst/>
+                <a:latin typeface="+mj-lt"/>
+                <a:ea typeface="+mj-ea"/>
+                <a:cs typeface="+mj-cs"/>
+              </a:defRPr>
+            </a:lvl1pPr>
+          </a:lstStyle>
+          <a:p>
+            <a:pPr algn="ctr"/>
+            <a:r>
+              <a:rPr lang="pt-BR" sz="1600" dirty="0"/>
+              <a:t>Tela autenticação de usuário</a:t>
+            </a:r>
+          </a:p>
+        </p:txBody>
+      </p:sp>
+      <p:pic>
+        <p:nvPicPr>
+          <p:cNvPr id="9" name="Espaço Reservado para Conteúdo 8" descr="Tela de celular com texto preto sobre fundo branco&#10;&#10;Descrição gerada automaticamente">
+            <a:extLst>
+              <a:ext uri="{FF2B5EF4-FFF2-40B4-BE49-F238E27FC236}">
+                <a16:creationId xmlns:a16="http://schemas.microsoft.com/office/drawing/2014/main" id="{F09A30AD-EA8D-4ACC-B1D5-23969024392D}"/>
+              </a:ext>
+            </a:extLst>
+          </p:cNvPr>
+          <p:cNvPicPr>
+            <a:picLocks noGrp="1" noChangeAspect="1"/>
+          </p:cNvPicPr>
+          <p:nvPr>
+            <p:ph idx="1"/>
+          </p:nvPr>
+        </p:nvPicPr>
+        <p:blipFill>
+          <a:blip r:embed="rId2">
+            <a:extLst>
+              <a:ext uri="{28A0092B-C50C-407E-A947-70E740481C1C}">
+                <a14:useLocalDpi xmlns:a14="http://schemas.microsoft.com/office/drawing/2010/main" val="0"/>
+              </a:ext>
+            </a:extLst>
+          </a:blip>
+          <a:stretch>
+            <a:fillRect/>
+          </a:stretch>
+        </p:blipFill>
+        <p:spPr>
+          <a:xfrm>
+            <a:off x="702364" y="1758401"/>
+            <a:ext cx="7645555" cy="3533471"/>
+          </a:xfrm>
+        </p:spPr>
+      </p:pic>
+    </p:spTree>
+    <p:extLst>
+      <p:ext uri="{BB962C8B-B14F-4D97-AF65-F5344CB8AC3E}">
+        <p14:creationId xmlns:p14="http://schemas.microsoft.com/office/powerpoint/2010/main" val="1460277898"/>
+      </p:ext>
+    </p:extLst>
+  </p:cSld>
+  <p:clrMapOvr>
+    <a:masterClrMapping/>
+  </p:clrMapOvr>
+</p:sld>
+</file>
+
 <file path=ppt/slides/slide3.xml><?xml version="1.0" encoding="utf-8"?>
 <p:sld xmlns:a="http://schemas.openxmlformats.org/drawingml/2006/main" xmlns:r="http://schemas.openxmlformats.org/officeDocument/2006/relationships" xmlns:p="http://schemas.openxmlformats.org/presentationml/2006/main">
   <p:cSld>
@@ -18019,17 +17447,17 @@
             <a:pPr algn="ctr"/>
             <a:r>
               <a:rPr lang="pt-BR" sz="1600" dirty="0"/>
-              <a:t>Tela autenticação de usuário</a:t>
+              <a:t>Tela administrador</a:t>
             </a:r>
           </a:p>
         </p:txBody>
       </p:sp>
       <p:pic>
         <p:nvPicPr>
-          <p:cNvPr id="9" name="Espaço Reservado para Conteúdo 8" descr="Tela de celular com texto preto sobre fundo branco&#10;&#10;Descrição gerada automaticamente">
+          <p:cNvPr id="9" name="Espaço Reservado para Conteúdo 8" descr="Tela de celular com publicação numa rede social&#10;&#10;Descrição gerada automaticamente">
             <a:extLst>
               <a:ext uri="{FF2B5EF4-FFF2-40B4-BE49-F238E27FC236}">
-                <a16:creationId xmlns:a16="http://schemas.microsoft.com/office/drawing/2014/main" id="{F09A30AD-EA8D-4ACC-B1D5-23969024392D}"/>
+                <a16:creationId xmlns:a16="http://schemas.microsoft.com/office/drawing/2014/main" id="{4317B898-ECA3-401E-80F7-967B3099C2B9}"/>
               </a:ext>
             </a:extLst>
           </p:cNvPr>
@@ -18054,15 +17482,15 @@
         </p:blipFill>
         <p:spPr>
           <a:xfrm>
-            <a:off x="702364" y="1758401"/>
-            <a:ext cx="7645555" cy="3533471"/>
+            <a:off x="702365" y="1853754"/>
+            <a:ext cx="7646504" cy="3526985"/>
           </a:xfrm>
         </p:spPr>
       </p:pic>
     </p:spTree>
     <p:extLst>
       <p:ext uri="{BB962C8B-B14F-4D97-AF65-F5344CB8AC3E}">
-        <p14:creationId xmlns:p14="http://schemas.microsoft.com/office/powerpoint/2010/main" val="1460277898"/>
+        <p14:creationId xmlns:p14="http://schemas.microsoft.com/office/powerpoint/2010/main" val="566315724"/>
       </p:ext>
     </p:extLst>
   </p:cSld>
@@ -18205,17 +17633,17 @@
             <a:pPr algn="ctr"/>
             <a:r>
               <a:rPr lang="pt-BR" sz="1600" dirty="0"/>
-              <a:t>Tela administrador</a:t>
+              <a:t>Tela gráfico 1</a:t>
             </a:r>
           </a:p>
         </p:txBody>
       </p:sp>
       <p:pic>
         <p:nvPicPr>
-          <p:cNvPr id="9" name="Espaço Reservado para Conteúdo 8" descr="Tela de celular com publicação numa rede social&#10;&#10;Descrição gerada automaticamente">
+          <p:cNvPr id="8" name="Espaço Reservado para Conteúdo 7" descr="Tela de celular com publicação numa rede social&#10;&#10;Descrição gerada automaticamente">
             <a:extLst>
               <a:ext uri="{FF2B5EF4-FFF2-40B4-BE49-F238E27FC236}">
-                <a16:creationId xmlns:a16="http://schemas.microsoft.com/office/drawing/2014/main" id="{4317B898-ECA3-401E-80F7-967B3099C2B9}"/>
+                <a16:creationId xmlns:a16="http://schemas.microsoft.com/office/drawing/2014/main" id="{9FC5BFD6-2D91-4651-A5F4-010812550262}"/>
               </a:ext>
             </a:extLst>
           </p:cNvPr>
@@ -18240,15 +17668,15 @@
         </p:blipFill>
         <p:spPr>
           <a:xfrm>
-            <a:off x="702365" y="1853754"/>
-            <a:ext cx="7646504" cy="3526985"/>
+            <a:off x="702364" y="1853755"/>
+            <a:ext cx="7646505" cy="3538272"/>
           </a:xfrm>
         </p:spPr>
       </p:pic>
     </p:spTree>
     <p:extLst>
       <p:ext uri="{BB962C8B-B14F-4D97-AF65-F5344CB8AC3E}">
-        <p14:creationId xmlns:p14="http://schemas.microsoft.com/office/powerpoint/2010/main" val="566315724"/>
+        <p14:creationId xmlns:p14="http://schemas.microsoft.com/office/powerpoint/2010/main" val="627517507"/>
       </p:ext>
     </p:extLst>
   </p:cSld>
@@ -18391,17 +17819,17 @@
             <a:pPr algn="ctr"/>
             <a:r>
               <a:rPr lang="pt-BR" sz="1600" dirty="0"/>
-              <a:t>Tela gráfico 1</a:t>
+              <a:t>Tela gráfico 2</a:t>
             </a:r>
           </a:p>
         </p:txBody>
       </p:sp>
       <p:pic>
         <p:nvPicPr>
-          <p:cNvPr id="8" name="Espaço Reservado para Conteúdo 7" descr="Tela de celular com publicação numa rede social&#10;&#10;Descrição gerada automaticamente">
+          <p:cNvPr id="9" name="Espaço Reservado para Conteúdo 8" descr="Uma imagem contendo screenshot, texto&#10;&#10;Descrição gerada automaticamente">
             <a:extLst>
               <a:ext uri="{FF2B5EF4-FFF2-40B4-BE49-F238E27FC236}">
-                <a16:creationId xmlns:a16="http://schemas.microsoft.com/office/drawing/2014/main" id="{9FC5BFD6-2D91-4651-A5F4-010812550262}"/>
+                <a16:creationId xmlns:a16="http://schemas.microsoft.com/office/drawing/2014/main" id="{D9D2FA4E-6D43-4DEA-82CD-6A00B997EE7E}"/>
               </a:ext>
             </a:extLst>
           </p:cNvPr>
@@ -18427,14 +17855,14 @@
         <p:spPr>
           <a:xfrm>
             <a:off x="702364" y="1853755"/>
-            <a:ext cx="7646505" cy="3538272"/>
+            <a:ext cx="7646505" cy="3546532"/>
           </a:xfrm>
         </p:spPr>
       </p:pic>
     </p:spTree>
     <p:extLst>
       <p:ext uri="{BB962C8B-B14F-4D97-AF65-F5344CB8AC3E}">
-        <p14:creationId xmlns:p14="http://schemas.microsoft.com/office/powerpoint/2010/main" val="627517507"/>
+        <p14:creationId xmlns:p14="http://schemas.microsoft.com/office/powerpoint/2010/main" val="1186264244"/>
       </p:ext>
     </p:extLst>
   </p:cSld>
@@ -18577,17 +18005,17 @@
             <a:pPr algn="ctr"/>
             <a:r>
               <a:rPr lang="pt-BR" sz="1600" dirty="0"/>
-              <a:t>Tela gráfico 2</a:t>
+              <a:t>Tela cliente</a:t>
             </a:r>
           </a:p>
         </p:txBody>
       </p:sp>
       <p:pic>
         <p:nvPicPr>
-          <p:cNvPr id="9" name="Espaço Reservado para Conteúdo 8" descr="Uma imagem contendo screenshot, texto&#10;&#10;Descrição gerada automaticamente">
+          <p:cNvPr id="13" name="Espaço Reservado para Conteúdo 12" descr="Tela de computador com texto preto sobre fundo branco&#10;&#10;Descrição gerada automaticamente">
             <a:extLst>
               <a:ext uri="{FF2B5EF4-FFF2-40B4-BE49-F238E27FC236}">
-                <a16:creationId xmlns:a16="http://schemas.microsoft.com/office/drawing/2014/main" id="{D9D2FA4E-6D43-4DEA-82CD-6A00B997EE7E}"/>
+                <a16:creationId xmlns:a16="http://schemas.microsoft.com/office/drawing/2014/main" id="{362EE30D-C5D8-4A7F-954D-4FC56E7D78A5}"/>
               </a:ext>
             </a:extLst>
           </p:cNvPr>
@@ -18612,15 +18040,15 @@
         </p:blipFill>
         <p:spPr>
           <a:xfrm>
-            <a:off x="702364" y="1853755"/>
-            <a:ext cx="7646505" cy="3546532"/>
+            <a:off x="702365" y="1737643"/>
+            <a:ext cx="7646504" cy="3551376"/>
           </a:xfrm>
         </p:spPr>
       </p:pic>
     </p:spTree>
     <p:extLst>
       <p:ext uri="{BB962C8B-B14F-4D97-AF65-F5344CB8AC3E}">
-        <p14:creationId xmlns:p14="http://schemas.microsoft.com/office/powerpoint/2010/main" val="1186264244"/>
+        <p14:creationId xmlns:p14="http://schemas.microsoft.com/office/powerpoint/2010/main" val="881674028"/>
       </p:ext>
     </p:extLst>
   </p:cSld>
@@ -18763,17 +18191,17 @@
             <a:pPr algn="ctr"/>
             <a:r>
               <a:rPr lang="pt-BR" sz="1600" dirty="0"/>
-              <a:t>Tela cliente</a:t>
+              <a:t>Tela detalhes do pedido</a:t>
             </a:r>
           </a:p>
         </p:txBody>
       </p:sp>
       <p:pic>
         <p:nvPicPr>
-          <p:cNvPr id="13" name="Espaço Reservado para Conteúdo 12" descr="Tela de computador com texto preto sobre fundo branco&#10;&#10;Descrição gerada automaticamente">
+          <p:cNvPr id="8" name="Espaço Reservado para Conteúdo 7" descr="Tela de celular com publicação numa rede social&#10;&#10;Descrição gerada automaticamente">
             <a:extLst>
               <a:ext uri="{FF2B5EF4-FFF2-40B4-BE49-F238E27FC236}">
-                <a16:creationId xmlns:a16="http://schemas.microsoft.com/office/drawing/2014/main" id="{362EE30D-C5D8-4A7F-954D-4FC56E7D78A5}"/>
+                <a16:creationId xmlns:a16="http://schemas.microsoft.com/office/drawing/2014/main" id="{07028771-C32D-4786-9D64-116169FF0C27}"/>
               </a:ext>
             </a:extLst>
           </p:cNvPr>
@@ -18798,15 +18226,15 @@
         </p:blipFill>
         <p:spPr>
           <a:xfrm>
-            <a:off x="702365" y="1737643"/>
-            <a:ext cx="7646504" cy="3551376"/>
+            <a:off x="702365" y="1747955"/>
+            <a:ext cx="7646504" cy="3558217"/>
           </a:xfrm>
         </p:spPr>
       </p:pic>
     </p:spTree>
     <p:extLst>
       <p:ext uri="{BB962C8B-B14F-4D97-AF65-F5344CB8AC3E}">
-        <p14:creationId xmlns:p14="http://schemas.microsoft.com/office/powerpoint/2010/main" val="881674028"/>
+        <p14:creationId xmlns:p14="http://schemas.microsoft.com/office/powerpoint/2010/main" val="1348002758"/>
       </p:ext>
     </p:extLst>
   </p:cSld>
@@ -18949,7 +18377,7 @@
             <a:pPr algn="ctr"/>
             <a:r>
               <a:rPr lang="pt-BR" sz="1600" dirty="0"/>
-              <a:t>Tela detalhes do pedido</a:t>
+              <a:t>Tela detalhes da bebida</a:t>
             </a:r>
           </a:p>
         </p:txBody>
@@ -18959,7 +18387,7 @@
           <p:cNvPr id="8" name="Espaço Reservado para Conteúdo 7" descr="Tela de celular com publicação numa rede social&#10;&#10;Descrição gerada automaticamente">
             <a:extLst>
               <a:ext uri="{FF2B5EF4-FFF2-40B4-BE49-F238E27FC236}">
-                <a16:creationId xmlns:a16="http://schemas.microsoft.com/office/drawing/2014/main" id="{07028771-C32D-4786-9D64-116169FF0C27}"/>
+                <a16:creationId xmlns:a16="http://schemas.microsoft.com/office/drawing/2014/main" id="{044B47F9-1E27-41E8-B785-8886232BCF19}"/>
               </a:ext>
             </a:extLst>
           </p:cNvPr>
@@ -18984,15 +18412,15 @@
         </p:blipFill>
         <p:spPr>
           <a:xfrm>
-            <a:off x="702365" y="1747955"/>
-            <a:ext cx="7646504" cy="3558217"/>
+            <a:off x="702364" y="1853754"/>
+            <a:ext cx="7646505" cy="3540467"/>
           </a:xfrm>
         </p:spPr>
       </p:pic>
     </p:spTree>
     <p:extLst>
       <p:ext uri="{BB962C8B-B14F-4D97-AF65-F5344CB8AC3E}">
-        <p14:creationId xmlns:p14="http://schemas.microsoft.com/office/powerpoint/2010/main" val="1348002758"/>
+        <p14:creationId xmlns:p14="http://schemas.microsoft.com/office/powerpoint/2010/main" val="1812014326"/>
       </p:ext>
     </p:extLst>
   </p:cSld>
@@ -19135,17 +18563,17 @@
             <a:pPr algn="ctr"/>
             <a:r>
               <a:rPr lang="pt-BR" sz="1600" dirty="0"/>
-              <a:t>Tela detalhes da bebida</a:t>
+              <a:t>Tela carrinho</a:t>
             </a:r>
           </a:p>
         </p:txBody>
       </p:sp>
       <p:pic>
         <p:nvPicPr>
-          <p:cNvPr id="8" name="Espaço Reservado para Conteúdo 7" descr="Tela de celular com publicação numa rede social&#10;&#10;Descrição gerada automaticamente">
+          <p:cNvPr id="9" name="Espaço Reservado para Conteúdo 8" descr="Tela de celular com texto preto sobre fundo branco&#10;&#10;Descrição gerada automaticamente">
             <a:extLst>
               <a:ext uri="{FF2B5EF4-FFF2-40B4-BE49-F238E27FC236}">
-                <a16:creationId xmlns:a16="http://schemas.microsoft.com/office/drawing/2014/main" id="{044B47F9-1E27-41E8-B785-8886232BCF19}"/>
+                <a16:creationId xmlns:a16="http://schemas.microsoft.com/office/drawing/2014/main" id="{E51A85CC-096F-4D1A-8E21-14B1BF0683B5}"/>
               </a:ext>
             </a:extLst>
           </p:cNvPr>
@@ -19170,15 +18598,15 @@
         </p:blipFill>
         <p:spPr>
           <a:xfrm>
-            <a:off x="702364" y="1853754"/>
-            <a:ext cx="7646505" cy="3540467"/>
+            <a:off x="702365" y="1742663"/>
+            <a:ext cx="7646504" cy="3508858"/>
           </a:xfrm>
         </p:spPr>
       </p:pic>
     </p:spTree>
     <p:extLst>
       <p:ext uri="{BB962C8B-B14F-4D97-AF65-F5344CB8AC3E}">
-        <p14:creationId xmlns:p14="http://schemas.microsoft.com/office/powerpoint/2010/main" val="1812014326"/>
+        <p14:creationId xmlns:p14="http://schemas.microsoft.com/office/powerpoint/2010/main" val="2257462070"/>
       </p:ext>
     </p:extLst>
   </p:cSld>
@@ -19321,192 +18749,6 @@
             <a:pPr algn="ctr"/>
             <a:r>
               <a:rPr lang="pt-BR" sz="1600" dirty="0"/>
-              <a:t>Tela carrinho</a:t>
-            </a:r>
-          </a:p>
-        </p:txBody>
-      </p:sp>
-      <p:pic>
-        <p:nvPicPr>
-          <p:cNvPr id="9" name="Espaço Reservado para Conteúdo 8" descr="Tela de celular com texto preto sobre fundo branco&#10;&#10;Descrição gerada automaticamente">
-            <a:extLst>
-              <a:ext uri="{FF2B5EF4-FFF2-40B4-BE49-F238E27FC236}">
-                <a16:creationId xmlns:a16="http://schemas.microsoft.com/office/drawing/2014/main" id="{E51A85CC-096F-4D1A-8E21-14B1BF0683B5}"/>
-              </a:ext>
-            </a:extLst>
-          </p:cNvPr>
-          <p:cNvPicPr>
-            <a:picLocks noGrp="1" noChangeAspect="1"/>
-          </p:cNvPicPr>
-          <p:nvPr>
-            <p:ph idx="1"/>
-          </p:nvPr>
-        </p:nvPicPr>
-        <p:blipFill>
-          <a:blip r:embed="rId2">
-            <a:extLst>
-              <a:ext uri="{28A0092B-C50C-407E-A947-70E740481C1C}">
-                <a14:useLocalDpi xmlns:a14="http://schemas.microsoft.com/office/drawing/2010/main" val="0"/>
-              </a:ext>
-            </a:extLst>
-          </a:blip>
-          <a:stretch>
-            <a:fillRect/>
-          </a:stretch>
-        </p:blipFill>
-        <p:spPr>
-          <a:xfrm>
-            <a:off x="702365" y="1742663"/>
-            <a:ext cx="7646504" cy="3508858"/>
-          </a:xfrm>
-        </p:spPr>
-      </p:pic>
-    </p:spTree>
-    <p:extLst>
-      <p:ext uri="{BB962C8B-B14F-4D97-AF65-F5344CB8AC3E}">
-        <p14:creationId xmlns:p14="http://schemas.microsoft.com/office/powerpoint/2010/main" val="2257462070"/>
-      </p:ext>
-    </p:extLst>
-  </p:cSld>
-  <p:clrMapOvr>
-    <a:masterClrMapping/>
-  </p:clrMapOvr>
-</p:sld>
-</file>
-
-<file path=ppt/slides/slide38.xml><?xml version="1.0" encoding="utf-8"?>
-<p:sld xmlns:a="http://schemas.openxmlformats.org/drawingml/2006/main" xmlns:r="http://schemas.openxmlformats.org/officeDocument/2006/relationships" xmlns:p="http://schemas.openxmlformats.org/presentationml/2006/main">
-  <p:cSld>
-    <p:spTree>
-      <p:nvGrpSpPr>
-        <p:cNvPr id="1" name=""/>
-        <p:cNvGrpSpPr/>
-        <p:nvPr/>
-      </p:nvGrpSpPr>
-      <p:grpSpPr>
-        <a:xfrm>
-          <a:off x="0" y="0"/>
-          <a:ext cx="0" cy="0"/>
-          <a:chOff x="0" y="0"/>
-          <a:chExt cx="0" cy="0"/>
-        </a:xfrm>
-      </p:grpSpPr>
-      <p:sp>
-        <p:nvSpPr>
-          <p:cNvPr id="2" name="Título 1"/>
-          <p:cNvSpPr>
-            <a:spLocks noGrp="1"/>
-          </p:cNvSpPr>
-          <p:nvPr>
-            <p:ph type="title"/>
-          </p:nvPr>
-        </p:nvSpPr>
-        <p:spPr>
-          <a:xfrm>
-            <a:off x="1443491" y="804520"/>
-            <a:ext cx="6571343" cy="1049235"/>
-          </a:xfrm>
-        </p:spPr>
-        <p:txBody>
-          <a:bodyPr>
-            <a:normAutofit/>
-          </a:bodyPr>
-          <a:lstStyle/>
-          <a:p>
-            <a:r>
-              <a:rPr lang="pt-BR" dirty="0"/>
-              <a:t>Telas do sistema</a:t>
-            </a:r>
-          </a:p>
-        </p:txBody>
-      </p:sp>
-      <p:cxnSp>
-        <p:nvCxnSpPr>
-          <p:cNvPr id="5" name="Conector reto 4">
-            <a:extLst>
-              <a:ext uri="{FF2B5EF4-FFF2-40B4-BE49-F238E27FC236}">
-                <a16:creationId xmlns:a16="http://schemas.microsoft.com/office/drawing/2014/main" id="{00B6769B-994B-4E7B-8C9C-0728EA8CC21B}"/>
-              </a:ext>
-            </a:extLst>
-          </p:cNvPr>
-          <p:cNvCxnSpPr/>
-          <p:nvPr/>
-        </p:nvCxnSpPr>
-        <p:spPr>
-          <a:xfrm>
-            <a:off x="702365" y="1616765"/>
-            <a:ext cx="7646505" cy="0"/>
-          </a:xfrm>
-          <a:prstGeom prst="line">
-            <a:avLst/>
-          </a:prstGeom>
-        </p:spPr>
-        <p:style>
-          <a:lnRef idx="1">
-            <a:schemeClr val="accent1"/>
-          </a:lnRef>
-          <a:fillRef idx="0">
-            <a:schemeClr val="accent1"/>
-          </a:fillRef>
-          <a:effectRef idx="0">
-            <a:schemeClr val="accent1"/>
-          </a:effectRef>
-          <a:fontRef idx="minor">
-            <a:schemeClr val="tx1"/>
-          </a:fontRef>
-        </p:style>
-      </p:cxnSp>
-      <p:sp>
-        <p:nvSpPr>
-          <p:cNvPr id="7" name="Título 1">
-            <a:extLst>
-              <a:ext uri="{FF2B5EF4-FFF2-40B4-BE49-F238E27FC236}">
-                <a16:creationId xmlns:a16="http://schemas.microsoft.com/office/drawing/2014/main" id="{3B0160D9-5747-4B8E-8517-BDDC54E7A28E}"/>
-              </a:ext>
-            </a:extLst>
-          </p:cNvPr>
-          <p:cNvSpPr txBox="1">
-            <a:spLocks/>
-          </p:cNvSpPr>
-          <p:nvPr/>
-        </p:nvSpPr>
-        <p:spPr>
-          <a:xfrm>
-            <a:off x="1443491" y="5528863"/>
-            <a:ext cx="6571343" cy="524618"/>
-          </a:xfrm>
-          <a:prstGeom prst="rect">
-            <a:avLst/>
-          </a:prstGeom>
-        </p:spPr>
-        <p:txBody>
-          <a:bodyPr vert="horz" lIns="91440" tIns="45720" rIns="91440" bIns="45720" rtlCol="0" anchor="t">
-            <a:normAutofit/>
-          </a:bodyPr>
-          <a:lstStyle>
-            <a:lvl1pPr algn="l" defTabSz="685800" rtl="0" eaLnBrk="1" latinLnBrk="0" hangingPunct="1">
-              <a:lnSpc>
-                <a:spcPct val="90000"/>
-              </a:lnSpc>
-              <a:spcBef>
-                <a:spcPct val="0"/>
-              </a:spcBef>
-              <a:buNone/>
-              <a:defRPr sz="3200" b="0" i="0" kern="1200" cap="all">
-                <a:solidFill>
-                  <a:schemeClr val="tx1"/>
-                </a:solidFill>
-                <a:effectLst/>
-                <a:latin typeface="+mj-lt"/>
-                <a:ea typeface="+mj-ea"/>
-                <a:cs typeface="+mj-cs"/>
-              </a:defRPr>
-            </a:lvl1pPr>
-          </a:lstStyle>
-          <a:p>
-            <a:pPr algn="ctr"/>
-            <a:r>
-              <a:rPr lang="pt-BR" sz="1600" dirty="0"/>
               <a:t>Tela checkout</a:t>
             </a:r>
           </a:p>
@@ -19551,6 +18793,719 @@
     <p:extLst>
       <p:ext uri="{BB962C8B-B14F-4D97-AF65-F5344CB8AC3E}">
         <p14:creationId xmlns:p14="http://schemas.microsoft.com/office/powerpoint/2010/main" val="2800552147"/>
+      </p:ext>
+    </p:extLst>
+  </p:cSld>
+  <p:clrMapOvr>
+    <a:masterClrMapping/>
+  </p:clrMapOvr>
+</p:sld>
+</file>
+
+<file path=ppt/slides/slide38.xml><?xml version="1.0" encoding="utf-8"?>
+<p:sld xmlns:a="http://schemas.openxmlformats.org/drawingml/2006/main" xmlns:r="http://schemas.openxmlformats.org/officeDocument/2006/relationships" xmlns:p="http://schemas.openxmlformats.org/presentationml/2006/main">
+  <p:cSld>
+    <p:spTree>
+      <p:nvGrpSpPr>
+        <p:cNvPr id="1" name=""/>
+        <p:cNvGrpSpPr/>
+        <p:nvPr/>
+      </p:nvGrpSpPr>
+      <p:grpSpPr>
+        <a:xfrm>
+          <a:off x="0" y="0"/>
+          <a:ext cx="0" cy="0"/>
+          <a:chOff x="0" y="0"/>
+          <a:chExt cx="0" cy="0"/>
+        </a:xfrm>
+      </p:grpSpPr>
+      <p:sp>
+        <p:nvSpPr>
+          <p:cNvPr id="2" name="Título 1"/>
+          <p:cNvSpPr>
+            <a:spLocks noGrp="1"/>
+          </p:cNvSpPr>
+          <p:nvPr>
+            <p:ph type="title"/>
+          </p:nvPr>
+        </p:nvSpPr>
+        <p:spPr>
+          <a:xfrm>
+            <a:off x="1443945" y="75651"/>
+            <a:ext cx="6571343" cy="441184"/>
+          </a:xfrm>
+        </p:spPr>
+        <p:txBody>
+          <a:bodyPr>
+            <a:normAutofit fontScale="90000"/>
+          </a:bodyPr>
+          <a:lstStyle/>
+          <a:p>
+            <a:pPr algn="ctr"/>
+            <a:r>
+              <a:rPr lang="pt-BR" dirty="0"/>
+              <a:t>Cronograma de entregas</a:t>
+            </a:r>
+          </a:p>
+        </p:txBody>
+      </p:sp>
+      <p:cxnSp>
+        <p:nvCxnSpPr>
+          <p:cNvPr id="5" name="Conector reto 4">
+            <a:extLst>
+              <a:ext uri="{FF2B5EF4-FFF2-40B4-BE49-F238E27FC236}">
+                <a16:creationId xmlns:a16="http://schemas.microsoft.com/office/drawing/2014/main" id="{00B6769B-994B-4E7B-8C9C-0728EA8CC21B}"/>
+              </a:ext>
+            </a:extLst>
+          </p:cNvPr>
+          <p:cNvCxnSpPr/>
+          <p:nvPr/>
+        </p:nvCxnSpPr>
+        <p:spPr>
+          <a:xfrm>
+            <a:off x="702819" y="702364"/>
+            <a:ext cx="7646505" cy="0"/>
+          </a:xfrm>
+          <a:prstGeom prst="line">
+            <a:avLst/>
+          </a:prstGeom>
+        </p:spPr>
+        <p:style>
+          <a:lnRef idx="1">
+            <a:schemeClr val="accent1"/>
+          </a:lnRef>
+          <a:fillRef idx="0">
+            <a:schemeClr val="accent1"/>
+          </a:fillRef>
+          <a:effectRef idx="0">
+            <a:schemeClr val="accent1"/>
+          </a:effectRef>
+          <a:fontRef idx="minor">
+            <a:schemeClr val="tx1"/>
+          </a:fontRef>
+        </p:style>
+      </p:cxnSp>
+      <p:graphicFrame>
+        <p:nvGraphicFramePr>
+          <p:cNvPr id="3" name="Tabela 3">
+            <a:extLst>
+              <a:ext uri="{FF2B5EF4-FFF2-40B4-BE49-F238E27FC236}">
+                <a16:creationId xmlns:a16="http://schemas.microsoft.com/office/drawing/2014/main" id="{F6D5A0C7-7B9A-47AE-B6F7-309982EC4E67}"/>
+              </a:ext>
+            </a:extLst>
+          </p:cNvPr>
+          <p:cNvGraphicFramePr>
+            <a:graphicFrameLocks noGrp="1"/>
+          </p:cNvGraphicFramePr>
+          <p:nvPr>
+            <p:ph idx="1"/>
+            <p:extLst>
+              <p:ext uri="{D42A27DB-BD31-4B8C-83A1-F6EECF244321}">
+                <p14:modId xmlns:p14="http://schemas.microsoft.com/office/powerpoint/2010/main" val="3421369056"/>
+              </p:ext>
+            </p:extLst>
+          </p:nvPr>
+        </p:nvGraphicFramePr>
+        <p:xfrm>
+          <a:off x="0" y="579568"/>
+          <a:ext cx="9144000" cy="6220952"/>
+        </p:xfrm>
+        <a:graphic>
+          <a:graphicData uri="http://schemas.openxmlformats.org/drawingml/2006/table">
+            <a:tbl>
+              <a:tblPr firstRow="1" bandRow="1">
+                <a:tableStyleId>{5C22544A-7EE6-4342-B048-85BDC9FD1C3A}</a:tableStyleId>
+              </a:tblPr>
+              <a:tblGrid>
+                <a:gridCol w="1328547">
+                  <a:extLst>
+                    <a:ext uri="{9D8B030D-6E8A-4147-A177-3AD203B41FA5}">
+                      <a16:colId xmlns:a16="http://schemas.microsoft.com/office/drawing/2014/main" val="2759759386"/>
+                    </a:ext>
+                  </a:extLst>
+                </a:gridCol>
+                <a:gridCol w="7815453">
+                  <a:extLst>
+                    <a:ext uri="{9D8B030D-6E8A-4147-A177-3AD203B41FA5}">
+                      <a16:colId xmlns:a16="http://schemas.microsoft.com/office/drawing/2014/main" val="582159512"/>
+                    </a:ext>
+                  </a:extLst>
+                </a:gridCol>
+              </a:tblGrid>
+              <a:tr h="338022">
+                <a:tc>
+                  <a:txBody>
+                    <a:bodyPr/>
+                    <a:lstStyle/>
+                    <a:p>
+                      <a:r>
+                        <a:rPr lang="pt-BR" dirty="0"/>
+                        <a:t>DATA</a:t>
+                      </a:r>
+                    </a:p>
+                  </a:txBody>
+                  <a:tcPr/>
+                </a:tc>
+                <a:tc>
+                  <a:txBody>
+                    <a:bodyPr/>
+                    <a:lstStyle/>
+                    <a:p>
+                      <a:r>
+                        <a:rPr lang="pt-BR" dirty="0"/>
+                        <a:t>ENTREGA</a:t>
+                      </a:r>
+                    </a:p>
+                  </a:txBody>
+                  <a:tcPr/>
+                </a:tc>
+                <a:extLst>
+                  <a:ext uri="{0D108BD9-81ED-4DB2-BD59-A6C34878D82A}">
+                    <a16:rowId xmlns:a16="http://schemas.microsoft.com/office/drawing/2014/main" val="2061294802"/>
+                  </a:ext>
+                </a:extLst>
+              </a:tr>
+              <a:tr h="458414">
+                <a:tc>
+                  <a:txBody>
+                    <a:bodyPr/>
+                    <a:lstStyle/>
+                    <a:p>
+                      <a:r>
+                        <a:rPr lang="pt-BR" dirty="0"/>
+                        <a:t>05/08/2019</a:t>
+                      </a:r>
+                    </a:p>
+                  </a:txBody>
+                  <a:tcPr/>
+                </a:tc>
+                <a:tc>
+                  <a:txBody>
+                    <a:bodyPr/>
+                    <a:lstStyle/>
+                    <a:p>
+                      <a:r>
+                        <a:rPr lang="pt-BR" dirty="0"/>
+                        <a:t>E-mail com grupo, tema do e-commerce, tecnologias a serem utilizadas e primeira versão do documento de requisitos;</a:t>
+                      </a:r>
+                    </a:p>
+                  </a:txBody>
+                  <a:tcPr/>
+                </a:tc>
+                <a:extLst>
+                  <a:ext uri="{0D108BD9-81ED-4DB2-BD59-A6C34878D82A}">
+                    <a16:rowId xmlns:a16="http://schemas.microsoft.com/office/drawing/2014/main" val="624507616"/>
+                  </a:ext>
+                </a:extLst>
+              </a:tr>
+              <a:tr h="338022">
+                <a:tc>
+                  <a:txBody>
+                    <a:bodyPr/>
+                    <a:lstStyle/>
+                    <a:p>
+                      <a:r>
+                        <a:rPr lang="pt-BR" dirty="0"/>
+                        <a:t>07/08/2019</a:t>
+                      </a:r>
+                    </a:p>
+                  </a:txBody>
+                  <a:tcPr/>
+                </a:tc>
+                <a:tc>
+                  <a:txBody>
+                    <a:bodyPr/>
+                    <a:lstStyle/>
+                    <a:p>
+                      <a:r>
+                        <a:rPr lang="pt-BR" dirty="0"/>
+                        <a:t>Protótipos de telas Funcional (Execução no Browser);</a:t>
+                      </a:r>
+                    </a:p>
+                  </a:txBody>
+                  <a:tcPr/>
+                </a:tc>
+                <a:extLst>
+                  <a:ext uri="{0D108BD9-81ED-4DB2-BD59-A6C34878D82A}">
+                    <a16:rowId xmlns:a16="http://schemas.microsoft.com/office/drawing/2014/main" val="1170674606"/>
+                  </a:ext>
+                </a:extLst>
+              </a:tr>
+              <a:tr h="458414">
+                <a:tc>
+                  <a:txBody>
+                    <a:bodyPr/>
+                    <a:lstStyle/>
+                    <a:p>
+                      <a:r>
+                        <a:rPr lang="pt-BR" dirty="0"/>
+                        <a:t>19/08/2019</a:t>
+                      </a:r>
+                    </a:p>
+                  </a:txBody>
+                  <a:tcPr/>
+                </a:tc>
+                <a:tc>
+                  <a:txBody>
+                    <a:bodyPr/>
+                    <a:lstStyle/>
+                    <a:p>
+                      <a:r>
+                        <a:rPr lang="pt-BR" dirty="0"/>
+                        <a:t>Testes funcionais dos protótipos de telas do CRUD a ser entregue dia 26/08/2019;</a:t>
+                      </a:r>
+                    </a:p>
+                  </a:txBody>
+                  <a:tcPr/>
+                </a:tc>
+                <a:extLst>
+                  <a:ext uri="{0D108BD9-81ED-4DB2-BD59-A6C34878D82A}">
+                    <a16:rowId xmlns:a16="http://schemas.microsoft.com/office/drawing/2014/main" val="800531450"/>
+                  </a:ext>
+                </a:extLst>
+              </a:tr>
+              <a:tr h="338022">
+                <a:tc>
+                  <a:txBody>
+                    <a:bodyPr/>
+                    <a:lstStyle/>
+                    <a:p>
+                      <a:r>
+                        <a:rPr lang="pt-BR" dirty="0"/>
+                        <a:t>26/08/2019</a:t>
+                      </a:r>
+                    </a:p>
+                  </a:txBody>
+                  <a:tcPr/>
+                </a:tc>
+                <a:tc>
+                  <a:txBody>
+                    <a:bodyPr/>
+                    <a:lstStyle/>
+                    <a:p>
+                      <a:r>
+                        <a:rPr lang="pt-BR" dirty="0"/>
+                        <a:t>CRUD na arquitetura definida –contemplando requisitos equivalentes aos requisitos de cliente no documento de referência, deverá junto com a apresentação ter uma matriz que demonstre quais requisitos </a:t>
+                      </a:r>
+                      <a:r>
+                        <a:rPr lang="pt-BR" sz="1200" dirty="0"/>
+                        <a:t>(RF, RNF E RNS) </a:t>
+                      </a:r>
+                      <a:r>
+                        <a:rPr lang="pt-BR" dirty="0"/>
+                        <a:t>cumpridos;</a:t>
+                      </a:r>
+                    </a:p>
+                  </a:txBody>
+                  <a:tcPr/>
+                </a:tc>
+                <a:extLst>
+                  <a:ext uri="{0D108BD9-81ED-4DB2-BD59-A6C34878D82A}">
+                    <a16:rowId xmlns:a16="http://schemas.microsoft.com/office/drawing/2014/main" val="3018045629"/>
+                  </a:ext>
+                </a:extLst>
+              </a:tr>
+              <a:tr h="338022">
+                <a:tc>
+                  <a:txBody>
+                    <a:bodyPr/>
+                    <a:lstStyle/>
+                    <a:p>
+                      <a:r>
+                        <a:rPr lang="pt-BR" sz="1350" b="0" i="0" kern="1200" dirty="0">
+                          <a:solidFill>
+                            <a:schemeClr val="dk1"/>
+                          </a:solidFill>
+                          <a:effectLst/>
+                          <a:latin typeface="+mn-lt"/>
+                          <a:ea typeface="+mn-ea"/>
+                          <a:cs typeface="+mn-cs"/>
+                        </a:rPr>
+                        <a:t>09/09/2019</a:t>
+                      </a:r>
+                      <a:endParaRPr lang="pt-BR" b="0" dirty="0"/>
+                    </a:p>
+                  </a:txBody>
+                  <a:tcPr/>
+                </a:tc>
+                <a:tc>
+                  <a:txBody>
+                    <a:bodyPr/>
+                    <a:lstStyle/>
+                    <a:p>
+                      <a:r>
+                        <a:rPr lang="pt-BR" dirty="0"/>
+                        <a:t>Testes funcionais dos protótipos de telas da CONDUÇÃO a ser entregue dia16/09/2019;</a:t>
+                      </a:r>
+                    </a:p>
+                  </a:txBody>
+                  <a:tcPr/>
+                </a:tc>
+                <a:extLst>
+                  <a:ext uri="{0D108BD9-81ED-4DB2-BD59-A6C34878D82A}">
+                    <a16:rowId xmlns:a16="http://schemas.microsoft.com/office/drawing/2014/main" val="261462278"/>
+                  </a:ext>
+                </a:extLst>
+              </a:tr>
+              <a:tr h="338022">
+                <a:tc>
+                  <a:txBody>
+                    <a:bodyPr/>
+                    <a:lstStyle/>
+                    <a:p>
+                      <a:r>
+                        <a:rPr lang="pt-BR" sz="1350" b="0" i="0" kern="1200" dirty="0">
+                          <a:solidFill>
+                            <a:schemeClr val="dk1"/>
+                          </a:solidFill>
+                          <a:effectLst/>
+                          <a:latin typeface="+mn-lt"/>
+                          <a:ea typeface="+mn-ea"/>
+                          <a:cs typeface="+mn-cs"/>
+                        </a:rPr>
+                        <a:t>16/09/2019</a:t>
+                      </a:r>
+                      <a:endParaRPr lang="pt-BR" b="0" dirty="0"/>
+                    </a:p>
+                  </a:txBody>
+                  <a:tcPr/>
+                </a:tc>
+                <a:tc>
+                  <a:txBody>
+                    <a:bodyPr/>
+                    <a:lstStyle/>
+                    <a:p>
+                      <a:r>
+                        <a:rPr lang="pt-BR" sz="1350" b="0" i="0" kern="1200" dirty="0">
+                          <a:solidFill>
+                            <a:schemeClr val="dk1"/>
+                          </a:solidFill>
+                          <a:effectLst/>
+                          <a:latin typeface="+mn-lt"/>
+                          <a:ea typeface="+mn-ea"/>
+                          <a:cs typeface="+mn-cs"/>
+                        </a:rPr>
+                        <a:t>Testes funcionais da CONDUÇÃO;</a:t>
+                      </a:r>
+                      <a:endParaRPr lang="pt-BR" dirty="0"/>
+                    </a:p>
+                  </a:txBody>
+                  <a:tcPr/>
+                </a:tc>
+                <a:extLst>
+                  <a:ext uri="{0D108BD9-81ED-4DB2-BD59-A6C34878D82A}">
+                    <a16:rowId xmlns:a16="http://schemas.microsoft.com/office/drawing/2014/main" val="1568532842"/>
+                  </a:ext>
+                </a:extLst>
+              </a:tr>
+              <a:tr h="338022">
+                <a:tc>
+                  <a:txBody>
+                    <a:bodyPr/>
+                    <a:lstStyle/>
+                    <a:p>
+                      <a:r>
+                        <a:rPr lang="pt-BR" dirty="0"/>
+                        <a:t>23/09/2019</a:t>
+                      </a:r>
+                    </a:p>
+                  </a:txBody>
+                  <a:tcPr/>
+                </a:tc>
+                <a:tc>
+                  <a:txBody>
+                    <a:bodyPr/>
+                    <a:lstStyle/>
+                    <a:p>
+                      <a:r>
+                        <a:rPr lang="pt-BR" dirty="0"/>
+                        <a:t>Proposta Técnica Comercial;</a:t>
+                      </a:r>
+                    </a:p>
+                  </a:txBody>
+                  <a:tcPr/>
+                </a:tc>
+                <a:extLst>
+                  <a:ext uri="{0D108BD9-81ED-4DB2-BD59-A6C34878D82A}">
+                    <a16:rowId xmlns:a16="http://schemas.microsoft.com/office/drawing/2014/main" val="2186009936"/>
+                  </a:ext>
+                </a:extLst>
+              </a:tr>
+              <a:tr h="338022">
+                <a:tc>
+                  <a:txBody>
+                    <a:bodyPr/>
+                    <a:lstStyle/>
+                    <a:p>
+                      <a:r>
+                        <a:rPr lang="pt-BR" dirty="0"/>
+                        <a:t>30/09/2019</a:t>
+                      </a:r>
+                    </a:p>
+                  </a:txBody>
+                  <a:tcPr/>
+                </a:tc>
+                <a:tc>
+                  <a:txBody>
+                    <a:bodyPr/>
+                    <a:lstStyle/>
+                    <a:p>
+                      <a:r>
+                        <a:rPr lang="pt-BR" dirty="0"/>
+                        <a:t>Documento de Visão de Sistema;</a:t>
+                      </a:r>
+                    </a:p>
+                  </a:txBody>
+                  <a:tcPr/>
+                </a:tc>
+                <a:extLst>
+                  <a:ext uri="{0D108BD9-81ED-4DB2-BD59-A6C34878D82A}">
+                    <a16:rowId xmlns:a16="http://schemas.microsoft.com/office/drawing/2014/main" val="2985380693"/>
+                  </a:ext>
+                </a:extLst>
+              </a:tr>
+              <a:tr h="338022">
+                <a:tc>
+                  <a:txBody>
+                    <a:bodyPr/>
+                    <a:lstStyle/>
+                    <a:p>
+                      <a:r>
+                        <a:rPr lang="pt-BR" dirty="0"/>
+                        <a:t>14/10/2019</a:t>
+                      </a:r>
+                    </a:p>
+                  </a:txBody>
+                  <a:tcPr/>
+                </a:tc>
+                <a:tc>
+                  <a:txBody>
+                    <a:bodyPr/>
+                    <a:lstStyle/>
+                    <a:p>
+                      <a:r>
+                        <a:rPr lang="pt-BR" dirty="0"/>
+                        <a:t>Versão final da CONDUÇÃO, junto com a implementação deverá ser apresentada uma lista dos requisitos implementados e não implementados;</a:t>
+                      </a:r>
+                    </a:p>
+                  </a:txBody>
+                  <a:tcPr/>
+                </a:tc>
+                <a:extLst>
+                  <a:ext uri="{0D108BD9-81ED-4DB2-BD59-A6C34878D82A}">
+                    <a16:rowId xmlns:a16="http://schemas.microsoft.com/office/drawing/2014/main" val="1069647956"/>
+                  </a:ext>
+                </a:extLst>
+              </a:tr>
+              <a:tr h="338022">
+                <a:tc>
+                  <a:txBody>
+                    <a:bodyPr/>
+                    <a:lstStyle/>
+                    <a:p>
+                      <a:r>
+                        <a:rPr lang="pt-BR" sz="1350" b="0" i="0" kern="1200" dirty="0">
+                          <a:solidFill>
+                            <a:schemeClr val="dk1"/>
+                          </a:solidFill>
+                          <a:effectLst/>
+                          <a:latin typeface="+mn-lt"/>
+                          <a:ea typeface="+mn-ea"/>
+                          <a:cs typeface="+mn-cs"/>
+                        </a:rPr>
+                        <a:t>21/10/2019</a:t>
+                      </a:r>
+                      <a:endParaRPr lang="pt-BR" b="0" dirty="0"/>
+                    </a:p>
+                  </a:txBody>
+                  <a:tcPr/>
+                </a:tc>
+                <a:tc>
+                  <a:txBody>
+                    <a:bodyPr/>
+                    <a:lstStyle/>
+                    <a:p>
+                      <a:r>
+                        <a:rPr lang="pt-BR" dirty="0"/>
+                        <a:t>Especificação do caso de uso de condução;</a:t>
+                      </a:r>
+                    </a:p>
+                  </a:txBody>
+                  <a:tcPr/>
+                </a:tc>
+                <a:extLst>
+                  <a:ext uri="{0D108BD9-81ED-4DB2-BD59-A6C34878D82A}">
+                    <a16:rowId xmlns:a16="http://schemas.microsoft.com/office/drawing/2014/main" val="2579212052"/>
+                  </a:ext>
+                </a:extLst>
+              </a:tr>
+              <a:tr h="338022">
+                <a:tc>
+                  <a:txBody>
+                    <a:bodyPr/>
+                    <a:lstStyle/>
+                    <a:p>
+                      <a:r>
+                        <a:rPr lang="pt-BR" sz="1350" b="0" i="0" kern="1200" dirty="0">
+                          <a:solidFill>
+                            <a:schemeClr val="dk1"/>
+                          </a:solidFill>
+                          <a:effectLst/>
+                          <a:latin typeface="+mn-lt"/>
+                          <a:ea typeface="+mn-ea"/>
+                          <a:cs typeface="+mn-cs"/>
+                        </a:rPr>
+                        <a:t>04/11/2019</a:t>
+                      </a:r>
+                      <a:endParaRPr lang="pt-BR" b="0" dirty="0"/>
+                    </a:p>
+                  </a:txBody>
+                  <a:tcPr/>
+                </a:tc>
+                <a:tc>
+                  <a:txBody>
+                    <a:bodyPr/>
+                    <a:lstStyle/>
+                    <a:p>
+                      <a:r>
+                        <a:rPr lang="pt-BR" dirty="0"/>
+                        <a:t>Testes funcionais da ANÁLISE (Gráfico de linhas com consulta por período e pelo menos dois indicadores-linhas);</a:t>
+                      </a:r>
+                    </a:p>
+                  </a:txBody>
+                  <a:tcPr/>
+                </a:tc>
+                <a:extLst>
+                  <a:ext uri="{0D108BD9-81ED-4DB2-BD59-A6C34878D82A}">
+                    <a16:rowId xmlns:a16="http://schemas.microsoft.com/office/drawing/2014/main" val="1482875163"/>
+                  </a:ext>
+                </a:extLst>
+              </a:tr>
+              <a:tr h="338022">
+                <a:tc>
+                  <a:txBody>
+                    <a:bodyPr/>
+                    <a:lstStyle/>
+                    <a:p>
+                      <a:r>
+                        <a:rPr lang="pt-BR" sz="1350" b="0" i="0" kern="1200" dirty="0">
+                          <a:solidFill>
+                            <a:schemeClr val="dk1"/>
+                          </a:solidFill>
+                          <a:effectLst/>
+                          <a:latin typeface="+mn-lt"/>
+                          <a:ea typeface="+mn-ea"/>
+                          <a:cs typeface="+mn-cs"/>
+                        </a:rPr>
+                        <a:t>11/11/2019</a:t>
+                      </a:r>
+                      <a:endParaRPr lang="pt-BR" b="0" dirty="0"/>
+                    </a:p>
+                  </a:txBody>
+                  <a:tcPr/>
+                </a:tc>
+                <a:tc>
+                  <a:txBody>
+                    <a:bodyPr/>
+                    <a:lstStyle/>
+                    <a:p>
+                      <a:r>
+                        <a:rPr lang="pt-BR" dirty="0"/>
+                        <a:t>Apresentação do caso de uso de ANÁLISE implementado (Gráfico de linhas com consulta por período e pelo menos dois indicadores-linhas)</a:t>
+                      </a:r>
+                    </a:p>
+                  </a:txBody>
+                  <a:tcPr/>
+                </a:tc>
+                <a:extLst>
+                  <a:ext uri="{0D108BD9-81ED-4DB2-BD59-A6C34878D82A}">
+                    <a16:rowId xmlns:a16="http://schemas.microsoft.com/office/drawing/2014/main" val="317868729"/>
+                  </a:ext>
+                </a:extLst>
+              </a:tr>
+              <a:tr h="338022">
+                <a:tc>
+                  <a:txBody>
+                    <a:bodyPr/>
+                    <a:lstStyle/>
+                    <a:p>
+                      <a:r>
+                        <a:rPr lang="pt-BR" dirty="0"/>
+                        <a:t>18/11/2019</a:t>
+                      </a:r>
+                    </a:p>
+                  </a:txBody>
+                  <a:tcPr/>
+                </a:tc>
+                <a:tc>
+                  <a:txBody>
+                    <a:bodyPr/>
+                    <a:lstStyle/>
+                    <a:p>
+                      <a:r>
+                        <a:rPr lang="pt-BR" dirty="0"/>
+                        <a:t>Apresentação de todos documentos e implementação final com funcionalidades integradas.</a:t>
+                      </a:r>
+                    </a:p>
+                  </a:txBody>
+                  <a:tcPr/>
+                </a:tc>
+                <a:extLst>
+                  <a:ext uri="{0D108BD9-81ED-4DB2-BD59-A6C34878D82A}">
+                    <a16:rowId xmlns:a16="http://schemas.microsoft.com/office/drawing/2014/main" val="2385243908"/>
+                  </a:ext>
+                </a:extLst>
+              </a:tr>
+              <a:tr h="338022">
+                <a:tc>
+                  <a:txBody>
+                    <a:bodyPr/>
+                    <a:lstStyle/>
+                    <a:p>
+                      <a:r>
+                        <a:rPr lang="pt-BR" dirty="0"/>
+                        <a:t>02/12/2019</a:t>
+                      </a:r>
+                    </a:p>
+                  </a:txBody>
+                  <a:tcPr/>
+                </a:tc>
+                <a:tc>
+                  <a:txBody>
+                    <a:bodyPr/>
+                    <a:lstStyle/>
+                    <a:p>
+                      <a:r>
+                        <a:rPr lang="pt-BR" sz="1350" b="0" i="0" kern="1200" dirty="0">
+                          <a:solidFill>
+                            <a:schemeClr val="dk1"/>
+                          </a:solidFill>
+                          <a:effectLst/>
+                          <a:latin typeface="+mn-lt"/>
+                          <a:ea typeface="+mn-ea"/>
+                          <a:cs typeface="+mn-cs"/>
+                        </a:rPr>
+                        <a:t>Apresentação Final</a:t>
+                      </a:r>
+                      <a:endParaRPr lang="pt-BR" dirty="0"/>
+                    </a:p>
+                  </a:txBody>
+                  <a:tcPr/>
+                </a:tc>
+                <a:extLst>
+                  <a:ext uri="{0D108BD9-81ED-4DB2-BD59-A6C34878D82A}">
+                    <a16:rowId xmlns:a16="http://schemas.microsoft.com/office/drawing/2014/main" val="2886825203"/>
+                  </a:ext>
+                </a:extLst>
+              </a:tr>
+            </a:tbl>
+          </a:graphicData>
+        </a:graphic>
+      </p:graphicFrame>
+    </p:spTree>
+    <p:extLst>
+      <p:ext uri="{BB962C8B-B14F-4D97-AF65-F5344CB8AC3E}">
+        <p14:creationId xmlns:p14="http://schemas.microsoft.com/office/powerpoint/2010/main" val="1076557076"/>
       </p:ext>
     </p:extLst>
   </p:cSld>
